--- a/structure.pptx
+++ b/structure.pptx
@@ -6,9 +6,8 @@
   </p:sldMasterIdLst>
   <p:sldIdLst>
     <p:sldId id="256" r:id="rId2"/>
-    <p:sldId id="259" r:id="rId3"/>
-    <p:sldId id="257" r:id="rId4"/>
-    <p:sldId id="260" r:id="rId5"/>
+    <p:sldId id="261" r:id="rId3"/>
+    <p:sldId id="262" r:id="rId4"/>
   </p:sldIdLst>
   <p:sldSz cx="12192000" cy="6858000"/>
   <p:notesSz cx="6858000" cy="9144000"/>
@@ -262,7 +261,7 @@
           <a:p>
             <a:fld id="{9BF85753-BC59-4637-98A3-5F40923D95C3}" type="datetimeFigureOut">
               <a:rPr lang="zh-CN" altLang="en-US" smtClean="0"/>
-              <a:t>2020/6/25</a:t>
+              <a:t>2020/6/28</a:t>
             </a:fld>
             <a:endParaRPr lang="zh-CN" altLang="en-US"/>
           </a:p>
@@ -460,7 +459,7 @@
           <a:p>
             <a:fld id="{9BF85753-BC59-4637-98A3-5F40923D95C3}" type="datetimeFigureOut">
               <a:rPr lang="zh-CN" altLang="en-US" smtClean="0"/>
-              <a:t>2020/6/25</a:t>
+              <a:t>2020/6/28</a:t>
             </a:fld>
             <a:endParaRPr lang="zh-CN" altLang="en-US"/>
           </a:p>
@@ -668,7 +667,7 @@
           <a:p>
             <a:fld id="{9BF85753-BC59-4637-98A3-5F40923D95C3}" type="datetimeFigureOut">
               <a:rPr lang="zh-CN" altLang="en-US" smtClean="0"/>
-              <a:t>2020/6/25</a:t>
+              <a:t>2020/6/28</a:t>
             </a:fld>
             <a:endParaRPr lang="zh-CN" altLang="en-US"/>
           </a:p>
@@ -866,7 +865,7 @@
           <a:p>
             <a:fld id="{9BF85753-BC59-4637-98A3-5F40923D95C3}" type="datetimeFigureOut">
               <a:rPr lang="zh-CN" altLang="en-US" smtClean="0"/>
-              <a:t>2020/6/25</a:t>
+              <a:t>2020/6/28</a:t>
             </a:fld>
             <a:endParaRPr lang="zh-CN" altLang="en-US"/>
           </a:p>
@@ -1141,7 +1140,7 @@
           <a:p>
             <a:fld id="{9BF85753-BC59-4637-98A3-5F40923D95C3}" type="datetimeFigureOut">
               <a:rPr lang="zh-CN" altLang="en-US" smtClean="0"/>
-              <a:t>2020/6/25</a:t>
+              <a:t>2020/6/28</a:t>
             </a:fld>
             <a:endParaRPr lang="zh-CN" altLang="en-US"/>
           </a:p>
@@ -1406,7 +1405,7 @@
           <a:p>
             <a:fld id="{9BF85753-BC59-4637-98A3-5F40923D95C3}" type="datetimeFigureOut">
               <a:rPr lang="zh-CN" altLang="en-US" smtClean="0"/>
-              <a:t>2020/6/25</a:t>
+              <a:t>2020/6/28</a:t>
             </a:fld>
             <a:endParaRPr lang="zh-CN" altLang="en-US"/>
           </a:p>
@@ -1818,7 +1817,7 @@
           <a:p>
             <a:fld id="{9BF85753-BC59-4637-98A3-5F40923D95C3}" type="datetimeFigureOut">
               <a:rPr lang="zh-CN" altLang="en-US" smtClean="0"/>
-              <a:t>2020/6/25</a:t>
+              <a:t>2020/6/28</a:t>
             </a:fld>
             <a:endParaRPr lang="zh-CN" altLang="en-US"/>
           </a:p>
@@ -1959,7 +1958,7 @@
           <a:p>
             <a:fld id="{9BF85753-BC59-4637-98A3-5F40923D95C3}" type="datetimeFigureOut">
               <a:rPr lang="zh-CN" altLang="en-US" smtClean="0"/>
-              <a:t>2020/6/25</a:t>
+              <a:t>2020/6/28</a:t>
             </a:fld>
             <a:endParaRPr lang="zh-CN" altLang="en-US"/>
           </a:p>
@@ -2072,7 +2071,7 @@
           <a:p>
             <a:fld id="{9BF85753-BC59-4637-98A3-5F40923D95C3}" type="datetimeFigureOut">
               <a:rPr lang="zh-CN" altLang="en-US" smtClean="0"/>
-              <a:t>2020/6/25</a:t>
+              <a:t>2020/6/28</a:t>
             </a:fld>
             <a:endParaRPr lang="zh-CN" altLang="en-US"/>
           </a:p>
@@ -2383,7 +2382,7 @@
           <a:p>
             <a:fld id="{9BF85753-BC59-4637-98A3-5F40923D95C3}" type="datetimeFigureOut">
               <a:rPr lang="zh-CN" altLang="en-US" smtClean="0"/>
-              <a:t>2020/6/25</a:t>
+              <a:t>2020/6/28</a:t>
             </a:fld>
             <a:endParaRPr lang="zh-CN" altLang="en-US"/>
           </a:p>
@@ -2671,7 +2670,7 @@
           <a:p>
             <a:fld id="{9BF85753-BC59-4637-98A3-5F40923D95C3}" type="datetimeFigureOut">
               <a:rPr lang="zh-CN" altLang="en-US" smtClean="0"/>
-              <a:t>2020/6/25</a:t>
+              <a:t>2020/6/28</a:t>
             </a:fld>
             <a:endParaRPr lang="zh-CN" altLang="en-US"/>
           </a:p>
@@ -2912,7 +2911,7 @@
           <a:p>
             <a:fld id="{9BF85753-BC59-4637-98A3-5F40923D95C3}" type="datetimeFigureOut">
               <a:rPr lang="zh-CN" altLang="en-US" smtClean="0"/>
-              <a:t>2020/6/25</a:t>
+              <a:t>2020/6/28</a:t>
             </a:fld>
             <a:endParaRPr lang="zh-CN" altLang="en-US"/>
           </a:p>
@@ -3509,7 +3508,7 @@
             <a:avLst/>
           </a:prstGeom>
           <a:solidFill>
-            <a:srgbClr val="92D050"/>
+            <a:srgbClr val="FFC000"/>
           </a:solidFill>
           <a:ln>
             <a:solidFill>
@@ -3800,7 +3799,7 @@
             <a:avLst/>
           </a:prstGeom>
           <a:solidFill>
-            <a:srgbClr val="92D050"/>
+            <a:srgbClr val="FFC000"/>
           </a:solidFill>
           <a:ln>
             <a:solidFill>
@@ -3866,7 +3865,7 @@
             <a:avLst/>
           </a:prstGeom>
           <a:solidFill>
-            <a:srgbClr val="92D050"/>
+            <a:srgbClr val="FFC000"/>
           </a:solidFill>
           <a:ln>
             <a:solidFill>
@@ -3932,7 +3931,7 @@
             <a:avLst/>
           </a:prstGeom>
           <a:solidFill>
-            <a:srgbClr val="92D050"/>
+            <a:srgbClr val="FFC000"/>
           </a:solidFill>
           <a:ln>
             <a:solidFill>
@@ -3998,7 +3997,9 @@
             <a:avLst/>
           </a:prstGeom>
           <a:solidFill>
-            <a:srgbClr val="92D050"/>
+            <a:schemeClr val="bg2">
+              <a:lumMod val="90000"/>
+            </a:schemeClr>
           </a:solidFill>
           <a:ln>
             <a:solidFill>
@@ -4064,7 +4065,9 @@
             <a:avLst/>
           </a:prstGeom>
           <a:solidFill>
-            <a:srgbClr val="92D050"/>
+            <a:schemeClr val="bg2">
+              <a:lumMod val="90000"/>
+            </a:schemeClr>
           </a:solidFill>
           <a:ln>
             <a:solidFill>
@@ -4130,7 +4133,9 @@
             <a:avLst/>
           </a:prstGeom>
           <a:solidFill>
-            <a:srgbClr val="92D050"/>
+            <a:schemeClr val="bg2">
+              <a:lumMod val="90000"/>
+            </a:schemeClr>
           </a:solidFill>
           <a:ln>
             <a:solidFill>
@@ -4463,7 +4468,9 @@
             <a:avLst/>
           </a:prstGeom>
           <a:solidFill>
-            <a:srgbClr val="92D050"/>
+            <a:schemeClr val="bg2">
+              <a:lumMod val="90000"/>
+            </a:schemeClr>
           </a:solidFill>
           <a:ln>
             <a:solidFill>
@@ -4796,7 +4803,9 @@
             <a:avLst/>
           </a:prstGeom>
           <a:solidFill>
-            <a:srgbClr val="92D050"/>
+            <a:schemeClr val="bg2">
+              <a:lumMod val="90000"/>
+            </a:schemeClr>
           </a:solidFill>
           <a:ln>
             <a:solidFill>
@@ -5018,7 +5027,9 @@
             <a:avLst/>
           </a:prstGeom>
           <a:solidFill>
-            <a:srgbClr val="92D050"/>
+            <a:schemeClr val="bg2">
+              <a:lumMod val="90000"/>
+            </a:schemeClr>
           </a:solidFill>
           <a:ln>
             <a:solidFill>
@@ -5282,7 +5293,7 @@
             <a:avLst/>
           </a:prstGeom>
           <a:solidFill>
-            <a:srgbClr val="92D050"/>
+            <a:srgbClr val="FFC000"/>
           </a:solidFill>
           <a:ln>
             <a:solidFill>
@@ -5348,7 +5359,7 @@
             <a:avLst/>
           </a:prstGeom>
           <a:solidFill>
-            <a:srgbClr val="92D050"/>
+            <a:srgbClr val="FFC000"/>
           </a:solidFill>
           <a:ln>
             <a:solidFill>
@@ -5546,7 +5557,7 @@
             <a:avLst/>
           </a:prstGeom>
           <a:solidFill>
-            <a:srgbClr val="92D050"/>
+            <a:srgbClr val="FFC000"/>
           </a:solidFill>
           <a:ln>
             <a:solidFill>
@@ -6107,7 +6118,9 @@
             <a:avLst/>
           </a:prstGeom>
           <a:solidFill>
-            <a:srgbClr val="92D050"/>
+            <a:schemeClr val="bg2">
+              <a:lumMod val="90000"/>
+            </a:schemeClr>
           </a:solidFill>
           <a:ln>
             <a:solidFill>
@@ -6218,7 +6231,9 @@
             <a:avLst/>
           </a:prstGeom>
           <a:solidFill>
-            <a:srgbClr val="92D050"/>
+            <a:schemeClr val="bg2">
+              <a:lumMod val="90000"/>
+            </a:schemeClr>
           </a:solidFill>
           <a:ln>
             <a:solidFill>
@@ -6329,7 +6344,9 @@
             <a:avLst/>
           </a:prstGeom>
           <a:solidFill>
-            <a:srgbClr val="92D050"/>
+            <a:schemeClr val="bg2">
+              <a:lumMod val="90000"/>
+            </a:schemeClr>
           </a:solidFill>
           <a:ln>
             <a:solidFill>
@@ -6395,7 +6412,9 @@
             <a:avLst/>
           </a:prstGeom>
           <a:solidFill>
-            <a:srgbClr val="92D050"/>
+            <a:schemeClr val="bg2">
+              <a:lumMod val="90000"/>
+            </a:schemeClr>
           </a:solidFill>
           <a:ln>
             <a:solidFill>
@@ -6461,7 +6480,9 @@
             <a:avLst/>
           </a:prstGeom>
           <a:solidFill>
-            <a:srgbClr val="92D050"/>
+            <a:schemeClr val="bg2">
+              <a:lumMod val="90000"/>
+            </a:schemeClr>
           </a:solidFill>
           <a:ln>
             <a:solidFill>
@@ -6661,9 +6682,7 @@
           <a:prstGeom prst="rect">
             <a:avLst/>
           </a:prstGeom>
-          <a:solidFill>
-            <a:srgbClr val="92D050"/>
-          </a:solidFill>
+          <a:noFill/>
           <a:ln>
             <a:solidFill>
               <a:schemeClr val="tx1"/>
@@ -7793,7 +7812,7 @@
             <a:avLst/>
           </a:prstGeom>
           <a:solidFill>
-            <a:srgbClr val="92D050"/>
+            <a:srgbClr val="FFC000"/>
           </a:solidFill>
           <a:ln>
             <a:solidFill>
@@ -7859,7 +7878,7 @@
             <a:avLst/>
           </a:prstGeom>
           <a:solidFill>
-            <a:srgbClr val="92D050"/>
+            <a:srgbClr val="FFC000"/>
           </a:solidFill>
           <a:ln>
             <a:solidFill>
@@ -7925,7 +7944,7 @@
             <a:avLst/>
           </a:prstGeom>
           <a:solidFill>
-            <a:srgbClr val="92D050"/>
+            <a:srgbClr val="FFC000"/>
           </a:solidFill>
           <a:ln>
             <a:solidFill>
@@ -7991,7 +8010,7 @@
             <a:avLst/>
           </a:prstGeom>
           <a:solidFill>
-            <a:srgbClr val="92D050"/>
+            <a:srgbClr val="FFC000"/>
           </a:solidFill>
           <a:ln>
             <a:solidFill>
@@ -8123,7 +8142,7 @@
             <a:avLst/>
           </a:prstGeom>
           <a:solidFill>
-            <a:srgbClr val="92D050"/>
+            <a:srgbClr val="FFC000"/>
           </a:solidFill>
           <a:ln>
             <a:solidFill>
@@ -8189,7 +8208,7 @@
             <a:avLst/>
           </a:prstGeom>
           <a:solidFill>
-            <a:srgbClr val="92D050"/>
+            <a:srgbClr val="FFC000"/>
           </a:solidFill>
           <a:ln>
             <a:solidFill>
@@ -8255,7 +8274,7 @@
             <a:avLst/>
           </a:prstGeom>
           <a:solidFill>
-            <a:srgbClr val="92D050"/>
+            <a:srgbClr val="FFC000"/>
           </a:solidFill>
           <a:ln>
             <a:solidFill>
@@ -8321,7 +8340,7 @@
             <a:avLst/>
           </a:prstGeom>
           <a:solidFill>
-            <a:srgbClr val="92D050"/>
+            <a:srgbClr val="FFC000"/>
           </a:solidFill>
           <a:ln>
             <a:solidFill>
@@ -8387,7 +8406,7 @@
             <a:avLst/>
           </a:prstGeom>
           <a:solidFill>
-            <a:srgbClr val="92D050"/>
+            <a:srgbClr val="FFC000"/>
           </a:solidFill>
           <a:ln>
             <a:solidFill>
@@ -8453,7 +8472,7 @@
             <a:avLst/>
           </a:prstGeom>
           <a:solidFill>
-            <a:srgbClr val="92D050"/>
+            <a:srgbClr val="FFC000"/>
           </a:solidFill>
           <a:ln>
             <a:solidFill>
@@ -8519,7 +8538,7 @@
             <a:avLst/>
           </a:prstGeom>
           <a:solidFill>
-            <a:srgbClr val="92D050"/>
+            <a:srgbClr val="FFC000"/>
           </a:solidFill>
           <a:ln>
             <a:solidFill>
@@ -8765,7 +8784,7 @@
             <a:avLst/>
           </a:prstGeom>
           <a:solidFill>
-            <a:srgbClr val="92D050"/>
+            <a:srgbClr val="FFC000"/>
           </a:solidFill>
           <a:ln>
             <a:solidFill>
@@ -8831,7 +8850,7 @@
             <a:avLst/>
           </a:prstGeom>
           <a:solidFill>
-            <a:srgbClr val="92D050"/>
+            <a:srgbClr val="FFC000"/>
           </a:solidFill>
           <a:ln>
             <a:solidFill>
@@ -8897,7 +8916,7 @@
             <a:avLst/>
           </a:prstGeom>
           <a:solidFill>
-            <a:srgbClr val="92D050"/>
+            <a:srgbClr val="FFC000"/>
           </a:solidFill>
           <a:ln>
             <a:solidFill>
@@ -9823,15 +9842,13 @@
         </p:nvSpPr>
         <p:spPr>
           <a:xfrm>
-            <a:off x="5190824" y="6283907"/>
+            <a:off x="4846616" y="6283828"/>
             <a:ext cx="2550918" cy="525078"/>
           </a:xfrm>
           <a:prstGeom prst="rect">
             <a:avLst/>
           </a:prstGeom>
-          <a:solidFill>
-            <a:srgbClr val="92D050"/>
-          </a:solidFill>
+          <a:noFill/>
           <a:ln>
             <a:solidFill>
               <a:schemeClr val="tx1"/>
@@ -9889,15 +9906,13 @@
         </p:nvSpPr>
         <p:spPr>
           <a:xfrm>
-            <a:off x="5185058" y="4993780"/>
+            <a:off x="4833705" y="5021683"/>
             <a:ext cx="2550918" cy="525078"/>
           </a:xfrm>
           <a:prstGeom prst="rect">
             <a:avLst/>
           </a:prstGeom>
-          <a:solidFill>
-            <a:srgbClr val="92D050"/>
-          </a:solidFill>
+          <a:noFill/>
           <a:ln>
             <a:solidFill>
               <a:schemeClr val="tx1"/>
@@ -9955,15 +9970,13 @@
         </p:nvSpPr>
         <p:spPr>
           <a:xfrm>
-            <a:off x="5257444" y="5652201"/>
+            <a:off x="4840619" y="5663398"/>
             <a:ext cx="2483974" cy="525078"/>
           </a:xfrm>
           <a:prstGeom prst="rect">
             <a:avLst/>
           </a:prstGeom>
-          <a:solidFill>
-            <a:srgbClr val="92D050"/>
-          </a:solidFill>
+          <a:noFill/>
           <a:ln>
             <a:solidFill>
               <a:schemeClr val="tx1"/>
@@ -10343,7 +10356,7 @@
             <a:avLst/>
           </a:prstGeom>
           <a:solidFill>
-            <a:srgbClr val="92D050"/>
+            <a:srgbClr val="FFC000"/>
           </a:solidFill>
           <a:ln>
             <a:solidFill>
@@ -10513,7 +10526,7 @@
         </p:nvSpPr>
         <p:spPr>
           <a:xfrm>
-            <a:off x="7781188" y="5734626"/>
+            <a:off x="7826580" y="5770534"/>
             <a:ext cx="1379283" cy="310533"/>
           </a:xfrm>
           <a:prstGeom prst="rect">
@@ -10631,6 +10644,94 @@
           </a:p>
         </p:txBody>
       </p:sp>
+      <p:cxnSp>
+        <p:nvCxnSpPr>
+          <p:cNvPr id="131" name="连接符: 肘形 130">
+            <a:extLst>
+              <a:ext uri="{FF2B5EF4-FFF2-40B4-BE49-F238E27FC236}">
+                <a16:creationId xmlns:a16="http://schemas.microsoft.com/office/drawing/2014/main" id="{AA24C6AD-8A94-4B64-A51C-DF0C109D846D}"/>
+              </a:ext>
+            </a:extLst>
+          </p:cNvPr>
+          <p:cNvCxnSpPr>
+            <a:cxnSpLocks/>
+            <a:stCxn id="772" idx="3"/>
+            <a:endCxn id="150" idx="1"/>
+          </p:cNvCxnSpPr>
+          <p:nvPr/>
+        </p:nvCxnSpPr>
+        <p:spPr>
+          <a:xfrm flipV="1">
+            <a:off x="7324593" y="5925801"/>
+            <a:ext cx="501987" cy="136"/>
+          </a:xfrm>
+          <a:prstGeom prst="bentConnector3">
+            <a:avLst>
+              <a:gd name="adj1" fmla="val 50000"/>
+            </a:avLst>
+          </a:prstGeom>
+          <a:ln>
+            <a:tailEnd type="triangle"/>
+          </a:ln>
+        </p:spPr>
+        <p:style>
+          <a:lnRef idx="1">
+            <a:schemeClr val="accent1"/>
+          </a:lnRef>
+          <a:fillRef idx="0">
+            <a:schemeClr val="accent1"/>
+          </a:fillRef>
+          <a:effectRef idx="0">
+            <a:schemeClr val="accent1"/>
+          </a:effectRef>
+          <a:fontRef idx="minor">
+            <a:schemeClr val="tx1"/>
+          </a:fontRef>
+        </p:style>
+      </p:cxnSp>
+      <p:cxnSp>
+        <p:nvCxnSpPr>
+          <p:cNvPr id="137" name="连接符: 肘形 136">
+            <a:extLst>
+              <a:ext uri="{FF2B5EF4-FFF2-40B4-BE49-F238E27FC236}">
+                <a16:creationId xmlns:a16="http://schemas.microsoft.com/office/drawing/2014/main" id="{733B1551-D46E-4F8A-B15C-278305B4ADCA}"/>
+              </a:ext>
+            </a:extLst>
+          </p:cNvPr>
+          <p:cNvCxnSpPr>
+            <a:cxnSpLocks/>
+          </p:cNvCxnSpPr>
+          <p:nvPr/>
+        </p:nvCxnSpPr>
+        <p:spPr>
+          <a:xfrm>
+            <a:off x="1343268" y="523345"/>
+            <a:ext cx="826936" cy="3095850"/>
+          </a:xfrm>
+          <a:prstGeom prst="bentConnector3">
+            <a:avLst>
+              <a:gd name="adj1" fmla="val 50000"/>
+            </a:avLst>
+          </a:prstGeom>
+          <a:ln>
+            <a:tailEnd type="triangle"/>
+          </a:ln>
+        </p:spPr>
+        <p:style>
+          <a:lnRef idx="1">
+            <a:schemeClr val="accent1"/>
+          </a:lnRef>
+          <a:fillRef idx="0">
+            <a:schemeClr val="accent1"/>
+          </a:fillRef>
+          <a:effectRef idx="0">
+            <a:schemeClr val="accent1"/>
+          </a:effectRef>
+          <a:fontRef idx="minor">
+            <a:schemeClr val="tx1"/>
+          </a:fontRef>
+        </p:style>
+      </p:cxnSp>
     </p:spTree>
     <p:extLst>
       <p:ext uri="{BB962C8B-B14F-4D97-AF65-F5344CB8AC3E}">
@@ -10661,10 +10762,4343 @@
           <a:chExt cx="0" cy="0"/>
         </a:xfrm>
       </p:grpSpPr>
+      <p:sp>
+        <p:nvSpPr>
+          <p:cNvPr id="4" name="矩形 3">
+            <a:extLst>
+              <a:ext uri="{FF2B5EF4-FFF2-40B4-BE49-F238E27FC236}">
+                <a16:creationId xmlns:a16="http://schemas.microsoft.com/office/drawing/2014/main" id="{EED1144C-3A57-4C6D-8B67-C48BC5CF9921}"/>
+              </a:ext>
+            </a:extLst>
+          </p:cNvPr>
+          <p:cNvSpPr/>
+          <p:nvPr/>
+        </p:nvSpPr>
+        <p:spPr>
+          <a:xfrm>
+            <a:off x="139176" y="61575"/>
+            <a:ext cx="1204092" cy="923540"/>
+          </a:xfrm>
+          <a:prstGeom prst="rect">
+            <a:avLst/>
+          </a:prstGeom>
+          <a:solidFill>
+            <a:schemeClr val="bg1"/>
+          </a:solidFill>
+          <a:ln>
+            <a:solidFill>
+              <a:schemeClr val="tx1"/>
+            </a:solidFill>
+          </a:ln>
+        </p:spPr>
+        <p:style>
+          <a:lnRef idx="2">
+            <a:schemeClr val="accent1">
+              <a:shade val="50000"/>
+            </a:schemeClr>
+          </a:lnRef>
+          <a:fillRef idx="1">
+            <a:schemeClr val="accent1"/>
+          </a:fillRef>
+          <a:effectRef idx="0">
+            <a:schemeClr val="accent1"/>
+          </a:effectRef>
+          <a:fontRef idx="minor">
+            <a:schemeClr val="lt1"/>
+          </a:fontRef>
+        </p:style>
+        <p:txBody>
+          <a:bodyPr rtlCol="0" anchor="ctr"/>
+          <a:lstStyle/>
+          <a:p>
+            <a:r>
+              <a:rPr lang="en-US" altLang="zh-CN" sz="3200" b="1" dirty="0">
+                <a:solidFill>
+                  <a:schemeClr val="tx1"/>
+                </a:solidFill>
+              </a:rPr>
+              <a:t>Expr</a:t>
+            </a:r>
+          </a:p>
+          <a:p>
+            <a:r>
+              <a:rPr lang="en-US" altLang="zh-CN" sz="1100" b="1" dirty="0" err="1">
+                <a:solidFill>
+                  <a:schemeClr val="tx1"/>
+                </a:solidFill>
+              </a:rPr>
+              <a:t>typecheck</a:t>
+            </a:r>
+            <a:r>
+              <a:rPr lang="en-US" altLang="zh-CN" sz="1100" b="1" dirty="0">
+                <a:solidFill>
+                  <a:schemeClr val="tx1"/>
+                </a:solidFill>
+              </a:rPr>
+              <a:t>(E)</a:t>
+            </a:r>
+          </a:p>
+          <a:p>
+            <a:r>
+              <a:rPr lang="en-US" altLang="zh-CN" sz="1100" b="1" dirty="0">
+                <a:solidFill>
+                  <a:schemeClr val="tx1"/>
+                </a:solidFill>
+              </a:rPr>
+              <a:t>eval(s)</a:t>
+            </a:r>
+            <a:endParaRPr lang="zh-CN" altLang="en-US" sz="1050" b="1" dirty="0">
+              <a:solidFill>
+                <a:schemeClr val="tx1"/>
+              </a:solidFill>
+            </a:endParaRPr>
+          </a:p>
+        </p:txBody>
+      </p:sp>
+      <p:sp>
+        <p:nvSpPr>
+          <p:cNvPr id="5" name="矩形 4">
+            <a:extLst>
+              <a:ext uri="{FF2B5EF4-FFF2-40B4-BE49-F238E27FC236}">
+                <a16:creationId xmlns:a16="http://schemas.microsoft.com/office/drawing/2014/main" id="{BB2FDD71-A865-44C1-B2D3-5DE8435B38FB}"/>
+              </a:ext>
+            </a:extLst>
+          </p:cNvPr>
+          <p:cNvSpPr/>
+          <p:nvPr/>
+        </p:nvSpPr>
+        <p:spPr>
+          <a:xfrm>
+            <a:off x="2139275" y="3026478"/>
+            <a:ext cx="1134623" cy="253737"/>
+          </a:xfrm>
+          <a:prstGeom prst="rect">
+            <a:avLst/>
+          </a:prstGeom>
+          <a:solidFill>
+            <a:srgbClr val="92D050"/>
+          </a:solidFill>
+          <a:ln>
+            <a:solidFill>
+              <a:schemeClr val="tx1"/>
+            </a:solidFill>
+          </a:ln>
+        </p:spPr>
+        <p:style>
+          <a:lnRef idx="2">
+            <a:schemeClr val="accent1">
+              <a:shade val="50000"/>
+            </a:schemeClr>
+          </a:lnRef>
+          <a:fillRef idx="1">
+            <a:schemeClr val="accent1"/>
+          </a:fillRef>
+          <a:effectRef idx="0">
+            <a:schemeClr val="accent1"/>
+          </a:effectRef>
+          <a:fontRef idx="minor">
+            <a:schemeClr val="lt1"/>
+          </a:fontRef>
+        </p:style>
+        <p:txBody>
+          <a:bodyPr rtlCol="0" anchor="ctr"/>
+          <a:lstStyle/>
+          <a:p>
+            <a:pPr algn="ctr"/>
+            <a:r>
+              <a:rPr lang="en-US" altLang="zh-CN" sz="1400" dirty="0" err="1">
+                <a:solidFill>
+                  <a:schemeClr val="tx1"/>
+                </a:solidFill>
+              </a:rPr>
+              <a:t>BinaryExpr</a:t>
+            </a:r>
+            <a:endParaRPr lang="zh-CN" altLang="en-US" sz="1400" dirty="0">
+              <a:solidFill>
+                <a:schemeClr val="tx1"/>
+              </a:solidFill>
+            </a:endParaRPr>
+          </a:p>
+        </p:txBody>
+      </p:sp>
+      <p:sp>
+        <p:nvSpPr>
+          <p:cNvPr id="8" name="矩形 7">
+            <a:extLst>
+              <a:ext uri="{FF2B5EF4-FFF2-40B4-BE49-F238E27FC236}">
+                <a16:creationId xmlns:a16="http://schemas.microsoft.com/office/drawing/2014/main" id="{FFCDD786-92AC-4EDB-99D0-F6E58DD4AED8}"/>
+              </a:ext>
+            </a:extLst>
+          </p:cNvPr>
+          <p:cNvSpPr/>
+          <p:nvPr/>
+        </p:nvSpPr>
+        <p:spPr>
+          <a:xfrm>
+            <a:off x="5174910" y="1789726"/>
+            <a:ext cx="811330" cy="253737"/>
+          </a:xfrm>
+          <a:prstGeom prst="rect">
+            <a:avLst/>
+          </a:prstGeom>
+          <a:solidFill>
+            <a:srgbClr val="FFC000"/>
+          </a:solidFill>
+          <a:ln>
+            <a:solidFill>
+              <a:schemeClr val="tx1"/>
+            </a:solidFill>
+          </a:ln>
+        </p:spPr>
+        <p:style>
+          <a:lnRef idx="2">
+            <a:schemeClr val="accent1">
+              <a:shade val="50000"/>
+            </a:schemeClr>
+          </a:lnRef>
+          <a:fillRef idx="1">
+            <a:schemeClr val="accent1"/>
+          </a:fillRef>
+          <a:effectRef idx="0">
+            <a:schemeClr val="accent1"/>
+          </a:effectRef>
+          <a:fontRef idx="minor">
+            <a:schemeClr val="lt1"/>
+          </a:fontRef>
+        </p:style>
+        <p:txBody>
+          <a:bodyPr rtlCol="0" anchor="ctr"/>
+          <a:lstStyle/>
+          <a:p>
+            <a:pPr algn="ctr"/>
+            <a:r>
+              <a:rPr lang="en-US" altLang="zh-CN" sz="1400" dirty="0" err="1">
+                <a:solidFill>
+                  <a:schemeClr val="tx1"/>
+                </a:solidFill>
+              </a:rPr>
+              <a:t>RelExpr</a:t>
+            </a:r>
+            <a:endParaRPr lang="zh-CN" altLang="en-US" sz="1400" dirty="0">
+              <a:solidFill>
+                <a:schemeClr val="tx1"/>
+              </a:solidFill>
+            </a:endParaRPr>
+          </a:p>
+        </p:txBody>
+      </p:sp>
+      <p:cxnSp>
+        <p:nvCxnSpPr>
+          <p:cNvPr id="11" name="连接符: 肘形 10">
+            <a:extLst>
+              <a:ext uri="{FF2B5EF4-FFF2-40B4-BE49-F238E27FC236}">
+                <a16:creationId xmlns:a16="http://schemas.microsoft.com/office/drawing/2014/main" id="{09C32468-0603-49AE-87CD-BB6DD515EE80}"/>
+              </a:ext>
+            </a:extLst>
+          </p:cNvPr>
+          <p:cNvCxnSpPr>
+            <a:cxnSpLocks/>
+            <a:stCxn id="5" idx="3"/>
+            <a:endCxn id="8" idx="1"/>
+          </p:cNvCxnSpPr>
+          <p:nvPr/>
+        </p:nvCxnSpPr>
+        <p:spPr>
+          <a:xfrm flipV="1">
+            <a:off x="3273898" y="1916595"/>
+            <a:ext cx="1901012" cy="1236752"/>
+          </a:xfrm>
+          <a:prstGeom prst="bentConnector3">
+            <a:avLst>
+              <a:gd name="adj1" fmla="val 50000"/>
+            </a:avLst>
+          </a:prstGeom>
+          <a:ln>
+            <a:tailEnd type="triangle"/>
+          </a:ln>
+        </p:spPr>
+        <p:style>
+          <a:lnRef idx="1">
+            <a:schemeClr val="accent1"/>
+          </a:lnRef>
+          <a:fillRef idx="0">
+            <a:schemeClr val="accent1"/>
+          </a:fillRef>
+          <a:effectRef idx="0">
+            <a:schemeClr val="accent1"/>
+          </a:effectRef>
+          <a:fontRef idx="minor">
+            <a:schemeClr val="tx1"/>
+          </a:fontRef>
+        </p:style>
+      </p:cxnSp>
+      <p:cxnSp>
+        <p:nvCxnSpPr>
+          <p:cNvPr id="15" name="连接符: 肘形 14">
+            <a:extLst>
+              <a:ext uri="{FF2B5EF4-FFF2-40B4-BE49-F238E27FC236}">
+                <a16:creationId xmlns:a16="http://schemas.microsoft.com/office/drawing/2014/main" id="{1B7114E0-948B-4C30-92A4-2322C7220CC4}"/>
+              </a:ext>
+            </a:extLst>
+          </p:cNvPr>
+          <p:cNvCxnSpPr>
+            <a:cxnSpLocks/>
+            <a:stCxn id="4" idx="3"/>
+            <a:endCxn id="5" idx="1"/>
+          </p:cNvCxnSpPr>
+          <p:nvPr/>
+        </p:nvCxnSpPr>
+        <p:spPr>
+          <a:xfrm>
+            <a:off x="1343268" y="523345"/>
+            <a:ext cx="796007" cy="2630002"/>
+          </a:xfrm>
+          <a:prstGeom prst="bentConnector3">
+            <a:avLst>
+              <a:gd name="adj1" fmla="val 50000"/>
+            </a:avLst>
+          </a:prstGeom>
+          <a:ln>
+            <a:tailEnd type="triangle"/>
+          </a:ln>
+        </p:spPr>
+        <p:style>
+          <a:lnRef idx="1">
+            <a:schemeClr val="accent1"/>
+          </a:lnRef>
+          <a:fillRef idx="0">
+            <a:schemeClr val="accent1"/>
+          </a:fillRef>
+          <a:effectRef idx="0">
+            <a:schemeClr val="accent1"/>
+          </a:effectRef>
+          <a:fontRef idx="minor">
+            <a:schemeClr val="tx1"/>
+          </a:fontRef>
+        </p:style>
+      </p:cxnSp>
+      <p:cxnSp>
+        <p:nvCxnSpPr>
+          <p:cNvPr id="16" name="连接符: 肘形 15">
+            <a:extLst>
+              <a:ext uri="{FF2B5EF4-FFF2-40B4-BE49-F238E27FC236}">
+                <a16:creationId xmlns:a16="http://schemas.microsoft.com/office/drawing/2014/main" id="{9C9C3CB3-C9BF-4BE5-8F89-E37362B998ED}"/>
+              </a:ext>
+            </a:extLst>
+          </p:cNvPr>
+          <p:cNvCxnSpPr>
+            <a:cxnSpLocks/>
+            <a:stCxn id="5" idx="3"/>
+            <a:endCxn id="21" idx="1"/>
+          </p:cNvCxnSpPr>
+          <p:nvPr/>
+        </p:nvCxnSpPr>
+        <p:spPr>
+          <a:xfrm>
+            <a:off x="3273898" y="3153347"/>
+            <a:ext cx="1902095" cy="148785"/>
+          </a:xfrm>
+          <a:prstGeom prst="bentConnector3">
+            <a:avLst>
+              <a:gd name="adj1" fmla="val 50000"/>
+            </a:avLst>
+          </a:prstGeom>
+          <a:ln>
+            <a:tailEnd type="triangle"/>
+          </a:ln>
+        </p:spPr>
+        <p:style>
+          <a:lnRef idx="1">
+            <a:schemeClr val="accent1"/>
+          </a:lnRef>
+          <a:fillRef idx="0">
+            <a:schemeClr val="accent1"/>
+          </a:fillRef>
+          <a:effectRef idx="0">
+            <a:schemeClr val="accent1"/>
+          </a:effectRef>
+          <a:fontRef idx="minor">
+            <a:schemeClr val="tx1"/>
+          </a:fontRef>
+        </p:style>
+      </p:cxnSp>
+      <p:cxnSp>
+        <p:nvCxnSpPr>
+          <p:cNvPr id="17" name="连接符: 肘形 16">
+            <a:extLst>
+              <a:ext uri="{FF2B5EF4-FFF2-40B4-BE49-F238E27FC236}">
+                <a16:creationId xmlns:a16="http://schemas.microsoft.com/office/drawing/2014/main" id="{01625616-CEC9-435D-B136-1B52F3367EC9}"/>
+              </a:ext>
+            </a:extLst>
+          </p:cNvPr>
+          <p:cNvCxnSpPr>
+            <a:cxnSpLocks/>
+            <a:stCxn id="5" idx="3"/>
+            <a:endCxn id="27" idx="1"/>
+          </p:cNvCxnSpPr>
+          <p:nvPr/>
+        </p:nvCxnSpPr>
+        <p:spPr>
+          <a:xfrm flipV="1">
+            <a:off x="3273898" y="340666"/>
+            <a:ext cx="1902095" cy="2812681"/>
+          </a:xfrm>
+          <a:prstGeom prst="bentConnector3">
+            <a:avLst>
+              <a:gd name="adj1" fmla="val 50000"/>
+            </a:avLst>
+          </a:prstGeom>
+          <a:ln>
+            <a:tailEnd type="triangle"/>
+          </a:ln>
+        </p:spPr>
+        <p:style>
+          <a:lnRef idx="1">
+            <a:schemeClr val="accent1"/>
+          </a:lnRef>
+          <a:fillRef idx="0">
+            <a:schemeClr val="accent1"/>
+          </a:fillRef>
+          <a:effectRef idx="0">
+            <a:schemeClr val="accent1"/>
+          </a:effectRef>
+          <a:fontRef idx="minor">
+            <a:schemeClr val="tx1"/>
+          </a:fontRef>
+        </p:style>
+      </p:cxnSp>
+      <p:cxnSp>
+        <p:nvCxnSpPr>
+          <p:cNvPr id="18" name="连接符: 肘形 17">
+            <a:extLst>
+              <a:ext uri="{FF2B5EF4-FFF2-40B4-BE49-F238E27FC236}">
+                <a16:creationId xmlns:a16="http://schemas.microsoft.com/office/drawing/2014/main" id="{BAA94EB0-D05F-4955-8F26-78E409497942}"/>
+              </a:ext>
+            </a:extLst>
+          </p:cNvPr>
+          <p:cNvCxnSpPr>
+            <a:cxnSpLocks/>
+            <a:stCxn id="5" idx="3"/>
+            <a:endCxn id="38" idx="1"/>
+          </p:cNvCxnSpPr>
+          <p:nvPr/>
+        </p:nvCxnSpPr>
+        <p:spPr>
+          <a:xfrm flipV="1">
+            <a:off x="3273898" y="1499482"/>
+            <a:ext cx="1901012" cy="1653865"/>
+          </a:xfrm>
+          <a:prstGeom prst="bentConnector3">
+            <a:avLst>
+              <a:gd name="adj1" fmla="val 50000"/>
+            </a:avLst>
+          </a:prstGeom>
+          <a:ln>
+            <a:tailEnd type="triangle"/>
+          </a:ln>
+        </p:spPr>
+        <p:style>
+          <a:lnRef idx="1">
+            <a:schemeClr val="accent1"/>
+          </a:lnRef>
+          <a:fillRef idx="0">
+            <a:schemeClr val="accent1"/>
+          </a:fillRef>
+          <a:effectRef idx="0">
+            <a:schemeClr val="accent1"/>
+          </a:effectRef>
+          <a:fontRef idx="minor">
+            <a:schemeClr val="tx1"/>
+          </a:fontRef>
+        </p:style>
+      </p:cxnSp>
+      <p:sp>
+        <p:nvSpPr>
+          <p:cNvPr id="21" name="矩形 20">
+            <a:extLst>
+              <a:ext uri="{FF2B5EF4-FFF2-40B4-BE49-F238E27FC236}">
+                <a16:creationId xmlns:a16="http://schemas.microsoft.com/office/drawing/2014/main" id="{470A973C-9B92-462E-9C3F-C0A4A6FB1A61}"/>
+              </a:ext>
+            </a:extLst>
+          </p:cNvPr>
+          <p:cNvSpPr/>
+          <p:nvPr/>
+        </p:nvSpPr>
+        <p:spPr>
+          <a:xfrm>
+            <a:off x="5175993" y="3175263"/>
+            <a:ext cx="970778" cy="253737"/>
+          </a:xfrm>
+          <a:prstGeom prst="rect">
+            <a:avLst/>
+          </a:prstGeom>
+          <a:solidFill>
+            <a:srgbClr val="FFC000"/>
+          </a:solidFill>
+          <a:ln>
+            <a:solidFill>
+              <a:schemeClr val="tx1"/>
+            </a:solidFill>
+          </a:ln>
+        </p:spPr>
+        <p:style>
+          <a:lnRef idx="2">
+            <a:schemeClr val="accent1">
+              <a:shade val="50000"/>
+            </a:schemeClr>
+          </a:lnRef>
+          <a:fillRef idx="1">
+            <a:schemeClr val="accent1"/>
+          </a:fillRef>
+          <a:effectRef idx="0">
+            <a:schemeClr val="accent1"/>
+          </a:effectRef>
+          <a:fontRef idx="minor">
+            <a:schemeClr val="lt1"/>
+          </a:fontRef>
+        </p:style>
+        <p:txBody>
+          <a:bodyPr rtlCol="0" anchor="ctr"/>
+          <a:lstStyle/>
+          <a:p>
+            <a:pPr algn="ctr"/>
+            <a:r>
+              <a:rPr lang="en-US" altLang="zh-CN" sz="1400" dirty="0" err="1">
+                <a:solidFill>
+                  <a:schemeClr val="tx1"/>
+                </a:solidFill>
+              </a:rPr>
+              <a:t>EqExpr</a:t>
+            </a:r>
+            <a:endParaRPr lang="zh-CN" altLang="en-US" sz="1400" dirty="0">
+              <a:solidFill>
+                <a:schemeClr val="tx1"/>
+              </a:solidFill>
+            </a:endParaRPr>
+          </a:p>
+        </p:txBody>
+      </p:sp>
+      <p:sp>
+        <p:nvSpPr>
+          <p:cNvPr id="27" name="矩形 26">
+            <a:extLst>
+              <a:ext uri="{FF2B5EF4-FFF2-40B4-BE49-F238E27FC236}">
+                <a16:creationId xmlns:a16="http://schemas.microsoft.com/office/drawing/2014/main" id="{129D6C4D-ED01-41AD-ABD7-60B8A3BD35C5}"/>
+              </a:ext>
+            </a:extLst>
+          </p:cNvPr>
+          <p:cNvSpPr/>
+          <p:nvPr/>
+        </p:nvSpPr>
+        <p:spPr>
+          <a:xfrm>
+            <a:off x="5175993" y="213797"/>
+            <a:ext cx="970778" cy="253737"/>
+          </a:xfrm>
+          <a:prstGeom prst="rect">
+            <a:avLst/>
+          </a:prstGeom>
+          <a:solidFill>
+            <a:srgbClr val="FFC000"/>
+          </a:solidFill>
+          <a:ln>
+            <a:solidFill>
+              <a:schemeClr val="tx1"/>
+            </a:solidFill>
+          </a:ln>
+        </p:spPr>
+        <p:style>
+          <a:lnRef idx="2">
+            <a:schemeClr val="accent1">
+              <a:shade val="50000"/>
+            </a:schemeClr>
+          </a:lnRef>
+          <a:fillRef idx="1">
+            <a:schemeClr val="accent1"/>
+          </a:fillRef>
+          <a:effectRef idx="0">
+            <a:schemeClr val="accent1"/>
+          </a:effectRef>
+          <a:fontRef idx="minor">
+            <a:schemeClr val="lt1"/>
+          </a:fontRef>
+        </p:style>
+        <p:txBody>
+          <a:bodyPr rtlCol="0" anchor="ctr"/>
+          <a:lstStyle/>
+          <a:p>
+            <a:pPr algn="ctr"/>
+            <a:r>
+              <a:rPr lang="en-US" altLang="zh-CN" sz="1400" dirty="0" err="1">
+                <a:solidFill>
+                  <a:schemeClr val="tx1"/>
+                </a:solidFill>
+              </a:rPr>
+              <a:t>ArithExpr</a:t>
+            </a:r>
+            <a:endParaRPr lang="zh-CN" altLang="en-US" sz="1400" dirty="0">
+              <a:solidFill>
+                <a:schemeClr val="tx1"/>
+              </a:solidFill>
+            </a:endParaRPr>
+          </a:p>
+        </p:txBody>
+      </p:sp>
+      <p:sp>
+        <p:nvSpPr>
+          <p:cNvPr id="38" name="矩形 37">
+            <a:extLst>
+              <a:ext uri="{FF2B5EF4-FFF2-40B4-BE49-F238E27FC236}">
+                <a16:creationId xmlns:a16="http://schemas.microsoft.com/office/drawing/2014/main" id="{A1494682-1E0C-4E4B-8C4C-63ED0A061304}"/>
+              </a:ext>
+            </a:extLst>
+          </p:cNvPr>
+          <p:cNvSpPr/>
+          <p:nvPr/>
+        </p:nvSpPr>
+        <p:spPr>
+          <a:xfrm>
+            <a:off x="5174910" y="1375049"/>
+            <a:ext cx="529081" cy="248865"/>
+          </a:xfrm>
+          <a:prstGeom prst="rect">
+            <a:avLst/>
+          </a:prstGeom>
+          <a:solidFill>
+            <a:srgbClr val="FFC000"/>
+          </a:solidFill>
+          <a:ln>
+            <a:solidFill>
+              <a:schemeClr val="tx1"/>
+            </a:solidFill>
+          </a:ln>
+        </p:spPr>
+        <p:style>
+          <a:lnRef idx="2">
+            <a:schemeClr val="accent1">
+              <a:shade val="50000"/>
+            </a:schemeClr>
+          </a:lnRef>
+          <a:fillRef idx="1">
+            <a:schemeClr val="accent1"/>
+          </a:fillRef>
+          <a:effectRef idx="0">
+            <a:schemeClr val="accent1"/>
+          </a:effectRef>
+          <a:fontRef idx="minor">
+            <a:schemeClr val="lt1"/>
+          </a:fontRef>
+        </p:style>
+        <p:txBody>
+          <a:bodyPr rtlCol="0" anchor="ctr"/>
+          <a:lstStyle/>
+          <a:p>
+            <a:pPr algn="ctr"/>
+            <a:r>
+              <a:rPr lang="en-US" altLang="zh-CN" sz="1400" dirty="0">
+                <a:solidFill>
+                  <a:schemeClr val="tx1"/>
+                </a:solidFill>
+              </a:rPr>
+              <a:t>App</a:t>
+            </a:r>
+            <a:endParaRPr lang="zh-CN" altLang="en-US" sz="1400" dirty="0">
+              <a:solidFill>
+                <a:schemeClr val="tx1"/>
+              </a:solidFill>
+            </a:endParaRPr>
+          </a:p>
+        </p:txBody>
+      </p:sp>
+      <p:sp>
+        <p:nvSpPr>
+          <p:cNvPr id="41" name="矩形 40">
+            <a:extLst>
+              <a:ext uri="{FF2B5EF4-FFF2-40B4-BE49-F238E27FC236}">
+                <a16:creationId xmlns:a16="http://schemas.microsoft.com/office/drawing/2014/main" id="{38EC74C1-11EF-4871-AAC4-B053070DB300}"/>
+              </a:ext>
+            </a:extLst>
+          </p:cNvPr>
+          <p:cNvSpPr/>
+          <p:nvPr/>
+        </p:nvSpPr>
+        <p:spPr>
+          <a:xfrm>
+            <a:off x="6636656" y="86638"/>
+            <a:ext cx="529081" cy="248865"/>
+          </a:xfrm>
+          <a:prstGeom prst="rect">
+            <a:avLst/>
+          </a:prstGeom>
+          <a:solidFill>
+            <a:schemeClr val="bg2">
+              <a:lumMod val="90000"/>
+            </a:schemeClr>
+          </a:solidFill>
+          <a:ln>
+            <a:solidFill>
+              <a:schemeClr val="tx1"/>
+            </a:solidFill>
+          </a:ln>
+        </p:spPr>
+        <p:style>
+          <a:lnRef idx="2">
+            <a:schemeClr val="accent1">
+              <a:shade val="50000"/>
+            </a:schemeClr>
+          </a:lnRef>
+          <a:fillRef idx="1">
+            <a:schemeClr val="accent1"/>
+          </a:fillRef>
+          <a:effectRef idx="0">
+            <a:schemeClr val="accent1"/>
+          </a:effectRef>
+          <a:fontRef idx="minor">
+            <a:schemeClr val="lt1"/>
+          </a:fontRef>
+        </p:style>
+        <p:txBody>
+          <a:bodyPr rtlCol="0" anchor="ctr"/>
+          <a:lstStyle/>
+          <a:p>
+            <a:pPr algn="ctr"/>
+            <a:r>
+              <a:rPr lang="en-US" altLang="zh-CN" sz="1400" dirty="0">
+                <a:solidFill>
+                  <a:schemeClr val="tx1"/>
+                </a:solidFill>
+              </a:rPr>
+              <a:t>Add</a:t>
+            </a:r>
+            <a:endParaRPr lang="zh-CN" altLang="en-US" sz="1400" dirty="0">
+              <a:solidFill>
+                <a:schemeClr val="tx1"/>
+              </a:solidFill>
+            </a:endParaRPr>
+          </a:p>
+        </p:txBody>
+      </p:sp>
+      <p:sp>
+        <p:nvSpPr>
+          <p:cNvPr id="42" name="矩形 41">
+            <a:extLst>
+              <a:ext uri="{FF2B5EF4-FFF2-40B4-BE49-F238E27FC236}">
+                <a16:creationId xmlns:a16="http://schemas.microsoft.com/office/drawing/2014/main" id="{7145CA74-0CE5-440E-8699-0874A02FB419}"/>
+              </a:ext>
+            </a:extLst>
+          </p:cNvPr>
+          <p:cNvSpPr/>
+          <p:nvPr/>
+        </p:nvSpPr>
+        <p:spPr>
+          <a:xfrm>
+            <a:off x="6650029" y="3362869"/>
+            <a:ext cx="529081" cy="248865"/>
+          </a:xfrm>
+          <a:prstGeom prst="rect">
+            <a:avLst/>
+          </a:prstGeom>
+          <a:solidFill>
+            <a:schemeClr val="bg2">
+              <a:lumMod val="90000"/>
+            </a:schemeClr>
+          </a:solidFill>
+          <a:ln>
+            <a:solidFill>
+              <a:schemeClr val="tx1"/>
+            </a:solidFill>
+          </a:ln>
+        </p:spPr>
+        <p:style>
+          <a:lnRef idx="2">
+            <a:schemeClr val="accent1">
+              <a:shade val="50000"/>
+            </a:schemeClr>
+          </a:lnRef>
+          <a:fillRef idx="1">
+            <a:schemeClr val="accent1"/>
+          </a:fillRef>
+          <a:effectRef idx="0">
+            <a:schemeClr val="accent1"/>
+          </a:effectRef>
+          <a:fontRef idx="minor">
+            <a:schemeClr val="lt1"/>
+          </a:fontRef>
+        </p:style>
+        <p:txBody>
+          <a:bodyPr rtlCol="0" anchor="ctr"/>
+          <a:lstStyle/>
+          <a:p>
+            <a:pPr algn="ctr"/>
+            <a:r>
+              <a:rPr lang="en-US" altLang="zh-CN" sz="1400" dirty="0" err="1">
+                <a:solidFill>
+                  <a:schemeClr val="tx1"/>
+                </a:solidFill>
+              </a:rPr>
+              <a:t>Neq</a:t>
+            </a:r>
+            <a:endParaRPr lang="zh-CN" altLang="en-US" sz="1400" dirty="0">
+              <a:solidFill>
+                <a:schemeClr val="tx1"/>
+              </a:solidFill>
+            </a:endParaRPr>
+          </a:p>
+        </p:txBody>
+      </p:sp>
+      <p:sp>
+        <p:nvSpPr>
+          <p:cNvPr id="53" name="矩形 52">
+            <a:extLst>
+              <a:ext uri="{FF2B5EF4-FFF2-40B4-BE49-F238E27FC236}">
+                <a16:creationId xmlns:a16="http://schemas.microsoft.com/office/drawing/2014/main" id="{516AB87E-36CE-4ACA-B002-2ACE1A1A020D}"/>
+              </a:ext>
+            </a:extLst>
+          </p:cNvPr>
+          <p:cNvSpPr/>
+          <p:nvPr/>
+        </p:nvSpPr>
+        <p:spPr>
+          <a:xfrm>
+            <a:off x="6636655" y="396240"/>
+            <a:ext cx="529081" cy="248865"/>
+          </a:xfrm>
+          <a:prstGeom prst="rect">
+            <a:avLst/>
+          </a:prstGeom>
+          <a:solidFill>
+            <a:schemeClr val="bg2">
+              <a:lumMod val="90000"/>
+            </a:schemeClr>
+          </a:solidFill>
+          <a:ln>
+            <a:solidFill>
+              <a:schemeClr val="tx1"/>
+            </a:solidFill>
+          </a:ln>
+        </p:spPr>
+        <p:style>
+          <a:lnRef idx="2">
+            <a:schemeClr val="accent1">
+              <a:shade val="50000"/>
+            </a:schemeClr>
+          </a:lnRef>
+          <a:fillRef idx="1">
+            <a:schemeClr val="accent1"/>
+          </a:fillRef>
+          <a:effectRef idx="0">
+            <a:schemeClr val="accent1"/>
+          </a:effectRef>
+          <a:fontRef idx="minor">
+            <a:schemeClr val="lt1"/>
+          </a:fontRef>
+        </p:style>
+        <p:txBody>
+          <a:bodyPr rtlCol="0" anchor="ctr"/>
+          <a:lstStyle/>
+          <a:p>
+            <a:pPr algn="ctr"/>
+            <a:r>
+              <a:rPr lang="en-US" altLang="zh-CN" sz="1400" dirty="0">
+                <a:solidFill>
+                  <a:schemeClr val="tx1"/>
+                </a:solidFill>
+              </a:rPr>
+              <a:t>Sub</a:t>
+            </a:r>
+            <a:endParaRPr lang="zh-CN" altLang="en-US" sz="1400" dirty="0">
+              <a:solidFill>
+                <a:schemeClr val="tx1"/>
+              </a:solidFill>
+            </a:endParaRPr>
+          </a:p>
+        </p:txBody>
+      </p:sp>
+      <p:sp>
+        <p:nvSpPr>
+          <p:cNvPr id="54" name="矩形 53">
+            <a:extLst>
+              <a:ext uri="{FF2B5EF4-FFF2-40B4-BE49-F238E27FC236}">
+                <a16:creationId xmlns:a16="http://schemas.microsoft.com/office/drawing/2014/main" id="{346ADBE0-50D5-4EFD-8AD6-95FBAF5B7186}"/>
+              </a:ext>
+            </a:extLst>
+          </p:cNvPr>
+          <p:cNvSpPr/>
+          <p:nvPr/>
+        </p:nvSpPr>
+        <p:spPr>
+          <a:xfrm>
+            <a:off x="2139275" y="4584317"/>
+            <a:ext cx="529081" cy="253737"/>
+          </a:xfrm>
+          <a:prstGeom prst="rect">
+            <a:avLst/>
+          </a:prstGeom>
+          <a:solidFill>
+            <a:srgbClr val="92D050"/>
+          </a:solidFill>
+          <a:ln>
+            <a:solidFill>
+              <a:schemeClr val="tx1"/>
+            </a:solidFill>
+          </a:ln>
+        </p:spPr>
+        <p:style>
+          <a:lnRef idx="2">
+            <a:schemeClr val="accent1">
+              <a:shade val="50000"/>
+            </a:schemeClr>
+          </a:lnRef>
+          <a:fillRef idx="1">
+            <a:schemeClr val="accent1"/>
+          </a:fillRef>
+          <a:effectRef idx="0">
+            <a:schemeClr val="accent1"/>
+          </a:effectRef>
+          <a:fontRef idx="minor">
+            <a:schemeClr val="lt1"/>
+          </a:fontRef>
+        </p:style>
+        <p:txBody>
+          <a:bodyPr rtlCol="0" anchor="ctr"/>
+          <a:lstStyle/>
+          <a:p>
+            <a:pPr algn="ctr"/>
+            <a:r>
+              <a:rPr lang="en-US" altLang="zh-CN" sz="1400" dirty="0">
+                <a:solidFill>
+                  <a:schemeClr val="tx1"/>
+                </a:solidFill>
+              </a:rPr>
+              <a:t>Let</a:t>
+            </a:r>
+            <a:endParaRPr lang="zh-CN" altLang="en-US" sz="1400" dirty="0">
+              <a:solidFill>
+                <a:schemeClr val="tx1"/>
+              </a:solidFill>
+            </a:endParaRPr>
+          </a:p>
+        </p:txBody>
+      </p:sp>
+      <p:cxnSp>
+        <p:nvCxnSpPr>
+          <p:cNvPr id="55" name="连接符: 肘形 54">
+            <a:extLst>
+              <a:ext uri="{FF2B5EF4-FFF2-40B4-BE49-F238E27FC236}">
+                <a16:creationId xmlns:a16="http://schemas.microsoft.com/office/drawing/2014/main" id="{2CC313D9-FAE1-42C1-9225-6D31616A5C00}"/>
+              </a:ext>
+            </a:extLst>
+          </p:cNvPr>
+          <p:cNvCxnSpPr>
+            <a:cxnSpLocks/>
+            <a:stCxn id="4" idx="3"/>
+            <a:endCxn id="54" idx="1"/>
+          </p:cNvCxnSpPr>
+          <p:nvPr/>
+        </p:nvCxnSpPr>
+        <p:spPr>
+          <a:xfrm>
+            <a:off x="1343268" y="523345"/>
+            <a:ext cx="796007" cy="4187841"/>
+          </a:xfrm>
+          <a:prstGeom prst="bentConnector3">
+            <a:avLst>
+              <a:gd name="adj1" fmla="val 50000"/>
+            </a:avLst>
+          </a:prstGeom>
+          <a:ln>
+            <a:tailEnd type="triangle"/>
+          </a:ln>
+        </p:spPr>
+        <p:style>
+          <a:lnRef idx="1">
+            <a:schemeClr val="accent1"/>
+          </a:lnRef>
+          <a:fillRef idx="0">
+            <a:schemeClr val="accent1"/>
+          </a:fillRef>
+          <a:effectRef idx="0">
+            <a:schemeClr val="accent1"/>
+          </a:effectRef>
+          <a:fontRef idx="minor">
+            <a:schemeClr val="tx1"/>
+          </a:fontRef>
+        </p:style>
+      </p:cxnSp>
+      <p:sp>
+        <p:nvSpPr>
+          <p:cNvPr id="60" name="矩形 59">
+            <a:extLst>
+              <a:ext uri="{FF2B5EF4-FFF2-40B4-BE49-F238E27FC236}">
+                <a16:creationId xmlns:a16="http://schemas.microsoft.com/office/drawing/2014/main" id="{C1381169-AA28-40DD-A249-68557DEFEB48}"/>
+              </a:ext>
+            </a:extLst>
+          </p:cNvPr>
+          <p:cNvSpPr/>
+          <p:nvPr/>
+        </p:nvSpPr>
+        <p:spPr>
+          <a:xfrm>
+            <a:off x="2139275" y="846769"/>
+            <a:ext cx="611345" cy="253737"/>
+          </a:xfrm>
+          <a:prstGeom prst="rect">
+            <a:avLst/>
+          </a:prstGeom>
+          <a:solidFill>
+            <a:srgbClr val="92D050"/>
+          </a:solidFill>
+          <a:ln>
+            <a:solidFill>
+              <a:schemeClr val="tx1"/>
+            </a:solidFill>
+          </a:ln>
+        </p:spPr>
+        <p:style>
+          <a:lnRef idx="2">
+            <a:schemeClr val="accent1">
+              <a:shade val="50000"/>
+            </a:schemeClr>
+          </a:lnRef>
+          <a:fillRef idx="1">
+            <a:schemeClr val="accent1"/>
+          </a:fillRef>
+          <a:effectRef idx="0">
+            <a:schemeClr val="accent1"/>
+          </a:effectRef>
+          <a:fontRef idx="minor">
+            <a:schemeClr val="lt1"/>
+          </a:fontRef>
+        </p:style>
+        <p:txBody>
+          <a:bodyPr rtlCol="0" anchor="ctr"/>
+          <a:lstStyle/>
+          <a:p>
+            <a:pPr algn="ctr"/>
+            <a:r>
+              <a:rPr lang="en-US" altLang="zh-CN" sz="1400" dirty="0">
+                <a:solidFill>
+                  <a:schemeClr val="tx1"/>
+                </a:solidFill>
+              </a:rPr>
+              <a:t>Loop</a:t>
+            </a:r>
+            <a:endParaRPr lang="zh-CN" altLang="en-US" sz="1400" dirty="0">
+              <a:solidFill>
+                <a:schemeClr val="tx1"/>
+              </a:solidFill>
+            </a:endParaRPr>
+          </a:p>
+        </p:txBody>
+      </p:sp>
+      <p:cxnSp>
+        <p:nvCxnSpPr>
+          <p:cNvPr id="61" name="连接符: 肘形 60">
+            <a:extLst>
+              <a:ext uri="{FF2B5EF4-FFF2-40B4-BE49-F238E27FC236}">
+                <a16:creationId xmlns:a16="http://schemas.microsoft.com/office/drawing/2014/main" id="{907F99B8-5DB0-428E-BB61-AE0EAF698904}"/>
+              </a:ext>
+            </a:extLst>
+          </p:cNvPr>
+          <p:cNvCxnSpPr>
+            <a:cxnSpLocks/>
+            <a:stCxn id="21" idx="3"/>
+            <a:endCxn id="42" idx="1"/>
+          </p:cNvCxnSpPr>
+          <p:nvPr/>
+        </p:nvCxnSpPr>
+        <p:spPr>
+          <a:xfrm>
+            <a:off x="6146771" y="3302132"/>
+            <a:ext cx="503258" cy="185170"/>
+          </a:xfrm>
+          <a:prstGeom prst="bentConnector3">
+            <a:avLst>
+              <a:gd name="adj1" fmla="val 50000"/>
+            </a:avLst>
+          </a:prstGeom>
+          <a:ln>
+            <a:tailEnd type="triangle"/>
+          </a:ln>
+        </p:spPr>
+        <p:style>
+          <a:lnRef idx="1">
+            <a:schemeClr val="accent1"/>
+          </a:lnRef>
+          <a:fillRef idx="0">
+            <a:schemeClr val="accent1"/>
+          </a:fillRef>
+          <a:effectRef idx="0">
+            <a:schemeClr val="accent1"/>
+          </a:effectRef>
+          <a:fontRef idx="minor">
+            <a:schemeClr val="tx1"/>
+          </a:fontRef>
+        </p:style>
+      </p:cxnSp>
+      <p:cxnSp>
+        <p:nvCxnSpPr>
+          <p:cNvPr id="65" name="连接符: 肘形 64">
+            <a:extLst>
+              <a:ext uri="{FF2B5EF4-FFF2-40B4-BE49-F238E27FC236}">
+                <a16:creationId xmlns:a16="http://schemas.microsoft.com/office/drawing/2014/main" id="{7516E3E8-C1B2-45A6-99C3-C2631690EBCF}"/>
+              </a:ext>
+            </a:extLst>
+          </p:cNvPr>
+          <p:cNvCxnSpPr>
+            <a:cxnSpLocks/>
+            <a:stCxn id="4" idx="3"/>
+            <a:endCxn id="60" idx="1"/>
+          </p:cNvCxnSpPr>
+          <p:nvPr/>
+        </p:nvCxnSpPr>
+        <p:spPr>
+          <a:xfrm>
+            <a:off x="1343268" y="523345"/>
+            <a:ext cx="796007" cy="450293"/>
+          </a:xfrm>
+          <a:prstGeom prst="bentConnector3">
+            <a:avLst>
+              <a:gd name="adj1" fmla="val 50000"/>
+            </a:avLst>
+          </a:prstGeom>
+          <a:ln>
+            <a:tailEnd type="triangle"/>
+          </a:ln>
+        </p:spPr>
+        <p:style>
+          <a:lnRef idx="1">
+            <a:schemeClr val="accent1"/>
+          </a:lnRef>
+          <a:fillRef idx="0">
+            <a:schemeClr val="accent1"/>
+          </a:fillRef>
+          <a:effectRef idx="0">
+            <a:schemeClr val="accent1"/>
+          </a:effectRef>
+          <a:fontRef idx="minor">
+            <a:schemeClr val="tx1"/>
+          </a:fontRef>
+        </p:style>
+      </p:cxnSp>
+      <p:sp>
+        <p:nvSpPr>
+          <p:cNvPr id="68" name="矩形 67">
+            <a:extLst>
+              <a:ext uri="{FF2B5EF4-FFF2-40B4-BE49-F238E27FC236}">
+                <a16:creationId xmlns:a16="http://schemas.microsoft.com/office/drawing/2014/main" id="{4E43D5CA-CAB9-4112-BD32-847E898D03F8}"/>
+              </a:ext>
+            </a:extLst>
+          </p:cNvPr>
+          <p:cNvSpPr/>
+          <p:nvPr/>
+        </p:nvSpPr>
+        <p:spPr>
+          <a:xfrm>
+            <a:off x="6645276" y="2949681"/>
+            <a:ext cx="529081" cy="248865"/>
+          </a:xfrm>
+          <a:prstGeom prst="rect">
+            <a:avLst/>
+          </a:prstGeom>
+          <a:solidFill>
+            <a:schemeClr val="bg2">
+              <a:lumMod val="90000"/>
+            </a:schemeClr>
+          </a:solidFill>
+          <a:ln>
+            <a:solidFill>
+              <a:schemeClr val="tx1"/>
+            </a:solidFill>
+          </a:ln>
+        </p:spPr>
+        <p:style>
+          <a:lnRef idx="2">
+            <a:schemeClr val="accent1">
+              <a:shade val="50000"/>
+            </a:schemeClr>
+          </a:lnRef>
+          <a:fillRef idx="1">
+            <a:schemeClr val="accent1"/>
+          </a:fillRef>
+          <a:effectRef idx="0">
+            <a:schemeClr val="accent1"/>
+          </a:effectRef>
+          <a:fontRef idx="minor">
+            <a:schemeClr val="lt1"/>
+          </a:fontRef>
+        </p:style>
+        <p:txBody>
+          <a:bodyPr rtlCol="0" anchor="ctr"/>
+          <a:lstStyle/>
+          <a:p>
+            <a:pPr algn="ctr"/>
+            <a:r>
+              <a:rPr lang="en-US" altLang="zh-CN" sz="1400" dirty="0">
+                <a:solidFill>
+                  <a:schemeClr val="tx1"/>
+                </a:solidFill>
+              </a:rPr>
+              <a:t>Eq</a:t>
+            </a:r>
+            <a:endParaRPr lang="zh-CN" altLang="en-US" sz="1400" dirty="0">
+              <a:solidFill>
+                <a:schemeClr val="tx1"/>
+              </a:solidFill>
+            </a:endParaRPr>
+          </a:p>
+        </p:txBody>
+      </p:sp>
+      <p:cxnSp>
+        <p:nvCxnSpPr>
+          <p:cNvPr id="69" name="连接符: 肘形 68">
+            <a:extLst>
+              <a:ext uri="{FF2B5EF4-FFF2-40B4-BE49-F238E27FC236}">
+                <a16:creationId xmlns:a16="http://schemas.microsoft.com/office/drawing/2014/main" id="{77E13442-00F7-437F-A4AA-09C496BFCEE7}"/>
+              </a:ext>
+            </a:extLst>
+          </p:cNvPr>
+          <p:cNvCxnSpPr>
+            <a:cxnSpLocks/>
+            <a:stCxn id="21" idx="3"/>
+            <a:endCxn id="68" idx="1"/>
+          </p:cNvCxnSpPr>
+          <p:nvPr/>
+        </p:nvCxnSpPr>
+        <p:spPr>
+          <a:xfrm flipV="1">
+            <a:off x="6146771" y="3074114"/>
+            <a:ext cx="498505" cy="228018"/>
+          </a:xfrm>
+          <a:prstGeom prst="bentConnector3">
+            <a:avLst>
+              <a:gd name="adj1" fmla="val 50000"/>
+            </a:avLst>
+          </a:prstGeom>
+          <a:ln>
+            <a:tailEnd type="triangle"/>
+          </a:ln>
+        </p:spPr>
+        <p:style>
+          <a:lnRef idx="1">
+            <a:schemeClr val="accent1"/>
+          </a:lnRef>
+          <a:fillRef idx="0">
+            <a:schemeClr val="accent1"/>
+          </a:fillRef>
+          <a:effectRef idx="0">
+            <a:schemeClr val="accent1"/>
+          </a:effectRef>
+          <a:fontRef idx="minor">
+            <a:schemeClr val="tx1"/>
+          </a:fontRef>
+        </p:style>
+      </p:cxnSp>
+      <p:sp>
+        <p:nvSpPr>
+          <p:cNvPr id="78" name="矩形 77">
+            <a:extLst>
+              <a:ext uri="{FF2B5EF4-FFF2-40B4-BE49-F238E27FC236}">
+                <a16:creationId xmlns:a16="http://schemas.microsoft.com/office/drawing/2014/main" id="{A04F6F7D-E595-44E9-93B6-C327A7A19D4D}"/>
+              </a:ext>
+            </a:extLst>
+          </p:cNvPr>
+          <p:cNvSpPr/>
+          <p:nvPr/>
+        </p:nvSpPr>
+        <p:spPr>
+          <a:xfrm>
+            <a:off x="2139275" y="3875218"/>
+            <a:ext cx="1302221" cy="253737"/>
+          </a:xfrm>
+          <a:prstGeom prst="rect">
+            <a:avLst/>
+          </a:prstGeom>
+          <a:solidFill>
+            <a:srgbClr val="92D050"/>
+          </a:solidFill>
+          <a:ln>
+            <a:solidFill>
+              <a:schemeClr val="tx1"/>
+            </a:solidFill>
+          </a:ln>
+        </p:spPr>
+        <p:style>
+          <a:lnRef idx="2">
+            <a:schemeClr val="accent1">
+              <a:shade val="50000"/>
+            </a:schemeClr>
+          </a:lnRef>
+          <a:fillRef idx="1">
+            <a:schemeClr val="accent1"/>
+          </a:fillRef>
+          <a:effectRef idx="0">
+            <a:schemeClr val="accent1"/>
+          </a:effectRef>
+          <a:fontRef idx="minor">
+            <a:schemeClr val="lt1"/>
+          </a:fontRef>
+        </p:style>
+        <p:txBody>
+          <a:bodyPr rtlCol="0" anchor="ctr"/>
+          <a:lstStyle/>
+          <a:p>
+            <a:pPr algn="ctr"/>
+            <a:r>
+              <a:rPr lang="en-US" altLang="zh-CN" sz="1400" dirty="0" err="1">
+                <a:solidFill>
+                  <a:schemeClr val="tx1"/>
+                </a:solidFill>
+              </a:rPr>
+              <a:t>IntegerLiteral</a:t>
+            </a:r>
+            <a:endParaRPr lang="zh-CN" altLang="en-US" sz="1400" dirty="0">
+              <a:solidFill>
+                <a:schemeClr val="tx1"/>
+              </a:solidFill>
+            </a:endParaRPr>
+          </a:p>
+        </p:txBody>
+      </p:sp>
+      <p:cxnSp>
+        <p:nvCxnSpPr>
+          <p:cNvPr id="79" name="连接符: 肘形 78">
+            <a:extLst>
+              <a:ext uri="{FF2B5EF4-FFF2-40B4-BE49-F238E27FC236}">
+                <a16:creationId xmlns:a16="http://schemas.microsoft.com/office/drawing/2014/main" id="{F6389149-FA2D-4C78-BBAB-D781219AD166}"/>
+              </a:ext>
+            </a:extLst>
+          </p:cNvPr>
+          <p:cNvCxnSpPr>
+            <a:cxnSpLocks/>
+            <a:stCxn id="4" idx="3"/>
+            <a:endCxn id="78" idx="1"/>
+          </p:cNvCxnSpPr>
+          <p:nvPr/>
+        </p:nvCxnSpPr>
+        <p:spPr>
+          <a:xfrm>
+            <a:off x="1343268" y="523345"/>
+            <a:ext cx="796007" cy="3478742"/>
+          </a:xfrm>
+          <a:prstGeom prst="bentConnector3">
+            <a:avLst>
+              <a:gd name="adj1" fmla="val 50000"/>
+            </a:avLst>
+          </a:prstGeom>
+          <a:ln>
+            <a:tailEnd type="triangle"/>
+          </a:ln>
+        </p:spPr>
+        <p:style>
+          <a:lnRef idx="1">
+            <a:schemeClr val="accent1"/>
+          </a:lnRef>
+          <a:fillRef idx="0">
+            <a:schemeClr val="accent1"/>
+          </a:fillRef>
+          <a:effectRef idx="0">
+            <a:schemeClr val="accent1"/>
+          </a:effectRef>
+          <a:fontRef idx="minor">
+            <a:schemeClr val="tx1"/>
+          </a:fontRef>
+        </p:style>
+      </p:cxnSp>
+      <p:sp>
+        <p:nvSpPr>
+          <p:cNvPr id="82" name="矩形 81">
+            <a:extLst>
+              <a:ext uri="{FF2B5EF4-FFF2-40B4-BE49-F238E27FC236}">
+                <a16:creationId xmlns:a16="http://schemas.microsoft.com/office/drawing/2014/main" id="{4E018A7F-1D0B-4B1A-BB69-9E332FF1A7BE}"/>
+              </a:ext>
+            </a:extLst>
+          </p:cNvPr>
+          <p:cNvSpPr/>
+          <p:nvPr/>
+        </p:nvSpPr>
+        <p:spPr>
+          <a:xfrm>
+            <a:off x="2139275" y="396477"/>
+            <a:ext cx="366944" cy="253737"/>
+          </a:xfrm>
+          <a:prstGeom prst="rect">
+            <a:avLst/>
+          </a:prstGeom>
+          <a:solidFill>
+            <a:srgbClr val="92D050"/>
+          </a:solidFill>
+          <a:ln>
+            <a:solidFill>
+              <a:schemeClr val="tx1"/>
+            </a:solidFill>
+          </a:ln>
+        </p:spPr>
+        <p:style>
+          <a:lnRef idx="2">
+            <a:schemeClr val="accent1">
+              <a:shade val="50000"/>
+            </a:schemeClr>
+          </a:lnRef>
+          <a:fillRef idx="1">
+            <a:schemeClr val="accent1"/>
+          </a:fillRef>
+          <a:effectRef idx="0">
+            <a:schemeClr val="accent1"/>
+          </a:effectRef>
+          <a:fontRef idx="minor">
+            <a:schemeClr val="lt1"/>
+          </a:fontRef>
+        </p:style>
+        <p:txBody>
+          <a:bodyPr rtlCol="0" anchor="ctr"/>
+          <a:lstStyle/>
+          <a:p>
+            <a:pPr algn="ctr"/>
+            <a:r>
+              <a:rPr lang="en-US" altLang="zh-CN" sz="1400" dirty="0" err="1">
+                <a:solidFill>
+                  <a:schemeClr val="tx1"/>
+                </a:solidFill>
+              </a:rPr>
+              <a:t>Fn</a:t>
+            </a:r>
+            <a:endParaRPr lang="zh-CN" altLang="en-US" sz="1400" dirty="0">
+              <a:solidFill>
+                <a:schemeClr val="tx1"/>
+              </a:solidFill>
+            </a:endParaRPr>
+          </a:p>
+        </p:txBody>
+      </p:sp>
+      <p:cxnSp>
+        <p:nvCxnSpPr>
+          <p:cNvPr id="83" name="连接符: 肘形 82">
+            <a:extLst>
+              <a:ext uri="{FF2B5EF4-FFF2-40B4-BE49-F238E27FC236}">
+                <a16:creationId xmlns:a16="http://schemas.microsoft.com/office/drawing/2014/main" id="{4AFA3A0A-6A82-4FD3-9B6F-6D9C77A9A89C}"/>
+              </a:ext>
+            </a:extLst>
+          </p:cNvPr>
+          <p:cNvCxnSpPr>
+            <a:cxnSpLocks/>
+            <a:stCxn id="4" idx="3"/>
+            <a:endCxn id="82" idx="1"/>
+          </p:cNvCxnSpPr>
+          <p:nvPr/>
+        </p:nvCxnSpPr>
+        <p:spPr>
+          <a:xfrm>
+            <a:off x="1343268" y="523345"/>
+            <a:ext cx="796007" cy="1"/>
+          </a:xfrm>
+          <a:prstGeom prst="bentConnector3">
+            <a:avLst>
+              <a:gd name="adj1" fmla="val 50000"/>
+            </a:avLst>
+          </a:prstGeom>
+          <a:ln>
+            <a:tailEnd type="triangle"/>
+          </a:ln>
+        </p:spPr>
+        <p:style>
+          <a:lnRef idx="1">
+            <a:schemeClr val="accent1"/>
+          </a:lnRef>
+          <a:fillRef idx="0">
+            <a:schemeClr val="accent1"/>
+          </a:fillRef>
+          <a:effectRef idx="0">
+            <a:schemeClr val="accent1"/>
+          </a:effectRef>
+          <a:fontRef idx="minor">
+            <a:schemeClr val="tx1"/>
+          </a:fontRef>
+        </p:style>
+      </p:cxnSp>
+      <p:sp>
+        <p:nvSpPr>
+          <p:cNvPr id="86" name="矩形 85">
+            <a:extLst>
+              <a:ext uri="{FF2B5EF4-FFF2-40B4-BE49-F238E27FC236}">
+                <a16:creationId xmlns:a16="http://schemas.microsoft.com/office/drawing/2014/main" id="{33F51D7D-17FE-41C8-98FC-42F4B2C10EA1}"/>
+              </a:ext>
+            </a:extLst>
+          </p:cNvPr>
+          <p:cNvSpPr/>
+          <p:nvPr/>
+        </p:nvSpPr>
+        <p:spPr>
+          <a:xfrm>
+            <a:off x="6391713" y="1672548"/>
+            <a:ext cx="809196" cy="253737"/>
+          </a:xfrm>
+          <a:prstGeom prst="rect">
+            <a:avLst/>
+          </a:prstGeom>
+          <a:solidFill>
+            <a:schemeClr val="bg2">
+              <a:lumMod val="90000"/>
+            </a:schemeClr>
+          </a:solidFill>
+          <a:ln>
+            <a:solidFill>
+              <a:schemeClr val="tx1"/>
+            </a:solidFill>
+          </a:ln>
+        </p:spPr>
+        <p:style>
+          <a:lnRef idx="2">
+            <a:schemeClr val="accent1">
+              <a:shade val="50000"/>
+            </a:schemeClr>
+          </a:lnRef>
+          <a:fillRef idx="1">
+            <a:schemeClr val="accent1"/>
+          </a:fillRef>
+          <a:effectRef idx="0">
+            <a:schemeClr val="accent1"/>
+          </a:effectRef>
+          <a:fontRef idx="minor">
+            <a:schemeClr val="lt1"/>
+          </a:fontRef>
+        </p:style>
+        <p:txBody>
+          <a:bodyPr rtlCol="0" anchor="ctr"/>
+          <a:lstStyle/>
+          <a:p>
+            <a:pPr algn="ctr"/>
+            <a:r>
+              <a:rPr lang="en-US" altLang="zh-CN" sz="1400" dirty="0">
+                <a:solidFill>
+                  <a:schemeClr val="tx1"/>
+                </a:solidFill>
+              </a:rPr>
+              <a:t>Greater</a:t>
+            </a:r>
+            <a:endParaRPr lang="zh-CN" altLang="en-US" sz="1400" dirty="0">
+              <a:solidFill>
+                <a:schemeClr val="tx1"/>
+              </a:solidFill>
+            </a:endParaRPr>
+          </a:p>
+        </p:txBody>
+      </p:sp>
+      <p:cxnSp>
+        <p:nvCxnSpPr>
+          <p:cNvPr id="87" name="连接符: 肘形 86">
+            <a:extLst>
+              <a:ext uri="{FF2B5EF4-FFF2-40B4-BE49-F238E27FC236}">
+                <a16:creationId xmlns:a16="http://schemas.microsoft.com/office/drawing/2014/main" id="{061F245B-4FEC-44A8-876C-23A91B7BA8E5}"/>
+              </a:ext>
+            </a:extLst>
+          </p:cNvPr>
+          <p:cNvCxnSpPr>
+            <a:cxnSpLocks/>
+            <a:stCxn id="8" idx="3"/>
+            <a:endCxn id="86" idx="1"/>
+          </p:cNvCxnSpPr>
+          <p:nvPr/>
+        </p:nvCxnSpPr>
+        <p:spPr>
+          <a:xfrm flipV="1">
+            <a:off x="5986240" y="1799417"/>
+            <a:ext cx="405473" cy="117178"/>
+          </a:xfrm>
+          <a:prstGeom prst="bentConnector3">
+            <a:avLst>
+              <a:gd name="adj1" fmla="val 50000"/>
+            </a:avLst>
+          </a:prstGeom>
+          <a:ln>
+            <a:tailEnd type="triangle"/>
+          </a:ln>
+        </p:spPr>
+        <p:style>
+          <a:lnRef idx="1">
+            <a:schemeClr val="accent1"/>
+          </a:lnRef>
+          <a:fillRef idx="0">
+            <a:schemeClr val="accent1"/>
+          </a:fillRef>
+          <a:effectRef idx="0">
+            <a:schemeClr val="accent1"/>
+          </a:effectRef>
+          <a:fontRef idx="minor">
+            <a:schemeClr val="tx1"/>
+          </a:fontRef>
+        </p:style>
+      </p:cxnSp>
+      <p:sp>
+        <p:nvSpPr>
+          <p:cNvPr id="91" name="矩形 90">
+            <a:extLst>
+              <a:ext uri="{FF2B5EF4-FFF2-40B4-BE49-F238E27FC236}">
+                <a16:creationId xmlns:a16="http://schemas.microsoft.com/office/drawing/2014/main" id="{22B97CD5-698F-4511-9087-06D703D7E17C}"/>
+              </a:ext>
+            </a:extLst>
+          </p:cNvPr>
+          <p:cNvSpPr/>
+          <p:nvPr/>
+        </p:nvSpPr>
+        <p:spPr>
+          <a:xfrm>
+            <a:off x="2139275" y="5592822"/>
+            <a:ext cx="1028121" cy="253737"/>
+          </a:xfrm>
+          <a:prstGeom prst="rect">
+            <a:avLst/>
+          </a:prstGeom>
+          <a:solidFill>
+            <a:srgbClr val="92D050"/>
+          </a:solidFill>
+          <a:ln>
+            <a:solidFill>
+              <a:schemeClr val="tx1"/>
+            </a:solidFill>
+          </a:ln>
+        </p:spPr>
+        <p:style>
+          <a:lnRef idx="2">
+            <a:schemeClr val="accent1">
+              <a:shade val="50000"/>
+            </a:schemeClr>
+          </a:lnRef>
+          <a:fillRef idx="1">
+            <a:schemeClr val="accent1"/>
+          </a:fillRef>
+          <a:effectRef idx="0">
+            <a:schemeClr val="accent1"/>
+          </a:effectRef>
+          <a:fontRef idx="minor">
+            <a:schemeClr val="lt1"/>
+          </a:fontRef>
+        </p:style>
+        <p:txBody>
+          <a:bodyPr rtlCol="0" anchor="ctr"/>
+          <a:lstStyle/>
+          <a:p>
+            <a:pPr algn="ctr"/>
+            <a:r>
+              <a:rPr lang="en-US" altLang="zh-CN" sz="1400" dirty="0" err="1">
+                <a:solidFill>
+                  <a:schemeClr val="tx1"/>
+                </a:solidFill>
+              </a:rPr>
+              <a:t>UnaryExpr</a:t>
+            </a:r>
+            <a:endParaRPr lang="zh-CN" altLang="en-US" sz="1400" dirty="0">
+              <a:solidFill>
+                <a:schemeClr val="tx1"/>
+              </a:solidFill>
+            </a:endParaRPr>
+          </a:p>
+        </p:txBody>
+      </p:sp>
+      <p:cxnSp>
+        <p:nvCxnSpPr>
+          <p:cNvPr id="92" name="连接符: 肘形 91">
+            <a:extLst>
+              <a:ext uri="{FF2B5EF4-FFF2-40B4-BE49-F238E27FC236}">
+                <a16:creationId xmlns:a16="http://schemas.microsoft.com/office/drawing/2014/main" id="{6338D54A-5A02-4B80-A15C-F45FF83000C1}"/>
+              </a:ext>
+            </a:extLst>
+          </p:cNvPr>
+          <p:cNvCxnSpPr>
+            <a:cxnSpLocks/>
+            <a:stCxn id="4" idx="3"/>
+            <a:endCxn id="91" idx="1"/>
+          </p:cNvCxnSpPr>
+          <p:nvPr/>
+        </p:nvCxnSpPr>
+        <p:spPr>
+          <a:xfrm>
+            <a:off x="1343268" y="523345"/>
+            <a:ext cx="796007" cy="5196346"/>
+          </a:xfrm>
+          <a:prstGeom prst="bentConnector3">
+            <a:avLst>
+              <a:gd name="adj1" fmla="val 50000"/>
+            </a:avLst>
+          </a:prstGeom>
+          <a:ln>
+            <a:tailEnd type="triangle"/>
+          </a:ln>
+        </p:spPr>
+        <p:style>
+          <a:lnRef idx="1">
+            <a:schemeClr val="accent1"/>
+          </a:lnRef>
+          <a:fillRef idx="0">
+            <a:schemeClr val="accent1"/>
+          </a:fillRef>
+          <a:effectRef idx="0">
+            <a:schemeClr val="accent1"/>
+          </a:effectRef>
+          <a:fontRef idx="minor">
+            <a:schemeClr val="tx1"/>
+          </a:fontRef>
+        </p:style>
+      </p:cxnSp>
+      <p:sp>
+        <p:nvSpPr>
+          <p:cNvPr id="95" name="矩形 94">
+            <a:extLst>
+              <a:ext uri="{FF2B5EF4-FFF2-40B4-BE49-F238E27FC236}">
+                <a16:creationId xmlns:a16="http://schemas.microsoft.com/office/drawing/2014/main" id="{9EA1E64F-0732-42B4-98E6-BFEC18289732}"/>
+              </a:ext>
+            </a:extLst>
+          </p:cNvPr>
+          <p:cNvSpPr/>
+          <p:nvPr/>
+        </p:nvSpPr>
+        <p:spPr>
+          <a:xfrm>
+            <a:off x="6636655" y="700679"/>
+            <a:ext cx="529081" cy="253737"/>
+          </a:xfrm>
+          <a:prstGeom prst="rect">
+            <a:avLst/>
+          </a:prstGeom>
+          <a:solidFill>
+            <a:schemeClr val="bg2">
+              <a:lumMod val="90000"/>
+            </a:schemeClr>
+          </a:solidFill>
+          <a:ln>
+            <a:solidFill>
+              <a:schemeClr val="tx1"/>
+            </a:solidFill>
+          </a:ln>
+        </p:spPr>
+        <p:style>
+          <a:lnRef idx="2">
+            <a:schemeClr val="accent1">
+              <a:shade val="50000"/>
+            </a:schemeClr>
+          </a:lnRef>
+          <a:fillRef idx="1">
+            <a:schemeClr val="accent1"/>
+          </a:fillRef>
+          <a:effectRef idx="0">
+            <a:schemeClr val="accent1"/>
+          </a:effectRef>
+          <a:fontRef idx="minor">
+            <a:schemeClr val="lt1"/>
+          </a:fontRef>
+        </p:style>
+        <p:txBody>
+          <a:bodyPr rtlCol="0" anchor="ctr"/>
+          <a:lstStyle/>
+          <a:p>
+            <a:pPr algn="ctr"/>
+            <a:r>
+              <a:rPr lang="en-US" altLang="zh-CN" sz="1400" dirty="0" err="1">
+                <a:solidFill>
+                  <a:schemeClr val="tx1"/>
+                </a:solidFill>
+              </a:rPr>
+              <a:t>Mul</a:t>
+            </a:r>
+            <a:endParaRPr lang="zh-CN" altLang="en-US" sz="1400" dirty="0">
+              <a:solidFill>
+                <a:schemeClr val="tx1"/>
+              </a:solidFill>
+            </a:endParaRPr>
+          </a:p>
+        </p:txBody>
+      </p:sp>
+      <p:sp>
+        <p:nvSpPr>
+          <p:cNvPr id="96" name="矩形 95">
+            <a:extLst>
+              <a:ext uri="{FF2B5EF4-FFF2-40B4-BE49-F238E27FC236}">
+                <a16:creationId xmlns:a16="http://schemas.microsoft.com/office/drawing/2014/main" id="{E5476E9F-E79A-4754-9B2C-E9F7213151CC}"/>
+              </a:ext>
+            </a:extLst>
+          </p:cNvPr>
+          <p:cNvSpPr/>
+          <p:nvPr/>
+        </p:nvSpPr>
+        <p:spPr>
+          <a:xfrm>
+            <a:off x="2150950" y="2158010"/>
+            <a:ext cx="780820" cy="253737"/>
+          </a:xfrm>
+          <a:prstGeom prst="rect">
+            <a:avLst/>
+          </a:prstGeom>
+          <a:solidFill>
+            <a:srgbClr val="92D050"/>
+          </a:solidFill>
+          <a:ln>
+            <a:solidFill>
+              <a:schemeClr val="tx1"/>
+            </a:solidFill>
+          </a:ln>
+        </p:spPr>
+        <p:style>
+          <a:lnRef idx="2">
+            <a:schemeClr val="accent1">
+              <a:shade val="50000"/>
+            </a:schemeClr>
+          </a:lnRef>
+          <a:fillRef idx="1">
+            <a:schemeClr val="accent1"/>
+          </a:fillRef>
+          <a:effectRef idx="0">
+            <a:schemeClr val="accent1"/>
+          </a:effectRef>
+          <a:fontRef idx="minor">
+            <a:schemeClr val="lt1"/>
+          </a:fontRef>
+        </p:style>
+        <p:txBody>
+          <a:bodyPr rtlCol="0" anchor="ctr"/>
+          <a:lstStyle/>
+          <a:p>
+            <a:pPr algn="ctr"/>
+            <a:r>
+              <a:rPr lang="en-US" altLang="zh-CN" sz="1400" dirty="0">
+                <a:solidFill>
+                  <a:schemeClr val="tx1"/>
+                </a:solidFill>
+              </a:rPr>
+              <a:t>Name</a:t>
+            </a:r>
+            <a:endParaRPr lang="zh-CN" altLang="en-US" sz="1400" dirty="0">
+              <a:solidFill>
+                <a:schemeClr val="tx1"/>
+              </a:solidFill>
+            </a:endParaRPr>
+          </a:p>
+        </p:txBody>
+      </p:sp>
+      <p:sp>
+        <p:nvSpPr>
+          <p:cNvPr id="97" name="矩形 96">
+            <a:extLst>
+              <a:ext uri="{FF2B5EF4-FFF2-40B4-BE49-F238E27FC236}">
+                <a16:creationId xmlns:a16="http://schemas.microsoft.com/office/drawing/2014/main" id="{E01B5A55-5C25-4BD5-8E99-CD942225B2F8}"/>
+              </a:ext>
+            </a:extLst>
+          </p:cNvPr>
+          <p:cNvSpPr/>
+          <p:nvPr/>
+        </p:nvSpPr>
+        <p:spPr>
+          <a:xfrm>
+            <a:off x="2150950" y="1702947"/>
+            <a:ext cx="529081" cy="253737"/>
+          </a:xfrm>
+          <a:prstGeom prst="rect">
+            <a:avLst/>
+          </a:prstGeom>
+          <a:solidFill>
+            <a:srgbClr val="92D050"/>
+          </a:solidFill>
+          <a:ln>
+            <a:solidFill>
+              <a:schemeClr val="tx1"/>
+            </a:solidFill>
+          </a:ln>
+        </p:spPr>
+        <p:style>
+          <a:lnRef idx="2">
+            <a:schemeClr val="accent1">
+              <a:shade val="50000"/>
+            </a:schemeClr>
+          </a:lnRef>
+          <a:fillRef idx="1">
+            <a:schemeClr val="accent1"/>
+          </a:fillRef>
+          <a:effectRef idx="0">
+            <a:schemeClr val="accent1"/>
+          </a:effectRef>
+          <a:fontRef idx="minor">
+            <a:schemeClr val="lt1"/>
+          </a:fontRef>
+        </p:style>
+        <p:txBody>
+          <a:bodyPr rtlCol="0" anchor="ctr"/>
+          <a:lstStyle/>
+          <a:p>
+            <a:pPr algn="ctr"/>
+            <a:r>
+              <a:rPr lang="en-US" altLang="zh-CN" sz="1400" dirty="0">
+                <a:solidFill>
+                  <a:schemeClr val="tx1"/>
+                </a:solidFill>
+              </a:rPr>
+              <a:t>Nil</a:t>
+            </a:r>
+            <a:endParaRPr lang="zh-CN" altLang="en-US" sz="1400" dirty="0">
+              <a:solidFill>
+                <a:schemeClr val="tx1"/>
+              </a:solidFill>
+            </a:endParaRPr>
+          </a:p>
+        </p:txBody>
+      </p:sp>
+      <p:sp>
+        <p:nvSpPr>
+          <p:cNvPr id="98" name="矩形 97">
+            <a:extLst>
+              <a:ext uri="{FF2B5EF4-FFF2-40B4-BE49-F238E27FC236}">
+                <a16:creationId xmlns:a16="http://schemas.microsoft.com/office/drawing/2014/main" id="{1C1BDCE4-41DC-4A25-953C-2D741D57037B}"/>
+              </a:ext>
+            </a:extLst>
+          </p:cNvPr>
+          <p:cNvSpPr/>
+          <p:nvPr/>
+        </p:nvSpPr>
+        <p:spPr>
+          <a:xfrm>
+            <a:off x="2139275" y="1308793"/>
+            <a:ext cx="529081" cy="253737"/>
+          </a:xfrm>
+          <a:prstGeom prst="rect">
+            <a:avLst/>
+          </a:prstGeom>
+          <a:solidFill>
+            <a:srgbClr val="92D050"/>
+          </a:solidFill>
+          <a:ln>
+            <a:solidFill>
+              <a:schemeClr val="tx1"/>
+            </a:solidFill>
+          </a:ln>
+        </p:spPr>
+        <p:style>
+          <a:lnRef idx="2">
+            <a:schemeClr val="accent1">
+              <a:shade val="50000"/>
+            </a:schemeClr>
+          </a:lnRef>
+          <a:fillRef idx="1">
+            <a:schemeClr val="accent1"/>
+          </a:fillRef>
+          <a:effectRef idx="0">
+            <a:schemeClr val="accent1"/>
+          </a:effectRef>
+          <a:fontRef idx="minor">
+            <a:schemeClr val="lt1"/>
+          </a:fontRef>
+        </p:style>
+        <p:txBody>
+          <a:bodyPr rtlCol="0" anchor="ctr"/>
+          <a:lstStyle/>
+          <a:p>
+            <a:pPr algn="ctr"/>
+            <a:r>
+              <a:rPr lang="en-US" altLang="zh-CN" sz="1400" dirty="0">
+                <a:solidFill>
+                  <a:schemeClr val="tx1"/>
+                </a:solidFill>
+              </a:rPr>
+              <a:t>Rec</a:t>
+            </a:r>
+            <a:endParaRPr lang="zh-CN" altLang="en-US" sz="1400" dirty="0">
+              <a:solidFill>
+                <a:schemeClr val="tx1"/>
+              </a:solidFill>
+            </a:endParaRPr>
+          </a:p>
+        </p:txBody>
+      </p:sp>
+      <p:sp>
+        <p:nvSpPr>
+          <p:cNvPr id="103" name="矩形 102">
+            <a:extLst>
+              <a:ext uri="{FF2B5EF4-FFF2-40B4-BE49-F238E27FC236}">
+                <a16:creationId xmlns:a16="http://schemas.microsoft.com/office/drawing/2014/main" id="{4FDEB44E-305E-4728-B012-683E386FF1E9}"/>
+              </a:ext>
+            </a:extLst>
+          </p:cNvPr>
+          <p:cNvSpPr/>
+          <p:nvPr/>
+        </p:nvSpPr>
+        <p:spPr>
+          <a:xfrm>
+            <a:off x="5177798" y="5799945"/>
+            <a:ext cx="688878" cy="253737"/>
+          </a:xfrm>
+          <a:prstGeom prst="rect">
+            <a:avLst/>
+          </a:prstGeom>
+          <a:solidFill>
+            <a:srgbClr val="FFC000"/>
+          </a:solidFill>
+          <a:ln>
+            <a:solidFill>
+              <a:schemeClr val="tx1"/>
+            </a:solidFill>
+          </a:ln>
+        </p:spPr>
+        <p:style>
+          <a:lnRef idx="2">
+            <a:schemeClr val="accent1">
+              <a:shade val="50000"/>
+            </a:schemeClr>
+          </a:lnRef>
+          <a:fillRef idx="1">
+            <a:schemeClr val="accent1"/>
+          </a:fillRef>
+          <a:effectRef idx="0">
+            <a:schemeClr val="accent1"/>
+          </a:effectRef>
+          <a:fontRef idx="minor">
+            <a:schemeClr val="lt1"/>
+          </a:fontRef>
+        </p:style>
+        <p:txBody>
+          <a:bodyPr rtlCol="0" anchor="ctr"/>
+          <a:lstStyle/>
+          <a:p>
+            <a:pPr algn="ctr"/>
+            <a:r>
+              <a:rPr lang="en-US" altLang="zh-CN" sz="1400" dirty="0">
+                <a:solidFill>
+                  <a:schemeClr val="tx1"/>
+                </a:solidFill>
+              </a:rPr>
+              <a:t>Group</a:t>
+            </a:r>
+            <a:endParaRPr lang="zh-CN" altLang="en-US" sz="1400" dirty="0">
+              <a:solidFill>
+                <a:schemeClr val="tx1"/>
+              </a:solidFill>
+            </a:endParaRPr>
+          </a:p>
+        </p:txBody>
+      </p:sp>
+      <p:sp>
+        <p:nvSpPr>
+          <p:cNvPr id="108" name="矩形 107">
+            <a:extLst>
+              <a:ext uri="{FF2B5EF4-FFF2-40B4-BE49-F238E27FC236}">
+                <a16:creationId xmlns:a16="http://schemas.microsoft.com/office/drawing/2014/main" id="{26829DF7-5E11-4C42-BD1A-F8D7F14EAF8D}"/>
+              </a:ext>
+            </a:extLst>
+          </p:cNvPr>
+          <p:cNvSpPr/>
+          <p:nvPr/>
+        </p:nvSpPr>
+        <p:spPr>
+          <a:xfrm>
+            <a:off x="5174910" y="970347"/>
+            <a:ext cx="688878" cy="253737"/>
+          </a:xfrm>
+          <a:prstGeom prst="rect">
+            <a:avLst/>
+          </a:prstGeom>
+          <a:solidFill>
+            <a:srgbClr val="FFC000"/>
+          </a:solidFill>
+          <a:ln>
+            <a:solidFill>
+              <a:schemeClr val="tx1"/>
+            </a:solidFill>
+          </a:ln>
+        </p:spPr>
+        <p:style>
+          <a:lnRef idx="2">
+            <a:schemeClr val="accent1">
+              <a:shade val="50000"/>
+            </a:schemeClr>
+          </a:lnRef>
+          <a:fillRef idx="1">
+            <a:schemeClr val="accent1"/>
+          </a:fillRef>
+          <a:effectRef idx="0">
+            <a:schemeClr val="accent1"/>
+          </a:effectRef>
+          <a:fontRef idx="minor">
+            <a:schemeClr val="lt1"/>
+          </a:fontRef>
+        </p:style>
+        <p:txBody>
+          <a:bodyPr rtlCol="0" anchor="ctr"/>
+          <a:lstStyle/>
+          <a:p>
+            <a:pPr algn="ctr"/>
+            <a:r>
+              <a:rPr lang="en-US" altLang="zh-CN" sz="1400" dirty="0">
+                <a:solidFill>
+                  <a:schemeClr val="tx1"/>
+                </a:solidFill>
+              </a:rPr>
+              <a:t>Cons</a:t>
+            </a:r>
+            <a:endParaRPr lang="zh-CN" altLang="en-US" sz="1400" dirty="0">
+              <a:solidFill>
+                <a:schemeClr val="tx1"/>
+              </a:solidFill>
+            </a:endParaRPr>
+          </a:p>
+        </p:txBody>
+      </p:sp>
+      <p:sp>
+        <p:nvSpPr>
+          <p:cNvPr id="109" name="矩形 108">
+            <a:extLst>
+              <a:ext uri="{FF2B5EF4-FFF2-40B4-BE49-F238E27FC236}">
+                <a16:creationId xmlns:a16="http://schemas.microsoft.com/office/drawing/2014/main" id="{2B8453B9-C7BB-4587-BD8E-E69AE2F50474}"/>
+              </a:ext>
+            </a:extLst>
+          </p:cNvPr>
+          <p:cNvSpPr/>
+          <p:nvPr/>
+        </p:nvSpPr>
+        <p:spPr>
+          <a:xfrm>
+            <a:off x="2145712" y="2590140"/>
+            <a:ext cx="688878" cy="253737"/>
+          </a:xfrm>
+          <a:prstGeom prst="rect">
+            <a:avLst/>
+          </a:prstGeom>
+          <a:solidFill>
+            <a:srgbClr val="92D050"/>
+          </a:solidFill>
+          <a:ln>
+            <a:solidFill>
+              <a:schemeClr val="tx1"/>
+            </a:solidFill>
+          </a:ln>
+        </p:spPr>
+        <p:style>
+          <a:lnRef idx="2">
+            <a:schemeClr val="accent1">
+              <a:shade val="50000"/>
+            </a:schemeClr>
+          </a:lnRef>
+          <a:fillRef idx="1">
+            <a:schemeClr val="accent1"/>
+          </a:fillRef>
+          <a:effectRef idx="0">
+            <a:schemeClr val="accent1"/>
+          </a:effectRef>
+          <a:fontRef idx="minor">
+            <a:schemeClr val="lt1"/>
+          </a:fontRef>
+        </p:style>
+        <p:txBody>
+          <a:bodyPr rtlCol="0" anchor="ctr"/>
+          <a:lstStyle/>
+          <a:p>
+            <a:pPr algn="ctr"/>
+            <a:r>
+              <a:rPr lang="en-US" altLang="zh-CN" sz="1400" dirty="0">
+                <a:solidFill>
+                  <a:schemeClr val="tx1"/>
+                </a:solidFill>
+              </a:rPr>
+              <a:t>Cond</a:t>
+            </a:r>
+            <a:endParaRPr lang="zh-CN" altLang="en-US" sz="1400" dirty="0">
+              <a:solidFill>
+                <a:schemeClr val="tx1"/>
+              </a:solidFill>
+            </a:endParaRPr>
+          </a:p>
+        </p:txBody>
+      </p:sp>
+      <p:sp>
+        <p:nvSpPr>
+          <p:cNvPr id="110" name="矩形 109">
+            <a:extLst>
+              <a:ext uri="{FF2B5EF4-FFF2-40B4-BE49-F238E27FC236}">
+                <a16:creationId xmlns:a16="http://schemas.microsoft.com/office/drawing/2014/main" id="{DE901647-7F78-4253-9205-31C6B1CAB107}"/>
+              </a:ext>
+            </a:extLst>
+          </p:cNvPr>
+          <p:cNvSpPr/>
+          <p:nvPr/>
+        </p:nvSpPr>
+        <p:spPr>
+          <a:xfrm>
+            <a:off x="2139275" y="4207240"/>
+            <a:ext cx="1317407" cy="253737"/>
+          </a:xfrm>
+          <a:prstGeom prst="rect">
+            <a:avLst/>
+          </a:prstGeom>
+          <a:solidFill>
+            <a:srgbClr val="92D050"/>
+          </a:solidFill>
+          <a:ln>
+            <a:solidFill>
+              <a:schemeClr val="tx1"/>
+            </a:solidFill>
+          </a:ln>
+        </p:spPr>
+        <p:style>
+          <a:lnRef idx="2">
+            <a:schemeClr val="accent1">
+              <a:shade val="50000"/>
+            </a:schemeClr>
+          </a:lnRef>
+          <a:fillRef idx="1">
+            <a:schemeClr val="accent1"/>
+          </a:fillRef>
+          <a:effectRef idx="0">
+            <a:schemeClr val="accent1"/>
+          </a:effectRef>
+          <a:fontRef idx="minor">
+            <a:schemeClr val="lt1"/>
+          </a:fontRef>
+        </p:style>
+        <p:txBody>
+          <a:bodyPr rtlCol="0" anchor="ctr"/>
+          <a:lstStyle/>
+          <a:p>
+            <a:pPr algn="ctr"/>
+            <a:r>
+              <a:rPr lang="en-US" altLang="zh-CN" sz="1400" dirty="0" err="1">
+                <a:solidFill>
+                  <a:schemeClr val="tx1"/>
+                </a:solidFill>
+              </a:rPr>
+              <a:t>BooleanLiteral</a:t>
+            </a:r>
+            <a:endParaRPr lang="zh-CN" altLang="en-US" sz="1400" dirty="0">
+              <a:solidFill>
+                <a:schemeClr val="tx1"/>
+              </a:solidFill>
+            </a:endParaRPr>
+          </a:p>
+        </p:txBody>
+      </p:sp>
+      <p:sp>
+        <p:nvSpPr>
+          <p:cNvPr id="111" name="矩形 110">
+            <a:extLst>
+              <a:ext uri="{FF2B5EF4-FFF2-40B4-BE49-F238E27FC236}">
+                <a16:creationId xmlns:a16="http://schemas.microsoft.com/office/drawing/2014/main" id="{92E57CEA-564D-4756-A026-46E8BCF96516}"/>
+              </a:ext>
+            </a:extLst>
+          </p:cNvPr>
+          <p:cNvSpPr/>
+          <p:nvPr/>
+        </p:nvSpPr>
+        <p:spPr>
+          <a:xfrm>
+            <a:off x="5174910" y="622618"/>
+            <a:ext cx="688878" cy="253737"/>
+          </a:xfrm>
+          <a:prstGeom prst="rect">
+            <a:avLst/>
+          </a:prstGeom>
+          <a:solidFill>
+            <a:srgbClr val="FFC000"/>
+          </a:solidFill>
+          <a:ln>
+            <a:solidFill>
+              <a:schemeClr val="tx1"/>
+            </a:solidFill>
+          </a:ln>
+        </p:spPr>
+        <p:style>
+          <a:lnRef idx="2">
+            <a:schemeClr val="accent1">
+              <a:shade val="50000"/>
+            </a:schemeClr>
+          </a:lnRef>
+          <a:fillRef idx="1">
+            <a:schemeClr val="accent1"/>
+          </a:fillRef>
+          <a:effectRef idx="0">
+            <a:schemeClr val="accent1"/>
+          </a:effectRef>
+          <a:fontRef idx="minor">
+            <a:schemeClr val="lt1"/>
+          </a:fontRef>
+        </p:style>
+        <p:txBody>
+          <a:bodyPr rtlCol="0" anchor="ctr"/>
+          <a:lstStyle/>
+          <a:p>
+            <a:pPr algn="ctr"/>
+            <a:r>
+              <a:rPr lang="en-US" altLang="zh-CN" sz="1400" dirty="0">
+                <a:solidFill>
+                  <a:schemeClr val="tx1"/>
+                </a:solidFill>
+              </a:rPr>
+              <a:t>Assign</a:t>
+            </a:r>
+            <a:endParaRPr lang="zh-CN" altLang="en-US" sz="1400" dirty="0">
+              <a:solidFill>
+                <a:schemeClr val="tx1"/>
+              </a:solidFill>
+            </a:endParaRPr>
+          </a:p>
+        </p:txBody>
+      </p:sp>
+      <p:cxnSp>
+        <p:nvCxnSpPr>
+          <p:cNvPr id="112" name="连接符: 肘形 111">
+            <a:extLst>
+              <a:ext uri="{FF2B5EF4-FFF2-40B4-BE49-F238E27FC236}">
+                <a16:creationId xmlns:a16="http://schemas.microsoft.com/office/drawing/2014/main" id="{2B3F5FA5-A187-4FC8-919D-4200B301A354}"/>
+              </a:ext>
+            </a:extLst>
+          </p:cNvPr>
+          <p:cNvCxnSpPr>
+            <a:cxnSpLocks/>
+            <a:stCxn id="5" idx="3"/>
+            <a:endCxn id="108" idx="1"/>
+          </p:cNvCxnSpPr>
+          <p:nvPr/>
+        </p:nvCxnSpPr>
+        <p:spPr>
+          <a:xfrm flipV="1">
+            <a:off x="3273898" y="1097216"/>
+            <a:ext cx="1901012" cy="2056131"/>
+          </a:xfrm>
+          <a:prstGeom prst="bentConnector3">
+            <a:avLst>
+              <a:gd name="adj1" fmla="val 50000"/>
+            </a:avLst>
+          </a:prstGeom>
+          <a:ln>
+            <a:tailEnd type="triangle"/>
+          </a:ln>
+        </p:spPr>
+        <p:style>
+          <a:lnRef idx="1">
+            <a:schemeClr val="accent1"/>
+          </a:lnRef>
+          <a:fillRef idx="0">
+            <a:schemeClr val="accent1"/>
+          </a:fillRef>
+          <a:effectRef idx="0">
+            <a:schemeClr val="accent1"/>
+          </a:effectRef>
+          <a:fontRef idx="minor">
+            <a:schemeClr val="tx1"/>
+          </a:fontRef>
+        </p:style>
+      </p:cxnSp>
+      <p:cxnSp>
+        <p:nvCxnSpPr>
+          <p:cNvPr id="119" name="连接符: 肘形 118">
+            <a:extLst>
+              <a:ext uri="{FF2B5EF4-FFF2-40B4-BE49-F238E27FC236}">
+                <a16:creationId xmlns:a16="http://schemas.microsoft.com/office/drawing/2014/main" id="{187F2100-DDBA-43B3-BA80-CA51452C3F79}"/>
+              </a:ext>
+            </a:extLst>
+          </p:cNvPr>
+          <p:cNvCxnSpPr>
+            <a:cxnSpLocks/>
+            <a:stCxn id="4" idx="3"/>
+            <a:endCxn id="110" idx="1"/>
+          </p:cNvCxnSpPr>
+          <p:nvPr/>
+        </p:nvCxnSpPr>
+        <p:spPr>
+          <a:xfrm>
+            <a:off x="1343268" y="523345"/>
+            <a:ext cx="796007" cy="3810764"/>
+          </a:xfrm>
+          <a:prstGeom prst="bentConnector3">
+            <a:avLst>
+              <a:gd name="adj1" fmla="val 50000"/>
+            </a:avLst>
+          </a:prstGeom>
+          <a:ln>
+            <a:tailEnd type="triangle"/>
+          </a:ln>
+        </p:spPr>
+        <p:style>
+          <a:lnRef idx="1">
+            <a:schemeClr val="accent1"/>
+          </a:lnRef>
+          <a:fillRef idx="0">
+            <a:schemeClr val="accent1"/>
+          </a:fillRef>
+          <a:effectRef idx="0">
+            <a:schemeClr val="accent1"/>
+          </a:effectRef>
+          <a:fontRef idx="minor">
+            <a:schemeClr val="tx1"/>
+          </a:fontRef>
+        </p:style>
+      </p:cxnSp>
+      <p:cxnSp>
+        <p:nvCxnSpPr>
+          <p:cNvPr id="138" name="连接符: 肘形 137">
+            <a:extLst>
+              <a:ext uri="{FF2B5EF4-FFF2-40B4-BE49-F238E27FC236}">
+                <a16:creationId xmlns:a16="http://schemas.microsoft.com/office/drawing/2014/main" id="{BAAEE920-11D0-4719-BA21-396A5C0C723D}"/>
+              </a:ext>
+            </a:extLst>
+          </p:cNvPr>
+          <p:cNvCxnSpPr>
+            <a:cxnSpLocks/>
+            <a:stCxn id="91" idx="3"/>
+            <a:endCxn id="103" idx="1"/>
+          </p:cNvCxnSpPr>
+          <p:nvPr/>
+        </p:nvCxnSpPr>
+        <p:spPr>
+          <a:xfrm>
+            <a:off x="3167396" y="5719691"/>
+            <a:ext cx="2010402" cy="207123"/>
+          </a:xfrm>
+          <a:prstGeom prst="bentConnector3">
+            <a:avLst>
+              <a:gd name="adj1" fmla="val 50000"/>
+            </a:avLst>
+          </a:prstGeom>
+          <a:ln>
+            <a:tailEnd type="triangle"/>
+          </a:ln>
+        </p:spPr>
+        <p:style>
+          <a:lnRef idx="1">
+            <a:schemeClr val="accent1"/>
+          </a:lnRef>
+          <a:fillRef idx="0">
+            <a:schemeClr val="accent1"/>
+          </a:fillRef>
+          <a:effectRef idx="0">
+            <a:schemeClr val="accent1"/>
+          </a:effectRef>
+          <a:fontRef idx="minor">
+            <a:schemeClr val="tx1"/>
+          </a:fontRef>
+        </p:style>
+      </p:cxnSp>
+      <p:cxnSp>
+        <p:nvCxnSpPr>
+          <p:cNvPr id="192" name="连接符: 肘形 191">
+            <a:extLst>
+              <a:ext uri="{FF2B5EF4-FFF2-40B4-BE49-F238E27FC236}">
+                <a16:creationId xmlns:a16="http://schemas.microsoft.com/office/drawing/2014/main" id="{48BF989A-B0FD-46F6-9F03-2C4C9AB9021B}"/>
+              </a:ext>
+            </a:extLst>
+          </p:cNvPr>
+          <p:cNvCxnSpPr>
+            <a:cxnSpLocks/>
+            <a:stCxn id="5" idx="3"/>
+            <a:endCxn id="111" idx="1"/>
+          </p:cNvCxnSpPr>
+          <p:nvPr/>
+        </p:nvCxnSpPr>
+        <p:spPr>
+          <a:xfrm flipV="1">
+            <a:off x="3273898" y="749487"/>
+            <a:ext cx="1901012" cy="2403860"/>
+          </a:xfrm>
+          <a:prstGeom prst="bentConnector3">
+            <a:avLst>
+              <a:gd name="adj1" fmla="val 50000"/>
+            </a:avLst>
+          </a:prstGeom>
+          <a:ln>
+            <a:tailEnd type="triangle"/>
+          </a:ln>
+        </p:spPr>
+        <p:style>
+          <a:lnRef idx="1">
+            <a:schemeClr val="accent1"/>
+          </a:lnRef>
+          <a:fillRef idx="0">
+            <a:schemeClr val="accent1"/>
+          </a:fillRef>
+          <a:effectRef idx="0">
+            <a:schemeClr val="accent1"/>
+          </a:effectRef>
+          <a:fontRef idx="minor">
+            <a:schemeClr val="tx1"/>
+          </a:fontRef>
+        </p:style>
+      </p:cxnSp>
+      <p:cxnSp>
+        <p:nvCxnSpPr>
+          <p:cNvPr id="278" name="连接符: 肘形 277">
+            <a:extLst>
+              <a:ext uri="{FF2B5EF4-FFF2-40B4-BE49-F238E27FC236}">
+                <a16:creationId xmlns:a16="http://schemas.microsoft.com/office/drawing/2014/main" id="{92A37C5A-C192-4A7D-9567-2EB092A8A0DA}"/>
+              </a:ext>
+            </a:extLst>
+          </p:cNvPr>
+          <p:cNvCxnSpPr>
+            <a:cxnSpLocks/>
+            <a:stCxn id="4" idx="3"/>
+            <a:endCxn id="98" idx="1"/>
+          </p:cNvCxnSpPr>
+          <p:nvPr/>
+        </p:nvCxnSpPr>
+        <p:spPr>
+          <a:xfrm>
+            <a:off x="1343268" y="523345"/>
+            <a:ext cx="796007" cy="912317"/>
+          </a:xfrm>
+          <a:prstGeom prst="bentConnector3">
+            <a:avLst>
+              <a:gd name="adj1" fmla="val 50000"/>
+            </a:avLst>
+          </a:prstGeom>
+          <a:ln>
+            <a:tailEnd type="triangle"/>
+          </a:ln>
+        </p:spPr>
+        <p:style>
+          <a:lnRef idx="1">
+            <a:schemeClr val="accent1"/>
+          </a:lnRef>
+          <a:fillRef idx="0">
+            <a:schemeClr val="accent1"/>
+          </a:fillRef>
+          <a:effectRef idx="0">
+            <a:schemeClr val="accent1"/>
+          </a:effectRef>
+          <a:fontRef idx="minor">
+            <a:schemeClr val="tx1"/>
+          </a:fontRef>
+        </p:style>
+      </p:cxnSp>
+      <p:cxnSp>
+        <p:nvCxnSpPr>
+          <p:cNvPr id="281" name="连接符: 肘形 280">
+            <a:extLst>
+              <a:ext uri="{FF2B5EF4-FFF2-40B4-BE49-F238E27FC236}">
+                <a16:creationId xmlns:a16="http://schemas.microsoft.com/office/drawing/2014/main" id="{E324BEF7-4628-4786-BFCE-8029826A4A43}"/>
+              </a:ext>
+            </a:extLst>
+          </p:cNvPr>
+          <p:cNvCxnSpPr>
+            <a:cxnSpLocks/>
+            <a:stCxn id="4" idx="3"/>
+            <a:endCxn id="97" idx="1"/>
+          </p:cNvCxnSpPr>
+          <p:nvPr/>
+        </p:nvCxnSpPr>
+        <p:spPr>
+          <a:xfrm>
+            <a:off x="1343268" y="523345"/>
+            <a:ext cx="807682" cy="1306471"/>
+          </a:xfrm>
+          <a:prstGeom prst="bentConnector3">
+            <a:avLst>
+              <a:gd name="adj1" fmla="val 50000"/>
+            </a:avLst>
+          </a:prstGeom>
+          <a:ln>
+            <a:tailEnd type="triangle"/>
+          </a:ln>
+        </p:spPr>
+        <p:style>
+          <a:lnRef idx="1">
+            <a:schemeClr val="accent1"/>
+          </a:lnRef>
+          <a:fillRef idx="0">
+            <a:schemeClr val="accent1"/>
+          </a:fillRef>
+          <a:effectRef idx="0">
+            <a:schemeClr val="accent1"/>
+          </a:effectRef>
+          <a:fontRef idx="minor">
+            <a:schemeClr val="tx1"/>
+          </a:fontRef>
+        </p:style>
+      </p:cxnSp>
+      <p:cxnSp>
+        <p:nvCxnSpPr>
+          <p:cNvPr id="284" name="连接符: 肘形 283">
+            <a:extLst>
+              <a:ext uri="{FF2B5EF4-FFF2-40B4-BE49-F238E27FC236}">
+                <a16:creationId xmlns:a16="http://schemas.microsoft.com/office/drawing/2014/main" id="{D6C04D0B-E2D8-4125-B44D-7873BFCFFFBD}"/>
+              </a:ext>
+            </a:extLst>
+          </p:cNvPr>
+          <p:cNvCxnSpPr>
+            <a:cxnSpLocks/>
+            <a:stCxn id="4" idx="3"/>
+            <a:endCxn id="96" idx="1"/>
+          </p:cNvCxnSpPr>
+          <p:nvPr/>
+        </p:nvCxnSpPr>
+        <p:spPr>
+          <a:xfrm>
+            <a:off x="1343268" y="523345"/>
+            <a:ext cx="807682" cy="1761534"/>
+          </a:xfrm>
+          <a:prstGeom prst="bentConnector3">
+            <a:avLst>
+              <a:gd name="adj1" fmla="val 50000"/>
+            </a:avLst>
+          </a:prstGeom>
+          <a:ln>
+            <a:tailEnd type="triangle"/>
+          </a:ln>
+        </p:spPr>
+        <p:style>
+          <a:lnRef idx="1">
+            <a:schemeClr val="accent1"/>
+          </a:lnRef>
+          <a:fillRef idx="0">
+            <a:schemeClr val="accent1"/>
+          </a:fillRef>
+          <a:effectRef idx="0">
+            <a:schemeClr val="accent1"/>
+          </a:effectRef>
+          <a:fontRef idx="minor">
+            <a:schemeClr val="tx1"/>
+          </a:fontRef>
+        </p:style>
+      </p:cxnSp>
+      <p:cxnSp>
+        <p:nvCxnSpPr>
+          <p:cNvPr id="287" name="连接符: 肘形 286">
+            <a:extLst>
+              <a:ext uri="{FF2B5EF4-FFF2-40B4-BE49-F238E27FC236}">
+                <a16:creationId xmlns:a16="http://schemas.microsoft.com/office/drawing/2014/main" id="{B1D7B7FD-FC89-4DDF-86BA-83DA1BCB7B80}"/>
+              </a:ext>
+            </a:extLst>
+          </p:cNvPr>
+          <p:cNvCxnSpPr>
+            <a:cxnSpLocks/>
+            <a:stCxn id="4" idx="3"/>
+            <a:endCxn id="109" idx="1"/>
+          </p:cNvCxnSpPr>
+          <p:nvPr/>
+        </p:nvCxnSpPr>
+        <p:spPr>
+          <a:xfrm>
+            <a:off x="1343268" y="523345"/>
+            <a:ext cx="802444" cy="2193664"/>
+          </a:xfrm>
+          <a:prstGeom prst="bentConnector3">
+            <a:avLst>
+              <a:gd name="adj1" fmla="val 50000"/>
+            </a:avLst>
+          </a:prstGeom>
+          <a:ln>
+            <a:tailEnd type="triangle"/>
+          </a:ln>
+        </p:spPr>
+        <p:style>
+          <a:lnRef idx="1">
+            <a:schemeClr val="accent1"/>
+          </a:lnRef>
+          <a:fillRef idx="0">
+            <a:schemeClr val="accent1"/>
+          </a:fillRef>
+          <a:effectRef idx="0">
+            <a:schemeClr val="accent1"/>
+          </a:effectRef>
+          <a:fontRef idx="minor">
+            <a:schemeClr val="tx1"/>
+          </a:fontRef>
+        </p:style>
+      </p:cxnSp>
+      <p:cxnSp>
+        <p:nvCxnSpPr>
+          <p:cNvPr id="340" name="连接符: 肘形 339">
+            <a:extLst>
+              <a:ext uri="{FF2B5EF4-FFF2-40B4-BE49-F238E27FC236}">
+                <a16:creationId xmlns:a16="http://schemas.microsoft.com/office/drawing/2014/main" id="{1F5FC129-02D6-43E7-B628-329ACA08AA2E}"/>
+              </a:ext>
+            </a:extLst>
+          </p:cNvPr>
+          <p:cNvCxnSpPr>
+            <a:cxnSpLocks/>
+            <a:stCxn id="27" idx="3"/>
+            <a:endCxn id="41" idx="1"/>
+          </p:cNvCxnSpPr>
+          <p:nvPr/>
+        </p:nvCxnSpPr>
+        <p:spPr>
+          <a:xfrm flipV="1">
+            <a:off x="6146771" y="211071"/>
+            <a:ext cx="489885" cy="129595"/>
+          </a:xfrm>
+          <a:prstGeom prst="bentConnector3">
+            <a:avLst>
+              <a:gd name="adj1" fmla="val 50000"/>
+            </a:avLst>
+          </a:prstGeom>
+          <a:ln>
+            <a:tailEnd type="triangle"/>
+          </a:ln>
+        </p:spPr>
+        <p:style>
+          <a:lnRef idx="1">
+            <a:schemeClr val="accent1"/>
+          </a:lnRef>
+          <a:fillRef idx="0">
+            <a:schemeClr val="accent1"/>
+          </a:fillRef>
+          <a:effectRef idx="0">
+            <a:schemeClr val="accent1"/>
+          </a:effectRef>
+          <a:fontRef idx="minor">
+            <a:schemeClr val="tx1"/>
+          </a:fontRef>
+        </p:style>
+      </p:cxnSp>
+      <p:cxnSp>
+        <p:nvCxnSpPr>
+          <p:cNvPr id="343" name="连接符: 肘形 342">
+            <a:extLst>
+              <a:ext uri="{FF2B5EF4-FFF2-40B4-BE49-F238E27FC236}">
+                <a16:creationId xmlns:a16="http://schemas.microsoft.com/office/drawing/2014/main" id="{AAE1749E-CF79-43AB-8F3E-BA19D2370496}"/>
+              </a:ext>
+            </a:extLst>
+          </p:cNvPr>
+          <p:cNvCxnSpPr>
+            <a:cxnSpLocks/>
+            <a:stCxn id="27" idx="3"/>
+            <a:endCxn id="53" idx="1"/>
+          </p:cNvCxnSpPr>
+          <p:nvPr/>
+        </p:nvCxnSpPr>
+        <p:spPr>
+          <a:xfrm>
+            <a:off x="6146771" y="340666"/>
+            <a:ext cx="489884" cy="180007"/>
+          </a:xfrm>
+          <a:prstGeom prst="bentConnector3">
+            <a:avLst>
+              <a:gd name="adj1" fmla="val 50000"/>
+            </a:avLst>
+          </a:prstGeom>
+          <a:ln>
+            <a:tailEnd type="triangle"/>
+          </a:ln>
+        </p:spPr>
+        <p:style>
+          <a:lnRef idx="1">
+            <a:schemeClr val="accent1"/>
+          </a:lnRef>
+          <a:fillRef idx="0">
+            <a:schemeClr val="accent1"/>
+          </a:fillRef>
+          <a:effectRef idx="0">
+            <a:schemeClr val="accent1"/>
+          </a:effectRef>
+          <a:fontRef idx="minor">
+            <a:schemeClr val="tx1"/>
+          </a:fontRef>
+        </p:style>
+      </p:cxnSp>
+      <p:cxnSp>
+        <p:nvCxnSpPr>
+          <p:cNvPr id="346" name="连接符: 肘形 345">
+            <a:extLst>
+              <a:ext uri="{FF2B5EF4-FFF2-40B4-BE49-F238E27FC236}">
+                <a16:creationId xmlns:a16="http://schemas.microsoft.com/office/drawing/2014/main" id="{6AD1D95F-7A4A-449F-8563-40C008829994}"/>
+              </a:ext>
+            </a:extLst>
+          </p:cNvPr>
+          <p:cNvCxnSpPr>
+            <a:cxnSpLocks/>
+            <a:stCxn id="27" idx="3"/>
+            <a:endCxn id="95" idx="1"/>
+          </p:cNvCxnSpPr>
+          <p:nvPr/>
+        </p:nvCxnSpPr>
+        <p:spPr>
+          <a:xfrm>
+            <a:off x="6146771" y="340666"/>
+            <a:ext cx="489884" cy="486882"/>
+          </a:xfrm>
+          <a:prstGeom prst="bentConnector3">
+            <a:avLst>
+              <a:gd name="adj1" fmla="val 50000"/>
+            </a:avLst>
+          </a:prstGeom>
+          <a:ln>
+            <a:tailEnd type="triangle"/>
+          </a:ln>
+        </p:spPr>
+        <p:style>
+          <a:lnRef idx="1">
+            <a:schemeClr val="accent1"/>
+          </a:lnRef>
+          <a:fillRef idx="0">
+            <a:schemeClr val="accent1"/>
+          </a:fillRef>
+          <a:effectRef idx="0">
+            <a:schemeClr val="accent1"/>
+          </a:effectRef>
+          <a:fontRef idx="minor">
+            <a:schemeClr val="tx1"/>
+          </a:fontRef>
+        </p:style>
+      </p:cxnSp>
+      <p:sp>
+        <p:nvSpPr>
+          <p:cNvPr id="448" name="矩形 447">
+            <a:extLst>
+              <a:ext uri="{FF2B5EF4-FFF2-40B4-BE49-F238E27FC236}">
+                <a16:creationId xmlns:a16="http://schemas.microsoft.com/office/drawing/2014/main" id="{A7039C32-656C-45DD-A8A6-0ADB3192547D}"/>
+              </a:ext>
+            </a:extLst>
+          </p:cNvPr>
+          <p:cNvSpPr/>
+          <p:nvPr/>
+        </p:nvSpPr>
+        <p:spPr>
+          <a:xfrm>
+            <a:off x="6636655" y="1009065"/>
+            <a:ext cx="529081" cy="253737"/>
+          </a:xfrm>
+          <a:prstGeom prst="rect">
+            <a:avLst/>
+          </a:prstGeom>
+          <a:solidFill>
+            <a:schemeClr val="bg2">
+              <a:lumMod val="90000"/>
+            </a:schemeClr>
+          </a:solidFill>
+          <a:ln>
+            <a:solidFill>
+              <a:schemeClr val="tx1"/>
+            </a:solidFill>
+          </a:ln>
+        </p:spPr>
+        <p:style>
+          <a:lnRef idx="2">
+            <a:schemeClr val="accent1">
+              <a:shade val="50000"/>
+            </a:schemeClr>
+          </a:lnRef>
+          <a:fillRef idx="1">
+            <a:schemeClr val="accent1"/>
+          </a:fillRef>
+          <a:effectRef idx="0">
+            <a:schemeClr val="accent1"/>
+          </a:effectRef>
+          <a:fontRef idx="minor">
+            <a:schemeClr val="lt1"/>
+          </a:fontRef>
+        </p:style>
+        <p:txBody>
+          <a:bodyPr rtlCol="0" anchor="ctr"/>
+          <a:lstStyle/>
+          <a:p>
+            <a:pPr algn="ctr"/>
+            <a:r>
+              <a:rPr lang="en-US" altLang="zh-CN" sz="1400" dirty="0" err="1">
+                <a:solidFill>
+                  <a:schemeClr val="tx1"/>
+                </a:solidFill>
+              </a:rPr>
+              <a:t>Div</a:t>
+            </a:r>
+            <a:endParaRPr lang="zh-CN" altLang="en-US" sz="1400" dirty="0">
+              <a:solidFill>
+                <a:schemeClr val="tx1"/>
+              </a:solidFill>
+            </a:endParaRPr>
+          </a:p>
+        </p:txBody>
+      </p:sp>
+      <p:cxnSp>
+        <p:nvCxnSpPr>
+          <p:cNvPr id="454" name="连接符: 肘形 453">
+            <a:extLst>
+              <a:ext uri="{FF2B5EF4-FFF2-40B4-BE49-F238E27FC236}">
+                <a16:creationId xmlns:a16="http://schemas.microsoft.com/office/drawing/2014/main" id="{A511FE8E-7040-4E78-92F8-A5FEA386C21D}"/>
+              </a:ext>
+            </a:extLst>
+          </p:cNvPr>
+          <p:cNvCxnSpPr>
+            <a:cxnSpLocks/>
+            <a:stCxn id="27" idx="3"/>
+            <a:endCxn id="448" idx="1"/>
+          </p:cNvCxnSpPr>
+          <p:nvPr/>
+        </p:nvCxnSpPr>
+        <p:spPr>
+          <a:xfrm>
+            <a:off x="6146771" y="340666"/>
+            <a:ext cx="489884" cy="795268"/>
+          </a:xfrm>
+          <a:prstGeom prst="bentConnector3">
+            <a:avLst>
+              <a:gd name="adj1" fmla="val 50000"/>
+            </a:avLst>
+          </a:prstGeom>
+          <a:ln>
+            <a:tailEnd type="triangle"/>
+          </a:ln>
+        </p:spPr>
+        <p:style>
+          <a:lnRef idx="1">
+            <a:schemeClr val="accent1"/>
+          </a:lnRef>
+          <a:fillRef idx="0">
+            <a:schemeClr val="accent1"/>
+          </a:fillRef>
+          <a:effectRef idx="0">
+            <a:schemeClr val="accent1"/>
+          </a:effectRef>
+          <a:fontRef idx="minor">
+            <a:schemeClr val="tx1"/>
+          </a:fontRef>
+        </p:style>
+      </p:cxnSp>
+      <p:sp>
+        <p:nvSpPr>
+          <p:cNvPr id="459" name="矩形 458">
+            <a:extLst>
+              <a:ext uri="{FF2B5EF4-FFF2-40B4-BE49-F238E27FC236}">
+                <a16:creationId xmlns:a16="http://schemas.microsoft.com/office/drawing/2014/main" id="{9DAC6173-655E-4812-A0ED-511EE7E6747C}"/>
+              </a:ext>
+            </a:extLst>
+          </p:cNvPr>
+          <p:cNvSpPr/>
+          <p:nvPr/>
+        </p:nvSpPr>
+        <p:spPr>
+          <a:xfrm>
+            <a:off x="6636655" y="1315940"/>
+            <a:ext cx="626051" cy="253737"/>
+          </a:xfrm>
+          <a:prstGeom prst="rect">
+            <a:avLst/>
+          </a:prstGeom>
+          <a:solidFill>
+            <a:schemeClr val="bg2">
+              <a:lumMod val="90000"/>
+            </a:schemeClr>
+          </a:solidFill>
+          <a:ln>
+            <a:solidFill>
+              <a:schemeClr val="tx1"/>
+            </a:solidFill>
+          </a:ln>
+        </p:spPr>
+        <p:style>
+          <a:lnRef idx="2">
+            <a:schemeClr val="accent1">
+              <a:shade val="50000"/>
+            </a:schemeClr>
+          </a:lnRef>
+          <a:fillRef idx="1">
+            <a:schemeClr val="accent1"/>
+          </a:fillRef>
+          <a:effectRef idx="0">
+            <a:schemeClr val="accent1"/>
+          </a:effectRef>
+          <a:fontRef idx="minor">
+            <a:schemeClr val="lt1"/>
+          </a:fontRef>
+        </p:style>
+        <p:txBody>
+          <a:bodyPr rtlCol="0" anchor="ctr"/>
+          <a:lstStyle/>
+          <a:p>
+            <a:pPr algn="ctr"/>
+            <a:r>
+              <a:rPr lang="en-US" altLang="zh-CN" sz="1400" dirty="0">
+                <a:solidFill>
+                  <a:schemeClr val="tx1"/>
+                </a:solidFill>
+              </a:rPr>
+              <a:t>Mod</a:t>
+            </a:r>
+            <a:endParaRPr lang="zh-CN" altLang="en-US" sz="1400" dirty="0">
+              <a:solidFill>
+                <a:schemeClr val="tx1"/>
+              </a:solidFill>
+            </a:endParaRPr>
+          </a:p>
+        </p:txBody>
+      </p:sp>
+      <p:cxnSp>
+        <p:nvCxnSpPr>
+          <p:cNvPr id="460" name="连接符: 肘形 459">
+            <a:extLst>
+              <a:ext uri="{FF2B5EF4-FFF2-40B4-BE49-F238E27FC236}">
+                <a16:creationId xmlns:a16="http://schemas.microsoft.com/office/drawing/2014/main" id="{C2FAB69E-4CE4-4D8E-899F-F1437B338000}"/>
+              </a:ext>
+            </a:extLst>
+          </p:cNvPr>
+          <p:cNvCxnSpPr>
+            <a:cxnSpLocks/>
+            <a:stCxn id="27" idx="3"/>
+            <a:endCxn id="459" idx="1"/>
+          </p:cNvCxnSpPr>
+          <p:nvPr/>
+        </p:nvCxnSpPr>
+        <p:spPr>
+          <a:xfrm>
+            <a:off x="6146771" y="340666"/>
+            <a:ext cx="489884" cy="1102143"/>
+          </a:xfrm>
+          <a:prstGeom prst="bentConnector3">
+            <a:avLst>
+              <a:gd name="adj1" fmla="val 50000"/>
+            </a:avLst>
+          </a:prstGeom>
+          <a:ln>
+            <a:tailEnd type="triangle"/>
+          </a:ln>
+        </p:spPr>
+        <p:style>
+          <a:lnRef idx="1">
+            <a:schemeClr val="accent1"/>
+          </a:lnRef>
+          <a:fillRef idx="0">
+            <a:schemeClr val="accent1"/>
+          </a:fillRef>
+          <a:effectRef idx="0">
+            <a:schemeClr val="accent1"/>
+          </a:effectRef>
+          <a:fontRef idx="minor">
+            <a:schemeClr val="tx1"/>
+          </a:fontRef>
+        </p:style>
+      </p:cxnSp>
+      <p:sp>
+        <p:nvSpPr>
+          <p:cNvPr id="481" name="矩形 480">
+            <a:extLst>
+              <a:ext uri="{FF2B5EF4-FFF2-40B4-BE49-F238E27FC236}">
+                <a16:creationId xmlns:a16="http://schemas.microsoft.com/office/drawing/2014/main" id="{FD7D3973-D31D-4F6C-B600-876661C574F2}"/>
+              </a:ext>
+            </a:extLst>
+          </p:cNvPr>
+          <p:cNvSpPr/>
+          <p:nvPr/>
+        </p:nvSpPr>
+        <p:spPr>
+          <a:xfrm>
+            <a:off x="6383296" y="1974932"/>
+            <a:ext cx="955948" cy="250630"/>
+          </a:xfrm>
+          <a:prstGeom prst="rect">
+            <a:avLst/>
+          </a:prstGeom>
+          <a:solidFill>
+            <a:schemeClr val="bg2">
+              <a:lumMod val="90000"/>
+            </a:schemeClr>
+          </a:solidFill>
+          <a:ln>
+            <a:solidFill>
+              <a:schemeClr val="tx1"/>
+            </a:solidFill>
+          </a:ln>
+        </p:spPr>
+        <p:style>
+          <a:lnRef idx="2">
+            <a:schemeClr val="accent1">
+              <a:shade val="50000"/>
+            </a:schemeClr>
+          </a:lnRef>
+          <a:fillRef idx="1">
+            <a:schemeClr val="accent1"/>
+          </a:fillRef>
+          <a:effectRef idx="0">
+            <a:schemeClr val="accent1"/>
+          </a:effectRef>
+          <a:fontRef idx="minor">
+            <a:schemeClr val="lt1"/>
+          </a:fontRef>
+        </p:style>
+        <p:txBody>
+          <a:bodyPr rtlCol="0" anchor="ctr"/>
+          <a:lstStyle/>
+          <a:p>
+            <a:pPr algn="ctr"/>
+            <a:r>
+              <a:rPr lang="en-US" altLang="zh-CN" sz="1400" dirty="0" err="1">
+                <a:solidFill>
+                  <a:schemeClr val="tx1"/>
+                </a:solidFill>
+              </a:rPr>
+              <a:t>GreaterEq</a:t>
+            </a:r>
+            <a:endParaRPr lang="zh-CN" altLang="en-US" sz="1400" dirty="0">
+              <a:solidFill>
+                <a:schemeClr val="tx1"/>
+              </a:solidFill>
+            </a:endParaRPr>
+          </a:p>
+        </p:txBody>
+      </p:sp>
+      <p:sp>
+        <p:nvSpPr>
+          <p:cNvPr id="482" name="矩形 481">
+            <a:extLst>
+              <a:ext uri="{FF2B5EF4-FFF2-40B4-BE49-F238E27FC236}">
+                <a16:creationId xmlns:a16="http://schemas.microsoft.com/office/drawing/2014/main" id="{2871A8F4-4E90-4470-B1AD-160FB8A2ADCA}"/>
+              </a:ext>
+            </a:extLst>
+          </p:cNvPr>
+          <p:cNvSpPr/>
+          <p:nvPr/>
+        </p:nvSpPr>
+        <p:spPr>
+          <a:xfrm>
+            <a:off x="6383296" y="2286299"/>
+            <a:ext cx="809196" cy="253737"/>
+          </a:xfrm>
+          <a:prstGeom prst="rect">
+            <a:avLst/>
+          </a:prstGeom>
+          <a:solidFill>
+            <a:schemeClr val="bg2">
+              <a:lumMod val="90000"/>
+            </a:schemeClr>
+          </a:solidFill>
+          <a:ln>
+            <a:solidFill>
+              <a:schemeClr val="tx1"/>
+            </a:solidFill>
+          </a:ln>
+        </p:spPr>
+        <p:style>
+          <a:lnRef idx="2">
+            <a:schemeClr val="accent1">
+              <a:shade val="50000"/>
+            </a:schemeClr>
+          </a:lnRef>
+          <a:fillRef idx="1">
+            <a:schemeClr val="accent1"/>
+          </a:fillRef>
+          <a:effectRef idx="0">
+            <a:schemeClr val="accent1"/>
+          </a:effectRef>
+          <a:fontRef idx="minor">
+            <a:schemeClr val="lt1"/>
+          </a:fontRef>
+        </p:style>
+        <p:txBody>
+          <a:bodyPr rtlCol="0" anchor="ctr"/>
+          <a:lstStyle/>
+          <a:p>
+            <a:pPr algn="ctr"/>
+            <a:r>
+              <a:rPr lang="en-US" altLang="zh-CN" sz="1400" dirty="0">
+                <a:solidFill>
+                  <a:schemeClr val="tx1"/>
+                </a:solidFill>
+              </a:rPr>
+              <a:t>Less</a:t>
+            </a:r>
+            <a:endParaRPr lang="zh-CN" altLang="en-US" sz="1400" dirty="0">
+              <a:solidFill>
+                <a:schemeClr val="tx1"/>
+              </a:solidFill>
+            </a:endParaRPr>
+          </a:p>
+        </p:txBody>
+      </p:sp>
+      <p:sp>
+        <p:nvSpPr>
+          <p:cNvPr id="483" name="矩形 482">
+            <a:extLst>
+              <a:ext uri="{FF2B5EF4-FFF2-40B4-BE49-F238E27FC236}">
+                <a16:creationId xmlns:a16="http://schemas.microsoft.com/office/drawing/2014/main" id="{23CB84AB-8270-46DD-AE0C-C1053375CD6E}"/>
+              </a:ext>
+            </a:extLst>
+          </p:cNvPr>
+          <p:cNvSpPr/>
+          <p:nvPr/>
+        </p:nvSpPr>
+        <p:spPr>
+          <a:xfrm>
+            <a:off x="6383296" y="2597666"/>
+            <a:ext cx="809196" cy="253737"/>
+          </a:xfrm>
+          <a:prstGeom prst="rect">
+            <a:avLst/>
+          </a:prstGeom>
+          <a:solidFill>
+            <a:schemeClr val="bg2">
+              <a:lumMod val="90000"/>
+            </a:schemeClr>
+          </a:solidFill>
+          <a:ln>
+            <a:solidFill>
+              <a:schemeClr val="tx1"/>
+            </a:solidFill>
+          </a:ln>
+        </p:spPr>
+        <p:style>
+          <a:lnRef idx="2">
+            <a:schemeClr val="accent1">
+              <a:shade val="50000"/>
+            </a:schemeClr>
+          </a:lnRef>
+          <a:fillRef idx="1">
+            <a:schemeClr val="accent1"/>
+          </a:fillRef>
+          <a:effectRef idx="0">
+            <a:schemeClr val="accent1"/>
+          </a:effectRef>
+          <a:fontRef idx="minor">
+            <a:schemeClr val="lt1"/>
+          </a:fontRef>
+        </p:style>
+        <p:txBody>
+          <a:bodyPr rtlCol="0" anchor="ctr"/>
+          <a:lstStyle/>
+          <a:p>
+            <a:pPr algn="ctr"/>
+            <a:r>
+              <a:rPr lang="en-US" altLang="zh-CN" sz="1400" dirty="0" err="1">
+                <a:solidFill>
+                  <a:schemeClr val="tx1"/>
+                </a:solidFill>
+              </a:rPr>
+              <a:t>LessEq</a:t>
+            </a:r>
+            <a:endParaRPr lang="zh-CN" altLang="en-US" sz="1400" dirty="0">
+              <a:solidFill>
+                <a:schemeClr val="tx1"/>
+              </a:solidFill>
+            </a:endParaRPr>
+          </a:p>
+        </p:txBody>
+      </p:sp>
+      <p:cxnSp>
+        <p:nvCxnSpPr>
+          <p:cNvPr id="484" name="连接符: 肘形 483">
+            <a:extLst>
+              <a:ext uri="{FF2B5EF4-FFF2-40B4-BE49-F238E27FC236}">
+                <a16:creationId xmlns:a16="http://schemas.microsoft.com/office/drawing/2014/main" id="{8CBD9F8E-895C-4151-8466-003EC6BC033F}"/>
+              </a:ext>
+            </a:extLst>
+          </p:cNvPr>
+          <p:cNvCxnSpPr>
+            <a:cxnSpLocks/>
+            <a:stCxn id="8" idx="3"/>
+            <a:endCxn id="481" idx="1"/>
+          </p:cNvCxnSpPr>
+          <p:nvPr/>
+        </p:nvCxnSpPr>
+        <p:spPr>
+          <a:xfrm>
+            <a:off x="5986240" y="1916595"/>
+            <a:ext cx="397056" cy="183652"/>
+          </a:xfrm>
+          <a:prstGeom prst="bentConnector3">
+            <a:avLst>
+              <a:gd name="adj1" fmla="val 50000"/>
+            </a:avLst>
+          </a:prstGeom>
+          <a:ln>
+            <a:tailEnd type="triangle"/>
+          </a:ln>
+        </p:spPr>
+        <p:style>
+          <a:lnRef idx="1">
+            <a:schemeClr val="accent1"/>
+          </a:lnRef>
+          <a:fillRef idx="0">
+            <a:schemeClr val="accent1"/>
+          </a:fillRef>
+          <a:effectRef idx="0">
+            <a:schemeClr val="accent1"/>
+          </a:effectRef>
+          <a:fontRef idx="minor">
+            <a:schemeClr val="tx1"/>
+          </a:fontRef>
+        </p:style>
+      </p:cxnSp>
+      <p:cxnSp>
+        <p:nvCxnSpPr>
+          <p:cNvPr id="487" name="连接符: 肘形 486">
+            <a:extLst>
+              <a:ext uri="{FF2B5EF4-FFF2-40B4-BE49-F238E27FC236}">
+                <a16:creationId xmlns:a16="http://schemas.microsoft.com/office/drawing/2014/main" id="{2D408CFA-4860-4DBC-A348-622EAA215B46}"/>
+              </a:ext>
+            </a:extLst>
+          </p:cNvPr>
+          <p:cNvCxnSpPr>
+            <a:cxnSpLocks/>
+            <a:stCxn id="8" idx="3"/>
+            <a:endCxn id="482" idx="1"/>
+          </p:cNvCxnSpPr>
+          <p:nvPr/>
+        </p:nvCxnSpPr>
+        <p:spPr>
+          <a:xfrm>
+            <a:off x="5986240" y="1916595"/>
+            <a:ext cx="397056" cy="496573"/>
+          </a:xfrm>
+          <a:prstGeom prst="bentConnector3">
+            <a:avLst>
+              <a:gd name="adj1" fmla="val 50000"/>
+            </a:avLst>
+          </a:prstGeom>
+          <a:ln>
+            <a:tailEnd type="triangle"/>
+          </a:ln>
+        </p:spPr>
+        <p:style>
+          <a:lnRef idx="1">
+            <a:schemeClr val="accent1"/>
+          </a:lnRef>
+          <a:fillRef idx="0">
+            <a:schemeClr val="accent1"/>
+          </a:fillRef>
+          <a:effectRef idx="0">
+            <a:schemeClr val="accent1"/>
+          </a:effectRef>
+          <a:fontRef idx="minor">
+            <a:schemeClr val="tx1"/>
+          </a:fontRef>
+        </p:style>
+      </p:cxnSp>
+      <p:cxnSp>
+        <p:nvCxnSpPr>
+          <p:cNvPr id="490" name="连接符: 肘形 489">
+            <a:extLst>
+              <a:ext uri="{FF2B5EF4-FFF2-40B4-BE49-F238E27FC236}">
+                <a16:creationId xmlns:a16="http://schemas.microsoft.com/office/drawing/2014/main" id="{0ACB5DCB-00A2-420F-8507-EBDB5B794FE2}"/>
+              </a:ext>
+            </a:extLst>
+          </p:cNvPr>
+          <p:cNvCxnSpPr>
+            <a:cxnSpLocks/>
+            <a:stCxn id="8" idx="3"/>
+            <a:endCxn id="483" idx="1"/>
+          </p:cNvCxnSpPr>
+          <p:nvPr/>
+        </p:nvCxnSpPr>
+        <p:spPr>
+          <a:xfrm>
+            <a:off x="5986240" y="1916595"/>
+            <a:ext cx="397056" cy="807940"/>
+          </a:xfrm>
+          <a:prstGeom prst="bentConnector3">
+            <a:avLst>
+              <a:gd name="adj1" fmla="val 50000"/>
+            </a:avLst>
+          </a:prstGeom>
+          <a:ln>
+            <a:tailEnd type="triangle"/>
+          </a:ln>
+        </p:spPr>
+        <p:style>
+          <a:lnRef idx="1">
+            <a:schemeClr val="accent1"/>
+          </a:lnRef>
+          <a:fillRef idx="0">
+            <a:schemeClr val="accent1"/>
+          </a:fillRef>
+          <a:effectRef idx="0">
+            <a:schemeClr val="accent1"/>
+          </a:effectRef>
+          <a:fontRef idx="minor">
+            <a:schemeClr val="tx1"/>
+          </a:fontRef>
+        </p:style>
+      </p:cxnSp>
+      <p:sp>
+        <p:nvSpPr>
+          <p:cNvPr id="618" name="矩形 617">
+            <a:extLst>
+              <a:ext uri="{FF2B5EF4-FFF2-40B4-BE49-F238E27FC236}">
+                <a16:creationId xmlns:a16="http://schemas.microsoft.com/office/drawing/2014/main" id="{68EF4EE0-CBCF-4412-BBA8-B7723F83AE32}"/>
+              </a:ext>
+            </a:extLst>
+          </p:cNvPr>
+          <p:cNvSpPr/>
+          <p:nvPr/>
+        </p:nvSpPr>
+        <p:spPr>
+          <a:xfrm>
+            <a:off x="5177589" y="3599509"/>
+            <a:ext cx="970778" cy="253737"/>
+          </a:xfrm>
+          <a:prstGeom prst="rect">
+            <a:avLst/>
+          </a:prstGeom>
+          <a:solidFill>
+            <a:srgbClr val="FFC000"/>
+          </a:solidFill>
+          <a:ln>
+            <a:solidFill>
+              <a:schemeClr val="tx1"/>
+            </a:solidFill>
+          </a:ln>
+        </p:spPr>
+        <p:style>
+          <a:lnRef idx="2">
+            <a:schemeClr val="accent1">
+              <a:shade val="50000"/>
+            </a:schemeClr>
+          </a:lnRef>
+          <a:fillRef idx="1">
+            <a:schemeClr val="accent1"/>
+          </a:fillRef>
+          <a:effectRef idx="0">
+            <a:schemeClr val="accent1"/>
+          </a:effectRef>
+          <a:fontRef idx="minor">
+            <a:schemeClr val="lt1"/>
+          </a:fontRef>
+        </p:style>
+        <p:txBody>
+          <a:bodyPr rtlCol="0" anchor="ctr"/>
+          <a:lstStyle/>
+          <a:p>
+            <a:pPr algn="ctr"/>
+            <a:r>
+              <a:rPr lang="en-US" altLang="zh-CN" sz="1400" dirty="0" err="1">
+                <a:solidFill>
+                  <a:schemeClr val="tx1"/>
+                </a:solidFill>
+              </a:rPr>
+              <a:t>AndAlso</a:t>
+            </a:r>
+            <a:endParaRPr lang="zh-CN" altLang="en-US" sz="1400" dirty="0">
+              <a:solidFill>
+                <a:schemeClr val="tx1"/>
+              </a:solidFill>
+            </a:endParaRPr>
+          </a:p>
+        </p:txBody>
+      </p:sp>
+      <p:sp>
+        <p:nvSpPr>
+          <p:cNvPr id="619" name="矩形 618">
+            <a:extLst>
+              <a:ext uri="{FF2B5EF4-FFF2-40B4-BE49-F238E27FC236}">
+                <a16:creationId xmlns:a16="http://schemas.microsoft.com/office/drawing/2014/main" id="{6F7C3090-BD93-4C10-AA4A-B9DD28AF1DB3}"/>
+              </a:ext>
+            </a:extLst>
+          </p:cNvPr>
+          <p:cNvSpPr/>
+          <p:nvPr/>
+        </p:nvSpPr>
+        <p:spPr>
+          <a:xfrm>
+            <a:off x="5175993" y="3997746"/>
+            <a:ext cx="970778" cy="253737"/>
+          </a:xfrm>
+          <a:prstGeom prst="rect">
+            <a:avLst/>
+          </a:prstGeom>
+          <a:solidFill>
+            <a:srgbClr val="FFC000"/>
+          </a:solidFill>
+          <a:ln>
+            <a:solidFill>
+              <a:schemeClr val="tx1"/>
+            </a:solidFill>
+          </a:ln>
+        </p:spPr>
+        <p:style>
+          <a:lnRef idx="2">
+            <a:schemeClr val="accent1">
+              <a:shade val="50000"/>
+            </a:schemeClr>
+          </a:lnRef>
+          <a:fillRef idx="1">
+            <a:schemeClr val="accent1"/>
+          </a:fillRef>
+          <a:effectRef idx="0">
+            <a:schemeClr val="accent1"/>
+          </a:effectRef>
+          <a:fontRef idx="minor">
+            <a:schemeClr val="lt1"/>
+          </a:fontRef>
+        </p:style>
+        <p:txBody>
+          <a:bodyPr rtlCol="0" anchor="ctr"/>
+          <a:lstStyle/>
+          <a:p>
+            <a:pPr algn="ctr"/>
+            <a:r>
+              <a:rPr lang="en-US" altLang="zh-CN" sz="1400" dirty="0" err="1">
+                <a:solidFill>
+                  <a:schemeClr val="tx1"/>
+                </a:solidFill>
+              </a:rPr>
+              <a:t>OrElse</a:t>
+            </a:r>
+            <a:endParaRPr lang="zh-CN" altLang="en-US" sz="1400" dirty="0">
+              <a:solidFill>
+                <a:schemeClr val="tx1"/>
+              </a:solidFill>
+            </a:endParaRPr>
+          </a:p>
+        </p:txBody>
+      </p:sp>
+      <p:sp>
+        <p:nvSpPr>
+          <p:cNvPr id="621" name="矩形 620">
+            <a:extLst>
+              <a:ext uri="{FF2B5EF4-FFF2-40B4-BE49-F238E27FC236}">
+                <a16:creationId xmlns:a16="http://schemas.microsoft.com/office/drawing/2014/main" id="{D44ED082-31AC-4FF7-898C-6D4BBC5D5D5E}"/>
+              </a:ext>
+            </a:extLst>
+          </p:cNvPr>
+          <p:cNvSpPr/>
+          <p:nvPr/>
+        </p:nvSpPr>
+        <p:spPr>
+          <a:xfrm>
+            <a:off x="5174910" y="6133238"/>
+            <a:ext cx="688878" cy="253737"/>
+          </a:xfrm>
+          <a:prstGeom prst="rect">
+            <a:avLst/>
+          </a:prstGeom>
+          <a:solidFill>
+            <a:srgbClr val="FFC000"/>
+          </a:solidFill>
+          <a:ln>
+            <a:solidFill>
+              <a:schemeClr val="tx1"/>
+            </a:solidFill>
+          </a:ln>
+        </p:spPr>
+        <p:style>
+          <a:lnRef idx="2">
+            <a:schemeClr val="accent1">
+              <a:shade val="50000"/>
+            </a:schemeClr>
+          </a:lnRef>
+          <a:fillRef idx="1">
+            <a:schemeClr val="accent1"/>
+          </a:fillRef>
+          <a:effectRef idx="0">
+            <a:schemeClr val="accent1"/>
+          </a:effectRef>
+          <a:fontRef idx="minor">
+            <a:schemeClr val="lt1"/>
+          </a:fontRef>
+        </p:style>
+        <p:txBody>
+          <a:bodyPr rtlCol="0" anchor="ctr"/>
+          <a:lstStyle/>
+          <a:p>
+            <a:pPr algn="ctr"/>
+            <a:r>
+              <a:rPr lang="en-US" altLang="zh-CN" sz="1400" dirty="0">
+                <a:solidFill>
+                  <a:schemeClr val="tx1"/>
+                </a:solidFill>
+              </a:rPr>
+              <a:t>Not</a:t>
+            </a:r>
+            <a:endParaRPr lang="zh-CN" altLang="en-US" sz="1400" dirty="0">
+              <a:solidFill>
+                <a:schemeClr val="tx1"/>
+              </a:solidFill>
+            </a:endParaRPr>
+          </a:p>
+        </p:txBody>
+      </p:sp>
+      <p:sp>
+        <p:nvSpPr>
+          <p:cNvPr id="655" name="矩形 654">
+            <a:extLst>
+              <a:ext uri="{FF2B5EF4-FFF2-40B4-BE49-F238E27FC236}">
+                <a16:creationId xmlns:a16="http://schemas.microsoft.com/office/drawing/2014/main" id="{821991E6-21A6-454B-959A-D1285FF57ADA}"/>
+              </a:ext>
+            </a:extLst>
+          </p:cNvPr>
+          <p:cNvSpPr/>
+          <p:nvPr/>
+        </p:nvSpPr>
+        <p:spPr>
+          <a:xfrm>
+            <a:off x="5175993" y="2153575"/>
+            <a:ext cx="970778" cy="253737"/>
+          </a:xfrm>
+          <a:prstGeom prst="rect">
+            <a:avLst/>
+          </a:prstGeom>
+          <a:solidFill>
+            <a:srgbClr val="FFC000"/>
+          </a:solidFill>
+          <a:ln>
+            <a:solidFill>
+              <a:schemeClr val="tx1"/>
+            </a:solidFill>
+          </a:ln>
+        </p:spPr>
+        <p:style>
+          <a:lnRef idx="2">
+            <a:schemeClr val="accent1">
+              <a:shade val="50000"/>
+            </a:schemeClr>
+          </a:lnRef>
+          <a:fillRef idx="1">
+            <a:schemeClr val="accent1"/>
+          </a:fillRef>
+          <a:effectRef idx="0">
+            <a:schemeClr val="accent1"/>
+          </a:effectRef>
+          <a:fontRef idx="minor">
+            <a:schemeClr val="lt1"/>
+          </a:fontRef>
+        </p:style>
+        <p:txBody>
+          <a:bodyPr rtlCol="0" anchor="ctr"/>
+          <a:lstStyle/>
+          <a:p>
+            <a:pPr algn="ctr"/>
+            <a:r>
+              <a:rPr lang="en-US" altLang="zh-CN" sz="1400" dirty="0">
+                <a:solidFill>
+                  <a:schemeClr val="tx1"/>
+                </a:solidFill>
+              </a:rPr>
+              <a:t>Seq</a:t>
+            </a:r>
+            <a:endParaRPr lang="zh-CN" altLang="en-US" sz="1400" dirty="0">
+              <a:solidFill>
+                <a:schemeClr val="tx1"/>
+              </a:solidFill>
+            </a:endParaRPr>
+          </a:p>
+        </p:txBody>
+      </p:sp>
+      <p:sp>
+        <p:nvSpPr>
+          <p:cNvPr id="657" name="矩形 656">
+            <a:extLst>
+              <a:ext uri="{FF2B5EF4-FFF2-40B4-BE49-F238E27FC236}">
+                <a16:creationId xmlns:a16="http://schemas.microsoft.com/office/drawing/2014/main" id="{DC8D20F7-B3AC-4EBF-8987-3CBA6969505F}"/>
+              </a:ext>
+            </a:extLst>
+          </p:cNvPr>
+          <p:cNvSpPr/>
+          <p:nvPr/>
+        </p:nvSpPr>
+        <p:spPr>
+          <a:xfrm>
+            <a:off x="2170204" y="3494612"/>
+            <a:ext cx="525895" cy="249165"/>
+          </a:xfrm>
+          <a:prstGeom prst="rect">
+            <a:avLst/>
+          </a:prstGeom>
+          <a:solidFill>
+            <a:srgbClr val="92D050"/>
+          </a:solidFill>
+          <a:ln>
+            <a:solidFill>
+              <a:schemeClr val="tx1"/>
+            </a:solidFill>
+          </a:ln>
+        </p:spPr>
+        <p:style>
+          <a:lnRef idx="2">
+            <a:schemeClr val="accent1">
+              <a:shade val="50000"/>
+            </a:schemeClr>
+          </a:lnRef>
+          <a:fillRef idx="1">
+            <a:schemeClr val="accent1"/>
+          </a:fillRef>
+          <a:effectRef idx="0">
+            <a:schemeClr val="accent1"/>
+          </a:effectRef>
+          <a:fontRef idx="minor">
+            <a:schemeClr val="lt1"/>
+          </a:fontRef>
+        </p:style>
+        <p:txBody>
+          <a:bodyPr rtlCol="0" anchor="ctr"/>
+          <a:lstStyle/>
+          <a:p>
+            <a:pPr algn="ctr"/>
+            <a:r>
+              <a:rPr lang="en-US" altLang="zh-CN" sz="1400" dirty="0">
+                <a:solidFill>
+                  <a:schemeClr val="tx1"/>
+                </a:solidFill>
+              </a:rPr>
+              <a:t>Unit</a:t>
+            </a:r>
+            <a:endParaRPr lang="zh-CN" altLang="en-US" sz="1400" dirty="0">
+              <a:solidFill>
+                <a:schemeClr val="tx1"/>
+              </a:solidFill>
+            </a:endParaRPr>
+          </a:p>
+        </p:txBody>
+      </p:sp>
+      <p:sp>
+        <p:nvSpPr>
+          <p:cNvPr id="664" name="矩形 663">
+            <a:extLst>
+              <a:ext uri="{FF2B5EF4-FFF2-40B4-BE49-F238E27FC236}">
+                <a16:creationId xmlns:a16="http://schemas.microsoft.com/office/drawing/2014/main" id="{023B4A21-D5E9-490B-AA24-A6A988E60B92}"/>
+              </a:ext>
+            </a:extLst>
+          </p:cNvPr>
+          <p:cNvSpPr/>
+          <p:nvPr/>
+        </p:nvSpPr>
+        <p:spPr>
+          <a:xfrm>
+            <a:off x="5174910" y="5130623"/>
+            <a:ext cx="529081" cy="253737"/>
+          </a:xfrm>
+          <a:prstGeom prst="rect">
+            <a:avLst/>
+          </a:prstGeom>
+          <a:solidFill>
+            <a:srgbClr val="FFC000"/>
+          </a:solidFill>
+          <a:ln>
+            <a:solidFill>
+              <a:schemeClr val="tx1"/>
+            </a:solidFill>
+          </a:ln>
+        </p:spPr>
+        <p:style>
+          <a:lnRef idx="2">
+            <a:schemeClr val="accent1">
+              <a:shade val="50000"/>
+            </a:schemeClr>
+          </a:lnRef>
+          <a:fillRef idx="1">
+            <a:schemeClr val="accent1"/>
+          </a:fillRef>
+          <a:effectRef idx="0">
+            <a:schemeClr val="accent1"/>
+          </a:effectRef>
+          <a:fontRef idx="minor">
+            <a:schemeClr val="lt1"/>
+          </a:fontRef>
+        </p:style>
+        <p:txBody>
+          <a:bodyPr rtlCol="0" anchor="ctr"/>
+          <a:lstStyle/>
+          <a:p>
+            <a:pPr algn="ctr"/>
+            <a:r>
+              <a:rPr lang="en-US" altLang="zh-CN" sz="1400" dirty="0">
+                <a:solidFill>
+                  <a:schemeClr val="tx1"/>
+                </a:solidFill>
+              </a:rPr>
+              <a:t>Ref</a:t>
+            </a:r>
+            <a:endParaRPr lang="zh-CN" altLang="en-US" sz="1400" dirty="0">
+              <a:solidFill>
+                <a:schemeClr val="tx1"/>
+              </a:solidFill>
+            </a:endParaRPr>
+          </a:p>
+        </p:txBody>
+      </p:sp>
+      <p:sp>
+        <p:nvSpPr>
+          <p:cNvPr id="665" name="矩形 664">
+            <a:extLst>
+              <a:ext uri="{FF2B5EF4-FFF2-40B4-BE49-F238E27FC236}">
+                <a16:creationId xmlns:a16="http://schemas.microsoft.com/office/drawing/2014/main" id="{CE9C4CD1-11D7-43EF-A208-95BA499F968A}"/>
+              </a:ext>
+            </a:extLst>
+          </p:cNvPr>
+          <p:cNvSpPr/>
+          <p:nvPr/>
+        </p:nvSpPr>
+        <p:spPr>
+          <a:xfrm>
+            <a:off x="5174910" y="2563024"/>
+            <a:ext cx="970778" cy="253737"/>
+          </a:xfrm>
+          <a:prstGeom prst="rect">
+            <a:avLst/>
+          </a:prstGeom>
+          <a:solidFill>
+            <a:srgbClr val="FFC000"/>
+          </a:solidFill>
+          <a:ln>
+            <a:solidFill>
+              <a:schemeClr val="tx1"/>
+            </a:solidFill>
+          </a:ln>
+        </p:spPr>
+        <p:style>
+          <a:lnRef idx="2">
+            <a:schemeClr val="accent1">
+              <a:shade val="50000"/>
+            </a:schemeClr>
+          </a:lnRef>
+          <a:fillRef idx="1">
+            <a:schemeClr val="accent1"/>
+          </a:fillRef>
+          <a:effectRef idx="0">
+            <a:schemeClr val="accent1"/>
+          </a:effectRef>
+          <a:fontRef idx="minor">
+            <a:schemeClr val="lt1"/>
+          </a:fontRef>
+        </p:style>
+        <p:txBody>
+          <a:bodyPr rtlCol="0" anchor="ctr"/>
+          <a:lstStyle/>
+          <a:p>
+            <a:pPr algn="ctr"/>
+            <a:r>
+              <a:rPr lang="en-US" altLang="zh-CN" sz="1400" dirty="0">
+                <a:solidFill>
+                  <a:schemeClr val="tx1"/>
+                </a:solidFill>
+              </a:rPr>
+              <a:t>Pair</a:t>
+            </a:r>
+            <a:endParaRPr lang="zh-CN" altLang="en-US" sz="1400" dirty="0">
+              <a:solidFill>
+                <a:schemeClr val="tx1"/>
+              </a:solidFill>
+            </a:endParaRPr>
+          </a:p>
+        </p:txBody>
+      </p:sp>
+      <p:sp>
+        <p:nvSpPr>
+          <p:cNvPr id="670" name="矩形 669">
+            <a:extLst>
+              <a:ext uri="{FF2B5EF4-FFF2-40B4-BE49-F238E27FC236}">
+                <a16:creationId xmlns:a16="http://schemas.microsoft.com/office/drawing/2014/main" id="{B02E5CDD-FDF8-4A53-A85A-81F8A1809B20}"/>
+              </a:ext>
+            </a:extLst>
+          </p:cNvPr>
+          <p:cNvSpPr/>
+          <p:nvPr/>
+        </p:nvSpPr>
+        <p:spPr>
+          <a:xfrm>
+            <a:off x="5174910" y="5465284"/>
+            <a:ext cx="688878" cy="253737"/>
+          </a:xfrm>
+          <a:prstGeom prst="rect">
+            <a:avLst/>
+          </a:prstGeom>
+          <a:solidFill>
+            <a:srgbClr val="FFC000"/>
+          </a:solidFill>
+          <a:ln>
+            <a:solidFill>
+              <a:schemeClr val="tx1"/>
+            </a:solidFill>
+          </a:ln>
+        </p:spPr>
+        <p:style>
+          <a:lnRef idx="2">
+            <a:schemeClr val="accent1">
+              <a:shade val="50000"/>
+            </a:schemeClr>
+          </a:lnRef>
+          <a:fillRef idx="1">
+            <a:schemeClr val="accent1"/>
+          </a:fillRef>
+          <a:effectRef idx="0">
+            <a:schemeClr val="accent1"/>
+          </a:effectRef>
+          <a:fontRef idx="minor">
+            <a:schemeClr val="lt1"/>
+          </a:fontRef>
+        </p:style>
+        <p:txBody>
+          <a:bodyPr rtlCol="0" anchor="ctr"/>
+          <a:lstStyle/>
+          <a:p>
+            <a:pPr algn="ctr"/>
+            <a:r>
+              <a:rPr lang="en-US" altLang="zh-CN" sz="1400" dirty="0">
+                <a:solidFill>
+                  <a:schemeClr val="tx1"/>
+                </a:solidFill>
+              </a:rPr>
+              <a:t>Neg</a:t>
+            </a:r>
+            <a:endParaRPr lang="zh-CN" altLang="en-US" sz="1400" dirty="0">
+              <a:solidFill>
+                <a:schemeClr val="tx1"/>
+              </a:solidFill>
+            </a:endParaRPr>
+          </a:p>
+        </p:txBody>
+      </p:sp>
+      <p:cxnSp>
+        <p:nvCxnSpPr>
+          <p:cNvPr id="773" name="连接符: 肘形 772">
+            <a:extLst>
+              <a:ext uri="{FF2B5EF4-FFF2-40B4-BE49-F238E27FC236}">
+                <a16:creationId xmlns:a16="http://schemas.microsoft.com/office/drawing/2014/main" id="{A99A4C37-A098-45AA-9F8C-5F1051C166E2}"/>
+              </a:ext>
+            </a:extLst>
+          </p:cNvPr>
+          <p:cNvCxnSpPr>
+            <a:cxnSpLocks/>
+            <a:stCxn id="5" idx="3"/>
+            <a:endCxn id="665" idx="1"/>
+          </p:cNvCxnSpPr>
+          <p:nvPr/>
+        </p:nvCxnSpPr>
+        <p:spPr>
+          <a:xfrm flipV="1">
+            <a:off x="3273898" y="2689893"/>
+            <a:ext cx="1901012" cy="463454"/>
+          </a:xfrm>
+          <a:prstGeom prst="bentConnector3">
+            <a:avLst>
+              <a:gd name="adj1" fmla="val 50000"/>
+            </a:avLst>
+          </a:prstGeom>
+          <a:ln>
+            <a:tailEnd type="triangle"/>
+          </a:ln>
+        </p:spPr>
+        <p:style>
+          <a:lnRef idx="1">
+            <a:schemeClr val="accent1"/>
+          </a:lnRef>
+          <a:fillRef idx="0">
+            <a:schemeClr val="accent1"/>
+          </a:fillRef>
+          <a:effectRef idx="0">
+            <a:schemeClr val="accent1"/>
+          </a:effectRef>
+          <a:fontRef idx="minor">
+            <a:schemeClr val="tx1"/>
+          </a:fontRef>
+        </p:style>
+      </p:cxnSp>
+      <p:cxnSp>
+        <p:nvCxnSpPr>
+          <p:cNvPr id="786" name="连接符: 肘形 785">
+            <a:extLst>
+              <a:ext uri="{FF2B5EF4-FFF2-40B4-BE49-F238E27FC236}">
+                <a16:creationId xmlns:a16="http://schemas.microsoft.com/office/drawing/2014/main" id="{9917CA15-39C7-4047-A5C1-4A23CB8AC25B}"/>
+              </a:ext>
+            </a:extLst>
+          </p:cNvPr>
+          <p:cNvCxnSpPr>
+            <a:cxnSpLocks/>
+            <a:stCxn id="91" idx="3"/>
+            <a:endCxn id="670" idx="1"/>
+          </p:cNvCxnSpPr>
+          <p:nvPr/>
+        </p:nvCxnSpPr>
+        <p:spPr>
+          <a:xfrm flipV="1">
+            <a:off x="3167396" y="5592153"/>
+            <a:ext cx="2007514" cy="127538"/>
+          </a:xfrm>
+          <a:prstGeom prst="bentConnector3">
+            <a:avLst>
+              <a:gd name="adj1" fmla="val 50000"/>
+            </a:avLst>
+          </a:prstGeom>
+          <a:ln>
+            <a:tailEnd type="triangle"/>
+          </a:ln>
+        </p:spPr>
+        <p:style>
+          <a:lnRef idx="1">
+            <a:schemeClr val="accent1"/>
+          </a:lnRef>
+          <a:fillRef idx="0">
+            <a:schemeClr val="accent1"/>
+          </a:fillRef>
+          <a:effectRef idx="0">
+            <a:schemeClr val="accent1"/>
+          </a:effectRef>
+          <a:fontRef idx="minor">
+            <a:schemeClr val="tx1"/>
+          </a:fontRef>
+        </p:style>
+      </p:cxnSp>
+      <p:cxnSp>
+        <p:nvCxnSpPr>
+          <p:cNvPr id="789" name="连接符: 肘形 788">
+            <a:extLst>
+              <a:ext uri="{FF2B5EF4-FFF2-40B4-BE49-F238E27FC236}">
+                <a16:creationId xmlns:a16="http://schemas.microsoft.com/office/drawing/2014/main" id="{C73CB195-7149-4CE5-A66E-989D42C4A378}"/>
+              </a:ext>
+            </a:extLst>
+          </p:cNvPr>
+          <p:cNvCxnSpPr>
+            <a:cxnSpLocks/>
+            <a:stCxn id="91" idx="3"/>
+            <a:endCxn id="621" idx="1"/>
+          </p:cNvCxnSpPr>
+          <p:nvPr/>
+        </p:nvCxnSpPr>
+        <p:spPr>
+          <a:xfrm>
+            <a:off x="3167396" y="5719691"/>
+            <a:ext cx="2007514" cy="540416"/>
+          </a:xfrm>
+          <a:prstGeom prst="bentConnector3">
+            <a:avLst>
+              <a:gd name="adj1" fmla="val 50000"/>
+            </a:avLst>
+          </a:prstGeom>
+          <a:ln>
+            <a:tailEnd type="triangle"/>
+          </a:ln>
+        </p:spPr>
+        <p:style>
+          <a:lnRef idx="1">
+            <a:schemeClr val="accent1"/>
+          </a:lnRef>
+          <a:fillRef idx="0">
+            <a:schemeClr val="accent1"/>
+          </a:fillRef>
+          <a:effectRef idx="0">
+            <a:schemeClr val="accent1"/>
+          </a:effectRef>
+          <a:fontRef idx="minor">
+            <a:schemeClr val="tx1"/>
+          </a:fontRef>
+        </p:style>
+      </p:cxnSp>
+      <p:cxnSp>
+        <p:nvCxnSpPr>
+          <p:cNvPr id="792" name="连接符: 肘形 791">
+            <a:extLst>
+              <a:ext uri="{FF2B5EF4-FFF2-40B4-BE49-F238E27FC236}">
+                <a16:creationId xmlns:a16="http://schemas.microsoft.com/office/drawing/2014/main" id="{150E5009-B99E-471B-9018-FE56CD7E23DE}"/>
+              </a:ext>
+            </a:extLst>
+          </p:cNvPr>
+          <p:cNvCxnSpPr>
+            <a:cxnSpLocks/>
+            <a:stCxn id="5" idx="3"/>
+            <a:endCxn id="618" idx="1"/>
+          </p:cNvCxnSpPr>
+          <p:nvPr/>
+        </p:nvCxnSpPr>
+        <p:spPr>
+          <a:xfrm>
+            <a:off x="3273898" y="3153347"/>
+            <a:ext cx="1903691" cy="573031"/>
+          </a:xfrm>
+          <a:prstGeom prst="bentConnector3">
+            <a:avLst>
+              <a:gd name="adj1" fmla="val 50000"/>
+            </a:avLst>
+          </a:prstGeom>
+          <a:ln>
+            <a:tailEnd type="triangle"/>
+          </a:ln>
+        </p:spPr>
+        <p:style>
+          <a:lnRef idx="1">
+            <a:schemeClr val="accent1"/>
+          </a:lnRef>
+          <a:fillRef idx="0">
+            <a:schemeClr val="accent1"/>
+          </a:fillRef>
+          <a:effectRef idx="0">
+            <a:schemeClr val="accent1"/>
+          </a:effectRef>
+          <a:fontRef idx="minor">
+            <a:schemeClr val="tx1"/>
+          </a:fontRef>
+        </p:style>
+      </p:cxnSp>
+      <p:cxnSp>
+        <p:nvCxnSpPr>
+          <p:cNvPr id="795" name="连接符: 肘形 794">
+            <a:extLst>
+              <a:ext uri="{FF2B5EF4-FFF2-40B4-BE49-F238E27FC236}">
+                <a16:creationId xmlns:a16="http://schemas.microsoft.com/office/drawing/2014/main" id="{BD13D1A8-C5CA-4AD8-9872-5196B5B5C426}"/>
+              </a:ext>
+            </a:extLst>
+          </p:cNvPr>
+          <p:cNvCxnSpPr>
+            <a:cxnSpLocks/>
+            <a:stCxn id="5" idx="3"/>
+            <a:endCxn id="619" idx="1"/>
+          </p:cNvCxnSpPr>
+          <p:nvPr/>
+        </p:nvCxnSpPr>
+        <p:spPr>
+          <a:xfrm>
+            <a:off x="3273898" y="3153347"/>
+            <a:ext cx="1902095" cy="971268"/>
+          </a:xfrm>
+          <a:prstGeom prst="bentConnector3">
+            <a:avLst>
+              <a:gd name="adj1" fmla="val 50000"/>
+            </a:avLst>
+          </a:prstGeom>
+          <a:ln>
+            <a:tailEnd type="triangle"/>
+          </a:ln>
+        </p:spPr>
+        <p:style>
+          <a:lnRef idx="1">
+            <a:schemeClr val="accent1"/>
+          </a:lnRef>
+          <a:fillRef idx="0">
+            <a:schemeClr val="accent1"/>
+          </a:fillRef>
+          <a:effectRef idx="0">
+            <a:schemeClr val="accent1"/>
+          </a:effectRef>
+          <a:fontRef idx="minor">
+            <a:schemeClr val="tx1"/>
+          </a:fontRef>
+        </p:style>
+      </p:cxnSp>
+      <p:cxnSp>
+        <p:nvCxnSpPr>
+          <p:cNvPr id="798" name="连接符: 肘形 797">
+            <a:extLst>
+              <a:ext uri="{FF2B5EF4-FFF2-40B4-BE49-F238E27FC236}">
+                <a16:creationId xmlns:a16="http://schemas.microsoft.com/office/drawing/2014/main" id="{D411D4CD-40DC-4D30-AB80-9DDAF0EE0543}"/>
+              </a:ext>
+            </a:extLst>
+          </p:cNvPr>
+          <p:cNvCxnSpPr>
+            <a:cxnSpLocks/>
+            <a:stCxn id="5" idx="3"/>
+            <a:endCxn id="655" idx="1"/>
+          </p:cNvCxnSpPr>
+          <p:nvPr/>
+        </p:nvCxnSpPr>
+        <p:spPr>
+          <a:xfrm flipV="1">
+            <a:off x="3273898" y="2280444"/>
+            <a:ext cx="1902095" cy="872903"/>
+          </a:xfrm>
+          <a:prstGeom prst="bentConnector3">
+            <a:avLst>
+              <a:gd name="adj1" fmla="val 50000"/>
+            </a:avLst>
+          </a:prstGeom>
+          <a:ln>
+            <a:tailEnd type="triangle"/>
+          </a:ln>
+        </p:spPr>
+        <p:style>
+          <a:lnRef idx="1">
+            <a:schemeClr val="accent1"/>
+          </a:lnRef>
+          <a:fillRef idx="0">
+            <a:schemeClr val="accent1"/>
+          </a:fillRef>
+          <a:effectRef idx="0">
+            <a:schemeClr val="accent1"/>
+          </a:effectRef>
+          <a:fontRef idx="minor">
+            <a:schemeClr val="tx1"/>
+          </a:fontRef>
+        </p:style>
+      </p:cxnSp>
+      <p:cxnSp>
+        <p:nvCxnSpPr>
+          <p:cNvPr id="801" name="连接符: 肘形 800">
+            <a:extLst>
+              <a:ext uri="{FF2B5EF4-FFF2-40B4-BE49-F238E27FC236}">
+                <a16:creationId xmlns:a16="http://schemas.microsoft.com/office/drawing/2014/main" id="{3F2FFD1F-6A7D-40DE-916C-6F194AA67607}"/>
+              </a:ext>
+            </a:extLst>
+          </p:cNvPr>
+          <p:cNvCxnSpPr>
+            <a:cxnSpLocks/>
+            <a:stCxn id="91" idx="3"/>
+            <a:endCxn id="664" idx="1"/>
+          </p:cNvCxnSpPr>
+          <p:nvPr/>
+        </p:nvCxnSpPr>
+        <p:spPr>
+          <a:xfrm flipV="1">
+            <a:off x="3167396" y="5257492"/>
+            <a:ext cx="2007514" cy="462199"/>
+          </a:xfrm>
+          <a:prstGeom prst="bentConnector3">
+            <a:avLst>
+              <a:gd name="adj1" fmla="val 50000"/>
+            </a:avLst>
+          </a:prstGeom>
+          <a:ln>
+            <a:tailEnd type="triangle"/>
+          </a:ln>
+        </p:spPr>
+        <p:style>
+          <a:lnRef idx="1">
+            <a:schemeClr val="accent1"/>
+          </a:lnRef>
+          <a:fillRef idx="0">
+            <a:schemeClr val="accent1"/>
+          </a:fillRef>
+          <a:effectRef idx="0">
+            <a:schemeClr val="accent1"/>
+          </a:effectRef>
+          <a:fontRef idx="minor">
+            <a:schemeClr val="tx1"/>
+          </a:fontRef>
+        </p:style>
+      </p:cxnSp>
+      <p:sp>
+        <p:nvSpPr>
+          <p:cNvPr id="834" name="矩形 833">
+            <a:extLst>
+              <a:ext uri="{FF2B5EF4-FFF2-40B4-BE49-F238E27FC236}">
+                <a16:creationId xmlns:a16="http://schemas.microsoft.com/office/drawing/2014/main" id="{9D36F474-E614-43AE-9316-186FE125DF6B}"/>
+              </a:ext>
+            </a:extLst>
+          </p:cNvPr>
+          <p:cNvSpPr/>
+          <p:nvPr/>
+        </p:nvSpPr>
+        <p:spPr>
+          <a:xfrm>
+            <a:off x="5183443" y="4788704"/>
+            <a:ext cx="688878" cy="253737"/>
+          </a:xfrm>
+          <a:prstGeom prst="rect">
+            <a:avLst/>
+          </a:prstGeom>
+          <a:solidFill>
+            <a:srgbClr val="FFC000"/>
+          </a:solidFill>
+          <a:ln>
+            <a:solidFill>
+              <a:schemeClr val="tx1"/>
+            </a:solidFill>
+          </a:ln>
+        </p:spPr>
+        <p:style>
+          <a:lnRef idx="2">
+            <a:schemeClr val="accent1">
+              <a:shade val="50000"/>
+            </a:schemeClr>
+          </a:lnRef>
+          <a:fillRef idx="1">
+            <a:schemeClr val="accent1"/>
+          </a:fillRef>
+          <a:effectRef idx="0">
+            <a:schemeClr val="accent1"/>
+          </a:effectRef>
+          <a:fontRef idx="minor">
+            <a:schemeClr val="lt1"/>
+          </a:fontRef>
+        </p:style>
+        <p:txBody>
+          <a:bodyPr rtlCol="0" anchor="ctr"/>
+          <a:lstStyle/>
+          <a:p>
+            <a:pPr algn="ctr"/>
+            <a:r>
+              <a:rPr lang="en-US" altLang="zh-CN" sz="1400" dirty="0" err="1">
+                <a:solidFill>
+                  <a:schemeClr val="tx1"/>
+                </a:solidFill>
+              </a:rPr>
+              <a:t>Deref</a:t>
+            </a:r>
+            <a:endParaRPr lang="zh-CN" altLang="en-US" sz="1400" dirty="0">
+              <a:solidFill>
+                <a:schemeClr val="tx1"/>
+              </a:solidFill>
+            </a:endParaRPr>
+          </a:p>
+        </p:txBody>
+      </p:sp>
+      <p:cxnSp>
+        <p:nvCxnSpPr>
+          <p:cNvPr id="835" name="连接符: 肘形 834">
+            <a:extLst>
+              <a:ext uri="{FF2B5EF4-FFF2-40B4-BE49-F238E27FC236}">
+                <a16:creationId xmlns:a16="http://schemas.microsoft.com/office/drawing/2014/main" id="{CB80DC8C-EC40-4516-8A73-8BB2F634692A}"/>
+              </a:ext>
+            </a:extLst>
+          </p:cNvPr>
+          <p:cNvCxnSpPr>
+            <a:cxnSpLocks/>
+            <a:stCxn id="91" idx="3"/>
+            <a:endCxn id="834" idx="1"/>
+          </p:cNvCxnSpPr>
+          <p:nvPr/>
+        </p:nvCxnSpPr>
+        <p:spPr>
+          <a:xfrm flipV="1">
+            <a:off x="3167396" y="4915573"/>
+            <a:ext cx="2016047" cy="804118"/>
+          </a:xfrm>
+          <a:prstGeom prst="bentConnector3">
+            <a:avLst>
+              <a:gd name="adj1" fmla="val 50000"/>
+            </a:avLst>
+          </a:prstGeom>
+          <a:ln>
+            <a:tailEnd type="triangle"/>
+          </a:ln>
+        </p:spPr>
+        <p:style>
+          <a:lnRef idx="1">
+            <a:schemeClr val="accent1"/>
+          </a:lnRef>
+          <a:fillRef idx="0">
+            <a:schemeClr val="accent1"/>
+          </a:fillRef>
+          <a:effectRef idx="0">
+            <a:schemeClr val="accent1"/>
+          </a:effectRef>
+          <a:fontRef idx="minor">
+            <a:schemeClr val="tx1"/>
+          </a:fontRef>
+        </p:style>
+      </p:cxnSp>
+      <p:cxnSp>
+        <p:nvCxnSpPr>
+          <p:cNvPr id="187" name="连接符: 肘形 186">
+            <a:extLst>
+              <a:ext uri="{FF2B5EF4-FFF2-40B4-BE49-F238E27FC236}">
+                <a16:creationId xmlns:a16="http://schemas.microsoft.com/office/drawing/2014/main" id="{58B2E835-7C79-4B18-B490-DBE82B26C1C0}"/>
+              </a:ext>
+            </a:extLst>
+          </p:cNvPr>
+          <p:cNvCxnSpPr>
+            <a:cxnSpLocks/>
+            <a:stCxn id="4" idx="3"/>
+            <a:endCxn id="657" idx="1"/>
+          </p:cNvCxnSpPr>
+          <p:nvPr/>
+        </p:nvCxnSpPr>
+        <p:spPr>
+          <a:xfrm>
+            <a:off x="1343268" y="523345"/>
+            <a:ext cx="826936" cy="3095850"/>
+          </a:xfrm>
+          <a:prstGeom prst="bentConnector3">
+            <a:avLst>
+              <a:gd name="adj1" fmla="val 50000"/>
+            </a:avLst>
+          </a:prstGeom>
+          <a:ln>
+            <a:tailEnd type="triangle"/>
+          </a:ln>
+        </p:spPr>
+        <p:style>
+          <a:lnRef idx="1">
+            <a:schemeClr val="accent1"/>
+          </a:lnRef>
+          <a:fillRef idx="0">
+            <a:schemeClr val="accent1"/>
+          </a:fillRef>
+          <a:effectRef idx="0">
+            <a:schemeClr val="accent1"/>
+          </a:effectRef>
+          <a:fontRef idx="minor">
+            <a:schemeClr val="tx1"/>
+          </a:fontRef>
+        </p:style>
+      </p:cxnSp>
     </p:spTree>
     <p:extLst>
       <p:ext uri="{BB962C8B-B14F-4D97-AF65-F5344CB8AC3E}">
-        <p14:creationId xmlns:p14="http://schemas.microsoft.com/office/powerpoint/2010/main" val="949726290"/>
+        <p14:creationId xmlns:p14="http://schemas.microsoft.com/office/powerpoint/2010/main" val="3588325304"/>
       </p:ext>
     </p:extLst>
   </p:cSld>
@@ -10691,40 +15125,3019 @@
           <a:chExt cx="0" cy="0"/>
         </a:xfrm>
       </p:grpSpPr>
+      <p:sp>
+        <p:nvSpPr>
+          <p:cNvPr id="499" name="矩形 498">
+            <a:extLst>
+              <a:ext uri="{FF2B5EF4-FFF2-40B4-BE49-F238E27FC236}">
+                <a16:creationId xmlns:a16="http://schemas.microsoft.com/office/drawing/2014/main" id="{7C81803B-9C67-4061-BE24-CECC1E6B6D25}"/>
+              </a:ext>
+            </a:extLst>
+          </p:cNvPr>
+          <p:cNvSpPr/>
+          <p:nvPr/>
+        </p:nvSpPr>
+        <p:spPr>
+          <a:xfrm>
+            <a:off x="602099" y="72220"/>
+            <a:ext cx="1250326" cy="525078"/>
+          </a:xfrm>
+          <a:prstGeom prst="rect">
+            <a:avLst/>
+          </a:prstGeom>
+          <a:solidFill>
+            <a:schemeClr val="bg1"/>
+          </a:solidFill>
+          <a:ln>
+            <a:solidFill>
+              <a:schemeClr val="tx1"/>
+            </a:solidFill>
+          </a:ln>
+        </p:spPr>
+        <p:style>
+          <a:lnRef idx="2">
+            <a:schemeClr val="accent1">
+              <a:shade val="50000"/>
+            </a:schemeClr>
+          </a:lnRef>
+          <a:fillRef idx="1">
+            <a:schemeClr val="accent1"/>
+          </a:fillRef>
+          <a:effectRef idx="0">
+            <a:schemeClr val="accent1"/>
+          </a:effectRef>
+          <a:fontRef idx="minor">
+            <a:schemeClr val="lt1"/>
+          </a:fontRef>
+        </p:style>
+        <p:txBody>
+          <a:bodyPr rtlCol="0" anchor="ctr"/>
+          <a:lstStyle/>
+          <a:p>
+            <a:pPr algn="ctr"/>
+            <a:r>
+              <a:rPr lang="en-US" altLang="zh-CN" sz="3200" b="1" dirty="0">
+                <a:solidFill>
+                  <a:schemeClr val="tx1"/>
+                </a:solidFill>
+              </a:rPr>
+              <a:t>Value</a:t>
+            </a:r>
+            <a:endParaRPr lang="zh-CN" altLang="en-US" sz="3200" b="1" dirty="0">
+              <a:solidFill>
+                <a:schemeClr val="tx1"/>
+              </a:solidFill>
+            </a:endParaRPr>
+          </a:p>
+        </p:txBody>
+      </p:sp>
+      <p:sp>
+        <p:nvSpPr>
+          <p:cNvPr id="500" name="矩形 499">
+            <a:extLst>
+              <a:ext uri="{FF2B5EF4-FFF2-40B4-BE49-F238E27FC236}">
+                <a16:creationId xmlns:a16="http://schemas.microsoft.com/office/drawing/2014/main" id="{33EEE354-F9E4-4387-8CE7-24E7B2BF3621}"/>
+              </a:ext>
+            </a:extLst>
+          </p:cNvPr>
+          <p:cNvSpPr/>
+          <p:nvPr/>
+        </p:nvSpPr>
+        <p:spPr>
+          <a:xfrm>
+            <a:off x="2436836" y="179492"/>
+            <a:ext cx="1028131" cy="310533"/>
+          </a:xfrm>
+          <a:prstGeom prst="rect">
+            <a:avLst/>
+          </a:prstGeom>
+          <a:solidFill>
+            <a:srgbClr val="92D050"/>
+          </a:solidFill>
+          <a:ln>
+            <a:solidFill>
+              <a:schemeClr val="tx1"/>
+            </a:solidFill>
+          </a:ln>
+        </p:spPr>
+        <p:style>
+          <a:lnRef idx="2">
+            <a:schemeClr val="accent1">
+              <a:shade val="50000"/>
+            </a:schemeClr>
+          </a:lnRef>
+          <a:fillRef idx="1">
+            <a:schemeClr val="accent1"/>
+          </a:fillRef>
+          <a:effectRef idx="0">
+            <a:schemeClr val="accent1"/>
+          </a:effectRef>
+          <a:fontRef idx="minor">
+            <a:schemeClr val="lt1"/>
+          </a:fontRef>
+        </p:style>
+        <p:txBody>
+          <a:bodyPr rtlCol="0" anchor="ctr"/>
+          <a:lstStyle/>
+          <a:p>
+            <a:pPr algn="ctr"/>
+            <a:r>
+              <a:rPr lang="en-US" altLang="zh-CN" sz="1400" dirty="0" err="1">
+                <a:solidFill>
+                  <a:schemeClr val="tx1"/>
+                </a:solidFill>
+              </a:rPr>
+              <a:t>FunValue</a:t>
+            </a:r>
+            <a:endParaRPr lang="zh-CN" altLang="en-US" sz="1400" dirty="0">
+              <a:solidFill>
+                <a:schemeClr val="tx1"/>
+              </a:solidFill>
+            </a:endParaRPr>
+          </a:p>
+        </p:txBody>
+      </p:sp>
+      <p:sp>
+        <p:nvSpPr>
+          <p:cNvPr id="501" name="矩形 500">
+            <a:extLst>
+              <a:ext uri="{FF2B5EF4-FFF2-40B4-BE49-F238E27FC236}">
+                <a16:creationId xmlns:a16="http://schemas.microsoft.com/office/drawing/2014/main" id="{9F1E6AD9-3951-41D2-A42B-4BF98EA0C09B}"/>
+              </a:ext>
+            </a:extLst>
+          </p:cNvPr>
+          <p:cNvSpPr/>
+          <p:nvPr/>
+        </p:nvSpPr>
+        <p:spPr>
+          <a:xfrm>
+            <a:off x="2436836" y="640684"/>
+            <a:ext cx="1028131" cy="310533"/>
+          </a:xfrm>
+          <a:prstGeom prst="rect">
+            <a:avLst/>
+          </a:prstGeom>
+          <a:solidFill>
+            <a:srgbClr val="92D050"/>
+          </a:solidFill>
+          <a:ln>
+            <a:solidFill>
+              <a:schemeClr val="tx1"/>
+            </a:solidFill>
+          </a:ln>
+        </p:spPr>
+        <p:style>
+          <a:lnRef idx="2">
+            <a:schemeClr val="accent1">
+              <a:shade val="50000"/>
+            </a:schemeClr>
+          </a:lnRef>
+          <a:fillRef idx="1">
+            <a:schemeClr val="accent1"/>
+          </a:fillRef>
+          <a:effectRef idx="0">
+            <a:schemeClr val="accent1"/>
+          </a:effectRef>
+          <a:fontRef idx="minor">
+            <a:schemeClr val="lt1"/>
+          </a:fontRef>
+        </p:style>
+        <p:txBody>
+          <a:bodyPr rtlCol="0" anchor="ctr"/>
+          <a:lstStyle/>
+          <a:p>
+            <a:pPr algn="ctr"/>
+            <a:r>
+              <a:rPr lang="en-US" altLang="zh-CN" sz="1400" dirty="0" err="1">
+                <a:solidFill>
+                  <a:schemeClr val="tx1"/>
+                </a:solidFill>
+              </a:rPr>
+              <a:t>UnitValue</a:t>
+            </a:r>
+            <a:endParaRPr lang="zh-CN" altLang="en-US" sz="1400" dirty="0">
+              <a:solidFill>
+                <a:schemeClr val="tx1"/>
+              </a:solidFill>
+            </a:endParaRPr>
+          </a:p>
+        </p:txBody>
+      </p:sp>
+      <p:sp>
+        <p:nvSpPr>
+          <p:cNvPr id="502" name="矩形 501">
+            <a:extLst>
+              <a:ext uri="{FF2B5EF4-FFF2-40B4-BE49-F238E27FC236}">
+                <a16:creationId xmlns:a16="http://schemas.microsoft.com/office/drawing/2014/main" id="{569A67F8-FA9E-4196-B81E-4C1A86B288AE}"/>
+              </a:ext>
+            </a:extLst>
+          </p:cNvPr>
+          <p:cNvSpPr/>
+          <p:nvPr/>
+        </p:nvSpPr>
+        <p:spPr>
+          <a:xfrm>
+            <a:off x="2436836" y="1101876"/>
+            <a:ext cx="1028131" cy="310533"/>
+          </a:xfrm>
+          <a:prstGeom prst="rect">
+            <a:avLst/>
+          </a:prstGeom>
+          <a:solidFill>
+            <a:srgbClr val="92D050"/>
+          </a:solidFill>
+          <a:ln>
+            <a:solidFill>
+              <a:schemeClr val="tx1"/>
+            </a:solidFill>
+          </a:ln>
+        </p:spPr>
+        <p:style>
+          <a:lnRef idx="2">
+            <a:schemeClr val="accent1">
+              <a:shade val="50000"/>
+            </a:schemeClr>
+          </a:lnRef>
+          <a:fillRef idx="1">
+            <a:schemeClr val="accent1"/>
+          </a:fillRef>
+          <a:effectRef idx="0">
+            <a:schemeClr val="accent1"/>
+          </a:effectRef>
+          <a:fontRef idx="minor">
+            <a:schemeClr val="lt1"/>
+          </a:fontRef>
+        </p:style>
+        <p:txBody>
+          <a:bodyPr rtlCol="0" anchor="ctr"/>
+          <a:lstStyle/>
+          <a:p>
+            <a:pPr algn="ctr"/>
+            <a:r>
+              <a:rPr lang="en-US" altLang="zh-CN" sz="1400" dirty="0" err="1">
+                <a:solidFill>
+                  <a:schemeClr val="tx1"/>
+                </a:solidFill>
+              </a:rPr>
+              <a:t>RefValue</a:t>
+            </a:r>
+            <a:endParaRPr lang="zh-CN" altLang="en-US" sz="1400" dirty="0">
+              <a:solidFill>
+                <a:schemeClr val="tx1"/>
+              </a:solidFill>
+            </a:endParaRPr>
+          </a:p>
+        </p:txBody>
+      </p:sp>
+      <p:sp>
+        <p:nvSpPr>
+          <p:cNvPr id="503" name="矩形 502">
+            <a:extLst>
+              <a:ext uri="{FF2B5EF4-FFF2-40B4-BE49-F238E27FC236}">
+                <a16:creationId xmlns:a16="http://schemas.microsoft.com/office/drawing/2014/main" id="{ABCB82B9-B26B-4DD8-BB23-84B482B00965}"/>
+              </a:ext>
+            </a:extLst>
+          </p:cNvPr>
+          <p:cNvSpPr/>
+          <p:nvPr/>
+        </p:nvSpPr>
+        <p:spPr>
+          <a:xfrm>
+            <a:off x="2436836" y="1563068"/>
+            <a:ext cx="1028131" cy="310533"/>
+          </a:xfrm>
+          <a:prstGeom prst="rect">
+            <a:avLst/>
+          </a:prstGeom>
+          <a:solidFill>
+            <a:srgbClr val="92D050"/>
+          </a:solidFill>
+          <a:ln>
+            <a:solidFill>
+              <a:schemeClr val="tx1"/>
+            </a:solidFill>
+          </a:ln>
+        </p:spPr>
+        <p:style>
+          <a:lnRef idx="2">
+            <a:schemeClr val="accent1">
+              <a:shade val="50000"/>
+            </a:schemeClr>
+          </a:lnRef>
+          <a:fillRef idx="1">
+            <a:schemeClr val="accent1"/>
+          </a:fillRef>
+          <a:effectRef idx="0">
+            <a:schemeClr val="accent1"/>
+          </a:effectRef>
+          <a:fontRef idx="minor">
+            <a:schemeClr val="lt1"/>
+          </a:fontRef>
+        </p:style>
+        <p:txBody>
+          <a:bodyPr rtlCol="0" anchor="ctr"/>
+          <a:lstStyle/>
+          <a:p>
+            <a:pPr algn="ctr"/>
+            <a:r>
+              <a:rPr lang="en-US" altLang="zh-CN" sz="1400" dirty="0" err="1">
+                <a:solidFill>
+                  <a:schemeClr val="tx1"/>
+                </a:solidFill>
+              </a:rPr>
+              <a:t>RecValue</a:t>
+            </a:r>
+            <a:endParaRPr lang="zh-CN" altLang="en-US" sz="1400" dirty="0">
+              <a:solidFill>
+                <a:schemeClr val="tx1"/>
+              </a:solidFill>
+            </a:endParaRPr>
+          </a:p>
+        </p:txBody>
+      </p:sp>
+      <p:sp>
+        <p:nvSpPr>
+          <p:cNvPr id="504" name="矩形 503">
+            <a:extLst>
+              <a:ext uri="{FF2B5EF4-FFF2-40B4-BE49-F238E27FC236}">
+                <a16:creationId xmlns:a16="http://schemas.microsoft.com/office/drawing/2014/main" id="{329F4244-7641-4811-AB48-0471063CE6B8}"/>
+              </a:ext>
+            </a:extLst>
+          </p:cNvPr>
+          <p:cNvSpPr/>
+          <p:nvPr/>
+        </p:nvSpPr>
+        <p:spPr>
+          <a:xfrm>
+            <a:off x="2436836" y="2024260"/>
+            <a:ext cx="1028131" cy="310533"/>
+          </a:xfrm>
+          <a:prstGeom prst="rect">
+            <a:avLst/>
+          </a:prstGeom>
+          <a:solidFill>
+            <a:srgbClr val="92D050"/>
+          </a:solidFill>
+          <a:ln>
+            <a:solidFill>
+              <a:schemeClr val="tx1"/>
+            </a:solidFill>
+          </a:ln>
+        </p:spPr>
+        <p:style>
+          <a:lnRef idx="2">
+            <a:schemeClr val="accent1">
+              <a:shade val="50000"/>
+            </a:schemeClr>
+          </a:lnRef>
+          <a:fillRef idx="1">
+            <a:schemeClr val="accent1"/>
+          </a:fillRef>
+          <a:effectRef idx="0">
+            <a:schemeClr val="accent1"/>
+          </a:effectRef>
+          <a:fontRef idx="minor">
+            <a:schemeClr val="lt1"/>
+          </a:fontRef>
+        </p:style>
+        <p:txBody>
+          <a:bodyPr rtlCol="0" anchor="ctr"/>
+          <a:lstStyle/>
+          <a:p>
+            <a:pPr algn="ctr"/>
+            <a:r>
+              <a:rPr lang="en-US" altLang="zh-CN" sz="1400" dirty="0" err="1">
+                <a:solidFill>
+                  <a:schemeClr val="tx1"/>
+                </a:solidFill>
+              </a:rPr>
+              <a:t>PairValue</a:t>
+            </a:r>
+            <a:endParaRPr lang="zh-CN" altLang="en-US" sz="1400" dirty="0">
+              <a:solidFill>
+                <a:schemeClr val="tx1"/>
+              </a:solidFill>
+            </a:endParaRPr>
+          </a:p>
+        </p:txBody>
+      </p:sp>
+      <p:sp>
+        <p:nvSpPr>
+          <p:cNvPr id="505" name="矩形 504">
+            <a:extLst>
+              <a:ext uri="{FF2B5EF4-FFF2-40B4-BE49-F238E27FC236}">
+                <a16:creationId xmlns:a16="http://schemas.microsoft.com/office/drawing/2014/main" id="{42AE6A45-7FE1-47B8-B5C7-623F6DDD53EA}"/>
+              </a:ext>
+            </a:extLst>
+          </p:cNvPr>
+          <p:cNvSpPr/>
+          <p:nvPr/>
+        </p:nvSpPr>
+        <p:spPr>
+          <a:xfrm>
+            <a:off x="2436836" y="2485452"/>
+            <a:ext cx="1028131" cy="310533"/>
+          </a:xfrm>
+          <a:prstGeom prst="rect">
+            <a:avLst/>
+          </a:prstGeom>
+          <a:solidFill>
+            <a:srgbClr val="92D050"/>
+          </a:solidFill>
+          <a:ln>
+            <a:solidFill>
+              <a:schemeClr val="tx1"/>
+            </a:solidFill>
+          </a:ln>
+        </p:spPr>
+        <p:style>
+          <a:lnRef idx="2">
+            <a:schemeClr val="accent1">
+              <a:shade val="50000"/>
+            </a:schemeClr>
+          </a:lnRef>
+          <a:fillRef idx="1">
+            <a:schemeClr val="accent1"/>
+          </a:fillRef>
+          <a:effectRef idx="0">
+            <a:schemeClr val="accent1"/>
+          </a:effectRef>
+          <a:fontRef idx="minor">
+            <a:schemeClr val="lt1"/>
+          </a:fontRef>
+        </p:style>
+        <p:txBody>
+          <a:bodyPr rtlCol="0" anchor="ctr"/>
+          <a:lstStyle/>
+          <a:p>
+            <a:pPr algn="ctr"/>
+            <a:r>
+              <a:rPr lang="en-US" altLang="zh-CN" sz="1400" dirty="0" err="1">
+                <a:solidFill>
+                  <a:schemeClr val="tx1"/>
+                </a:solidFill>
+              </a:rPr>
+              <a:t>NilValue</a:t>
+            </a:r>
+            <a:endParaRPr lang="zh-CN" altLang="en-US" sz="1400" dirty="0">
+              <a:solidFill>
+                <a:schemeClr val="tx1"/>
+              </a:solidFill>
+            </a:endParaRPr>
+          </a:p>
+        </p:txBody>
+      </p:sp>
+      <p:sp>
+        <p:nvSpPr>
+          <p:cNvPr id="506" name="矩形 505">
+            <a:extLst>
+              <a:ext uri="{FF2B5EF4-FFF2-40B4-BE49-F238E27FC236}">
+                <a16:creationId xmlns:a16="http://schemas.microsoft.com/office/drawing/2014/main" id="{25128211-F979-4FD3-948B-33C6A8E9A1BE}"/>
+              </a:ext>
+            </a:extLst>
+          </p:cNvPr>
+          <p:cNvSpPr/>
+          <p:nvPr/>
+        </p:nvSpPr>
+        <p:spPr>
+          <a:xfrm>
+            <a:off x="2436837" y="2946644"/>
+            <a:ext cx="1028131" cy="310533"/>
+          </a:xfrm>
+          <a:prstGeom prst="rect">
+            <a:avLst/>
+          </a:prstGeom>
+          <a:solidFill>
+            <a:srgbClr val="92D050"/>
+          </a:solidFill>
+          <a:ln>
+            <a:solidFill>
+              <a:schemeClr val="tx1"/>
+            </a:solidFill>
+          </a:ln>
+        </p:spPr>
+        <p:style>
+          <a:lnRef idx="2">
+            <a:schemeClr val="accent1">
+              <a:shade val="50000"/>
+            </a:schemeClr>
+          </a:lnRef>
+          <a:fillRef idx="1">
+            <a:schemeClr val="accent1"/>
+          </a:fillRef>
+          <a:effectRef idx="0">
+            <a:schemeClr val="accent1"/>
+          </a:effectRef>
+          <a:fontRef idx="minor">
+            <a:schemeClr val="lt1"/>
+          </a:fontRef>
+        </p:style>
+        <p:txBody>
+          <a:bodyPr rtlCol="0" anchor="ctr"/>
+          <a:lstStyle/>
+          <a:p>
+            <a:pPr algn="ctr"/>
+            <a:r>
+              <a:rPr lang="en-US" altLang="zh-CN" sz="1400" dirty="0" err="1">
+                <a:solidFill>
+                  <a:schemeClr val="tx1"/>
+                </a:solidFill>
+              </a:rPr>
+              <a:t>IntValue</a:t>
+            </a:r>
+            <a:endParaRPr lang="zh-CN" altLang="en-US" sz="1400" dirty="0">
+              <a:solidFill>
+                <a:schemeClr val="tx1"/>
+              </a:solidFill>
+            </a:endParaRPr>
+          </a:p>
+        </p:txBody>
+      </p:sp>
+      <p:sp>
+        <p:nvSpPr>
+          <p:cNvPr id="507" name="矩形 506">
+            <a:extLst>
+              <a:ext uri="{FF2B5EF4-FFF2-40B4-BE49-F238E27FC236}">
+                <a16:creationId xmlns:a16="http://schemas.microsoft.com/office/drawing/2014/main" id="{6E241BEE-E07B-495A-8414-87A1F059306F}"/>
+              </a:ext>
+            </a:extLst>
+          </p:cNvPr>
+          <p:cNvSpPr/>
+          <p:nvPr/>
+        </p:nvSpPr>
+        <p:spPr>
+          <a:xfrm>
+            <a:off x="2424274" y="3869028"/>
+            <a:ext cx="1028131" cy="310533"/>
+          </a:xfrm>
+          <a:prstGeom prst="rect">
+            <a:avLst/>
+          </a:prstGeom>
+          <a:solidFill>
+            <a:srgbClr val="92D050"/>
+          </a:solidFill>
+          <a:ln>
+            <a:solidFill>
+              <a:schemeClr val="tx1"/>
+            </a:solidFill>
+          </a:ln>
+        </p:spPr>
+        <p:style>
+          <a:lnRef idx="2">
+            <a:schemeClr val="accent1">
+              <a:shade val="50000"/>
+            </a:schemeClr>
+          </a:lnRef>
+          <a:fillRef idx="1">
+            <a:schemeClr val="accent1"/>
+          </a:fillRef>
+          <a:effectRef idx="0">
+            <a:schemeClr val="accent1"/>
+          </a:effectRef>
+          <a:fontRef idx="minor">
+            <a:schemeClr val="lt1"/>
+          </a:fontRef>
+        </p:style>
+        <p:txBody>
+          <a:bodyPr rtlCol="0" anchor="ctr"/>
+          <a:lstStyle/>
+          <a:p>
+            <a:pPr algn="ctr"/>
+            <a:r>
+              <a:rPr lang="en-US" altLang="zh-CN" sz="1400" dirty="0" err="1">
+                <a:solidFill>
+                  <a:schemeClr val="tx1"/>
+                </a:solidFill>
+              </a:rPr>
+              <a:t>ConsValue</a:t>
+            </a:r>
+            <a:endParaRPr lang="zh-CN" altLang="en-US" sz="1400" dirty="0">
+              <a:solidFill>
+                <a:schemeClr val="tx1"/>
+              </a:solidFill>
+            </a:endParaRPr>
+          </a:p>
+        </p:txBody>
+      </p:sp>
+      <p:sp>
+        <p:nvSpPr>
+          <p:cNvPr id="508" name="矩形 507">
+            <a:extLst>
+              <a:ext uri="{FF2B5EF4-FFF2-40B4-BE49-F238E27FC236}">
+                <a16:creationId xmlns:a16="http://schemas.microsoft.com/office/drawing/2014/main" id="{8AACCC66-3917-478E-A7EF-EB6C13F7C4F7}"/>
+              </a:ext>
+            </a:extLst>
+          </p:cNvPr>
+          <p:cNvSpPr/>
+          <p:nvPr/>
+        </p:nvSpPr>
+        <p:spPr>
+          <a:xfrm>
+            <a:off x="2436836" y="3407836"/>
+            <a:ext cx="1028131" cy="310533"/>
+          </a:xfrm>
+          <a:prstGeom prst="rect">
+            <a:avLst/>
+          </a:prstGeom>
+          <a:solidFill>
+            <a:srgbClr val="92D050"/>
+          </a:solidFill>
+          <a:ln>
+            <a:solidFill>
+              <a:schemeClr val="tx1"/>
+            </a:solidFill>
+          </a:ln>
+        </p:spPr>
+        <p:style>
+          <a:lnRef idx="2">
+            <a:schemeClr val="accent1">
+              <a:shade val="50000"/>
+            </a:schemeClr>
+          </a:lnRef>
+          <a:fillRef idx="1">
+            <a:schemeClr val="accent1"/>
+          </a:fillRef>
+          <a:effectRef idx="0">
+            <a:schemeClr val="accent1"/>
+          </a:effectRef>
+          <a:fontRef idx="minor">
+            <a:schemeClr val="lt1"/>
+          </a:fontRef>
+        </p:style>
+        <p:txBody>
+          <a:bodyPr rtlCol="0" anchor="ctr"/>
+          <a:lstStyle/>
+          <a:p>
+            <a:pPr algn="ctr"/>
+            <a:r>
+              <a:rPr lang="en-US" altLang="zh-CN" sz="1400" dirty="0" err="1">
+                <a:solidFill>
+                  <a:schemeClr val="tx1"/>
+                </a:solidFill>
+              </a:rPr>
+              <a:t>BoolValue</a:t>
+            </a:r>
+            <a:endParaRPr lang="zh-CN" altLang="en-US" sz="1400" dirty="0">
+              <a:solidFill>
+                <a:schemeClr val="tx1"/>
+              </a:solidFill>
+            </a:endParaRPr>
+          </a:p>
+        </p:txBody>
+      </p:sp>
+      <p:cxnSp>
+        <p:nvCxnSpPr>
+          <p:cNvPr id="509" name="连接符: 肘形 508">
+            <a:extLst>
+              <a:ext uri="{FF2B5EF4-FFF2-40B4-BE49-F238E27FC236}">
+                <a16:creationId xmlns:a16="http://schemas.microsoft.com/office/drawing/2014/main" id="{997DC11D-C3A6-481F-B424-3583725575DE}"/>
+              </a:ext>
+            </a:extLst>
+          </p:cNvPr>
+          <p:cNvCxnSpPr>
+            <a:cxnSpLocks/>
+            <a:stCxn id="499" idx="3"/>
+            <a:endCxn id="500" idx="1"/>
+          </p:cNvCxnSpPr>
+          <p:nvPr/>
+        </p:nvCxnSpPr>
+        <p:spPr>
+          <a:xfrm>
+            <a:off x="1852425" y="334759"/>
+            <a:ext cx="584411" cy="12700"/>
+          </a:xfrm>
+          <a:prstGeom prst="bentConnector3">
+            <a:avLst>
+              <a:gd name="adj1" fmla="val 50000"/>
+            </a:avLst>
+          </a:prstGeom>
+          <a:ln>
+            <a:tailEnd type="triangle"/>
+          </a:ln>
+        </p:spPr>
+        <p:style>
+          <a:lnRef idx="1">
+            <a:schemeClr val="accent1"/>
+          </a:lnRef>
+          <a:fillRef idx="0">
+            <a:schemeClr val="accent1"/>
+          </a:fillRef>
+          <a:effectRef idx="0">
+            <a:schemeClr val="accent1"/>
+          </a:effectRef>
+          <a:fontRef idx="minor">
+            <a:schemeClr val="tx1"/>
+          </a:fontRef>
+        </p:style>
+      </p:cxnSp>
+      <p:cxnSp>
+        <p:nvCxnSpPr>
+          <p:cNvPr id="512" name="连接符: 肘形 511">
+            <a:extLst>
+              <a:ext uri="{FF2B5EF4-FFF2-40B4-BE49-F238E27FC236}">
+                <a16:creationId xmlns:a16="http://schemas.microsoft.com/office/drawing/2014/main" id="{0BA9C7DA-6B43-4534-9F4A-C6F70DF24A7E}"/>
+              </a:ext>
+            </a:extLst>
+          </p:cNvPr>
+          <p:cNvCxnSpPr>
+            <a:cxnSpLocks/>
+            <a:stCxn id="499" idx="3"/>
+            <a:endCxn id="501" idx="1"/>
+          </p:cNvCxnSpPr>
+          <p:nvPr/>
+        </p:nvCxnSpPr>
+        <p:spPr>
+          <a:xfrm>
+            <a:off x="1852425" y="334759"/>
+            <a:ext cx="584411" cy="461192"/>
+          </a:xfrm>
+          <a:prstGeom prst="bentConnector3">
+            <a:avLst>
+              <a:gd name="adj1" fmla="val 50000"/>
+            </a:avLst>
+          </a:prstGeom>
+          <a:ln>
+            <a:tailEnd type="triangle"/>
+          </a:ln>
+        </p:spPr>
+        <p:style>
+          <a:lnRef idx="1">
+            <a:schemeClr val="accent1"/>
+          </a:lnRef>
+          <a:fillRef idx="0">
+            <a:schemeClr val="accent1"/>
+          </a:fillRef>
+          <a:effectRef idx="0">
+            <a:schemeClr val="accent1"/>
+          </a:effectRef>
+          <a:fontRef idx="minor">
+            <a:schemeClr val="tx1"/>
+          </a:fontRef>
+        </p:style>
+      </p:cxnSp>
+      <p:cxnSp>
+        <p:nvCxnSpPr>
+          <p:cNvPr id="515" name="连接符: 肘形 514">
+            <a:extLst>
+              <a:ext uri="{FF2B5EF4-FFF2-40B4-BE49-F238E27FC236}">
+                <a16:creationId xmlns:a16="http://schemas.microsoft.com/office/drawing/2014/main" id="{EF365582-ED7C-4E67-9090-D7A5AED74ED9}"/>
+              </a:ext>
+            </a:extLst>
+          </p:cNvPr>
+          <p:cNvCxnSpPr>
+            <a:cxnSpLocks/>
+            <a:stCxn id="499" idx="3"/>
+            <a:endCxn id="502" idx="1"/>
+          </p:cNvCxnSpPr>
+          <p:nvPr/>
+        </p:nvCxnSpPr>
+        <p:spPr>
+          <a:xfrm>
+            <a:off x="1852425" y="334759"/>
+            <a:ext cx="584411" cy="922384"/>
+          </a:xfrm>
+          <a:prstGeom prst="bentConnector3">
+            <a:avLst>
+              <a:gd name="adj1" fmla="val 50000"/>
+            </a:avLst>
+          </a:prstGeom>
+          <a:ln>
+            <a:tailEnd type="triangle"/>
+          </a:ln>
+        </p:spPr>
+        <p:style>
+          <a:lnRef idx="1">
+            <a:schemeClr val="accent1"/>
+          </a:lnRef>
+          <a:fillRef idx="0">
+            <a:schemeClr val="accent1"/>
+          </a:fillRef>
+          <a:effectRef idx="0">
+            <a:schemeClr val="accent1"/>
+          </a:effectRef>
+          <a:fontRef idx="minor">
+            <a:schemeClr val="tx1"/>
+          </a:fontRef>
+        </p:style>
+      </p:cxnSp>
+      <p:cxnSp>
+        <p:nvCxnSpPr>
+          <p:cNvPr id="518" name="连接符: 肘形 517">
+            <a:extLst>
+              <a:ext uri="{FF2B5EF4-FFF2-40B4-BE49-F238E27FC236}">
+                <a16:creationId xmlns:a16="http://schemas.microsoft.com/office/drawing/2014/main" id="{B44C5773-2430-4E79-A129-88DBC8AE3F16}"/>
+              </a:ext>
+            </a:extLst>
+          </p:cNvPr>
+          <p:cNvCxnSpPr>
+            <a:cxnSpLocks/>
+            <a:stCxn id="499" idx="3"/>
+            <a:endCxn id="503" idx="1"/>
+          </p:cNvCxnSpPr>
+          <p:nvPr/>
+        </p:nvCxnSpPr>
+        <p:spPr>
+          <a:xfrm>
+            <a:off x="1852425" y="334759"/>
+            <a:ext cx="584411" cy="1383576"/>
+          </a:xfrm>
+          <a:prstGeom prst="bentConnector3">
+            <a:avLst>
+              <a:gd name="adj1" fmla="val 50000"/>
+            </a:avLst>
+          </a:prstGeom>
+          <a:ln>
+            <a:tailEnd type="triangle"/>
+          </a:ln>
+        </p:spPr>
+        <p:style>
+          <a:lnRef idx="1">
+            <a:schemeClr val="accent1"/>
+          </a:lnRef>
+          <a:fillRef idx="0">
+            <a:schemeClr val="accent1"/>
+          </a:fillRef>
+          <a:effectRef idx="0">
+            <a:schemeClr val="accent1"/>
+          </a:effectRef>
+          <a:fontRef idx="minor">
+            <a:schemeClr val="tx1"/>
+          </a:fontRef>
+        </p:style>
+      </p:cxnSp>
+      <p:cxnSp>
+        <p:nvCxnSpPr>
+          <p:cNvPr id="521" name="连接符: 肘形 520">
+            <a:extLst>
+              <a:ext uri="{FF2B5EF4-FFF2-40B4-BE49-F238E27FC236}">
+                <a16:creationId xmlns:a16="http://schemas.microsoft.com/office/drawing/2014/main" id="{8374AB4C-0901-4B4C-90BF-DF669BF3BC61}"/>
+              </a:ext>
+            </a:extLst>
+          </p:cNvPr>
+          <p:cNvCxnSpPr>
+            <a:cxnSpLocks/>
+            <a:stCxn id="499" idx="3"/>
+            <a:endCxn id="504" idx="1"/>
+          </p:cNvCxnSpPr>
+          <p:nvPr/>
+        </p:nvCxnSpPr>
+        <p:spPr>
+          <a:xfrm>
+            <a:off x="1852425" y="334759"/>
+            <a:ext cx="584411" cy="1844768"/>
+          </a:xfrm>
+          <a:prstGeom prst="bentConnector3">
+            <a:avLst>
+              <a:gd name="adj1" fmla="val 50000"/>
+            </a:avLst>
+          </a:prstGeom>
+          <a:ln>
+            <a:tailEnd type="triangle"/>
+          </a:ln>
+        </p:spPr>
+        <p:style>
+          <a:lnRef idx="1">
+            <a:schemeClr val="accent1"/>
+          </a:lnRef>
+          <a:fillRef idx="0">
+            <a:schemeClr val="accent1"/>
+          </a:fillRef>
+          <a:effectRef idx="0">
+            <a:schemeClr val="accent1"/>
+          </a:effectRef>
+          <a:fontRef idx="minor">
+            <a:schemeClr val="tx1"/>
+          </a:fontRef>
+        </p:style>
+      </p:cxnSp>
+      <p:cxnSp>
+        <p:nvCxnSpPr>
+          <p:cNvPr id="524" name="连接符: 肘形 523">
+            <a:extLst>
+              <a:ext uri="{FF2B5EF4-FFF2-40B4-BE49-F238E27FC236}">
+                <a16:creationId xmlns:a16="http://schemas.microsoft.com/office/drawing/2014/main" id="{CC91E025-D9DD-451D-AEFB-96CB0D411FAB}"/>
+              </a:ext>
+            </a:extLst>
+          </p:cNvPr>
+          <p:cNvCxnSpPr>
+            <a:cxnSpLocks/>
+            <a:stCxn id="499" idx="3"/>
+            <a:endCxn id="505" idx="1"/>
+          </p:cNvCxnSpPr>
+          <p:nvPr/>
+        </p:nvCxnSpPr>
+        <p:spPr>
+          <a:xfrm>
+            <a:off x="1852425" y="334759"/>
+            <a:ext cx="584411" cy="2305960"/>
+          </a:xfrm>
+          <a:prstGeom prst="bentConnector3">
+            <a:avLst>
+              <a:gd name="adj1" fmla="val 50000"/>
+            </a:avLst>
+          </a:prstGeom>
+          <a:ln>
+            <a:tailEnd type="triangle"/>
+          </a:ln>
+        </p:spPr>
+        <p:style>
+          <a:lnRef idx="1">
+            <a:schemeClr val="accent1"/>
+          </a:lnRef>
+          <a:fillRef idx="0">
+            <a:schemeClr val="accent1"/>
+          </a:fillRef>
+          <a:effectRef idx="0">
+            <a:schemeClr val="accent1"/>
+          </a:effectRef>
+          <a:fontRef idx="minor">
+            <a:schemeClr val="tx1"/>
+          </a:fontRef>
+        </p:style>
+      </p:cxnSp>
+      <p:cxnSp>
+        <p:nvCxnSpPr>
+          <p:cNvPr id="527" name="连接符: 肘形 526">
+            <a:extLst>
+              <a:ext uri="{FF2B5EF4-FFF2-40B4-BE49-F238E27FC236}">
+                <a16:creationId xmlns:a16="http://schemas.microsoft.com/office/drawing/2014/main" id="{14E6044D-C7AC-4628-9718-B04D6D94EEFB}"/>
+              </a:ext>
+            </a:extLst>
+          </p:cNvPr>
+          <p:cNvCxnSpPr>
+            <a:cxnSpLocks/>
+            <a:stCxn id="499" idx="3"/>
+            <a:endCxn id="506" idx="1"/>
+          </p:cNvCxnSpPr>
+          <p:nvPr/>
+        </p:nvCxnSpPr>
+        <p:spPr>
+          <a:xfrm>
+            <a:off x="1852425" y="334759"/>
+            <a:ext cx="584412" cy="2767152"/>
+          </a:xfrm>
+          <a:prstGeom prst="bentConnector3">
+            <a:avLst>
+              <a:gd name="adj1" fmla="val 50000"/>
+            </a:avLst>
+          </a:prstGeom>
+          <a:ln>
+            <a:tailEnd type="triangle"/>
+          </a:ln>
+        </p:spPr>
+        <p:style>
+          <a:lnRef idx="1">
+            <a:schemeClr val="accent1"/>
+          </a:lnRef>
+          <a:fillRef idx="0">
+            <a:schemeClr val="accent1"/>
+          </a:fillRef>
+          <a:effectRef idx="0">
+            <a:schemeClr val="accent1"/>
+          </a:effectRef>
+          <a:fontRef idx="minor">
+            <a:schemeClr val="tx1"/>
+          </a:fontRef>
+        </p:style>
+      </p:cxnSp>
+      <p:cxnSp>
+        <p:nvCxnSpPr>
+          <p:cNvPr id="530" name="连接符: 肘形 529">
+            <a:extLst>
+              <a:ext uri="{FF2B5EF4-FFF2-40B4-BE49-F238E27FC236}">
+                <a16:creationId xmlns:a16="http://schemas.microsoft.com/office/drawing/2014/main" id="{8C66A81B-89C7-4D89-94F0-2B2CB6032B1A}"/>
+              </a:ext>
+            </a:extLst>
+          </p:cNvPr>
+          <p:cNvCxnSpPr>
+            <a:cxnSpLocks/>
+            <a:stCxn id="499" idx="3"/>
+            <a:endCxn id="508" idx="1"/>
+          </p:cNvCxnSpPr>
+          <p:nvPr/>
+        </p:nvCxnSpPr>
+        <p:spPr>
+          <a:xfrm>
+            <a:off x="1852425" y="334759"/>
+            <a:ext cx="584411" cy="3228344"/>
+          </a:xfrm>
+          <a:prstGeom prst="bentConnector3">
+            <a:avLst>
+              <a:gd name="adj1" fmla="val 50000"/>
+            </a:avLst>
+          </a:prstGeom>
+          <a:ln>
+            <a:tailEnd type="triangle"/>
+          </a:ln>
+        </p:spPr>
+        <p:style>
+          <a:lnRef idx="1">
+            <a:schemeClr val="accent1"/>
+          </a:lnRef>
+          <a:fillRef idx="0">
+            <a:schemeClr val="accent1"/>
+          </a:fillRef>
+          <a:effectRef idx="0">
+            <a:schemeClr val="accent1"/>
+          </a:effectRef>
+          <a:fontRef idx="minor">
+            <a:schemeClr val="tx1"/>
+          </a:fontRef>
+        </p:style>
+      </p:cxnSp>
+      <p:cxnSp>
+        <p:nvCxnSpPr>
+          <p:cNvPr id="533" name="连接符: 肘形 532">
+            <a:extLst>
+              <a:ext uri="{FF2B5EF4-FFF2-40B4-BE49-F238E27FC236}">
+                <a16:creationId xmlns:a16="http://schemas.microsoft.com/office/drawing/2014/main" id="{84BA2C05-D8F1-4CB3-8251-1659CFCBB464}"/>
+              </a:ext>
+            </a:extLst>
+          </p:cNvPr>
+          <p:cNvCxnSpPr>
+            <a:cxnSpLocks/>
+            <a:stCxn id="499" idx="3"/>
+            <a:endCxn id="507" idx="1"/>
+          </p:cNvCxnSpPr>
+          <p:nvPr/>
+        </p:nvCxnSpPr>
+        <p:spPr>
+          <a:xfrm>
+            <a:off x="1852425" y="334759"/>
+            <a:ext cx="571849" cy="3689536"/>
+          </a:xfrm>
+          <a:prstGeom prst="bentConnector3">
+            <a:avLst>
+              <a:gd name="adj1" fmla="val 50000"/>
+            </a:avLst>
+          </a:prstGeom>
+          <a:ln>
+            <a:tailEnd type="triangle"/>
+          </a:ln>
+        </p:spPr>
+        <p:style>
+          <a:lnRef idx="1">
+            <a:schemeClr val="accent1"/>
+          </a:lnRef>
+          <a:fillRef idx="0">
+            <a:schemeClr val="accent1"/>
+          </a:fillRef>
+          <a:effectRef idx="0">
+            <a:schemeClr val="accent1"/>
+          </a:effectRef>
+          <a:fontRef idx="minor">
+            <a:schemeClr val="tx1"/>
+          </a:fontRef>
+        </p:style>
+      </p:cxnSp>
+      <p:sp>
+        <p:nvSpPr>
+          <p:cNvPr id="680" name="矩形 679">
+            <a:extLst>
+              <a:ext uri="{FF2B5EF4-FFF2-40B4-BE49-F238E27FC236}">
+                <a16:creationId xmlns:a16="http://schemas.microsoft.com/office/drawing/2014/main" id="{37338610-5437-435F-ADC5-41E69570F689}"/>
+              </a:ext>
+            </a:extLst>
+          </p:cNvPr>
+          <p:cNvSpPr/>
+          <p:nvPr/>
+        </p:nvSpPr>
+        <p:spPr>
+          <a:xfrm>
+            <a:off x="4891315" y="166289"/>
+            <a:ext cx="1028131" cy="310533"/>
+          </a:xfrm>
+          <a:prstGeom prst="rect">
+            <a:avLst/>
+          </a:prstGeom>
+          <a:solidFill>
+            <a:srgbClr val="FFC000"/>
+          </a:solidFill>
+          <a:ln>
+            <a:solidFill>
+              <a:schemeClr val="tx1"/>
+            </a:solidFill>
+          </a:ln>
+        </p:spPr>
+        <p:style>
+          <a:lnRef idx="2">
+            <a:schemeClr val="accent1">
+              <a:shade val="50000"/>
+            </a:schemeClr>
+          </a:lnRef>
+          <a:fillRef idx="1">
+            <a:schemeClr val="accent1"/>
+          </a:fillRef>
+          <a:effectRef idx="0">
+            <a:schemeClr val="accent1"/>
+          </a:effectRef>
+          <a:fontRef idx="minor">
+            <a:schemeClr val="lt1"/>
+          </a:fontRef>
+        </p:style>
+        <p:txBody>
+          <a:bodyPr rtlCol="0" anchor="ctr"/>
+          <a:lstStyle/>
+          <a:p>
+            <a:pPr algn="ctr"/>
+            <a:r>
+              <a:rPr lang="en-US" altLang="zh-CN" sz="1400" dirty="0" err="1">
+                <a:solidFill>
+                  <a:schemeClr val="tx1"/>
+                </a:solidFill>
+              </a:rPr>
+              <a:t>fst</a:t>
+            </a:r>
+            <a:endParaRPr lang="zh-CN" altLang="en-US" sz="1400" dirty="0">
+              <a:solidFill>
+                <a:schemeClr val="tx1"/>
+              </a:solidFill>
+            </a:endParaRPr>
+          </a:p>
+        </p:txBody>
+      </p:sp>
+      <p:sp>
+        <p:nvSpPr>
+          <p:cNvPr id="681" name="矩形 680">
+            <a:extLst>
+              <a:ext uri="{FF2B5EF4-FFF2-40B4-BE49-F238E27FC236}">
+                <a16:creationId xmlns:a16="http://schemas.microsoft.com/office/drawing/2014/main" id="{1DE4ED2E-5110-490C-9C4C-DB1299AE7E8B}"/>
+              </a:ext>
+            </a:extLst>
+          </p:cNvPr>
+          <p:cNvSpPr/>
+          <p:nvPr/>
+        </p:nvSpPr>
+        <p:spPr>
+          <a:xfrm>
+            <a:off x="4884969" y="539369"/>
+            <a:ext cx="1028131" cy="310533"/>
+          </a:xfrm>
+          <a:prstGeom prst="rect">
+            <a:avLst/>
+          </a:prstGeom>
+          <a:solidFill>
+            <a:srgbClr val="FFC000"/>
+          </a:solidFill>
+          <a:ln>
+            <a:solidFill>
+              <a:schemeClr val="tx1"/>
+            </a:solidFill>
+          </a:ln>
+        </p:spPr>
+        <p:style>
+          <a:lnRef idx="2">
+            <a:schemeClr val="accent1">
+              <a:shade val="50000"/>
+            </a:schemeClr>
+          </a:lnRef>
+          <a:fillRef idx="1">
+            <a:schemeClr val="accent1"/>
+          </a:fillRef>
+          <a:effectRef idx="0">
+            <a:schemeClr val="accent1"/>
+          </a:effectRef>
+          <a:fontRef idx="minor">
+            <a:schemeClr val="lt1"/>
+          </a:fontRef>
+        </p:style>
+        <p:txBody>
+          <a:bodyPr rtlCol="0" anchor="ctr"/>
+          <a:lstStyle/>
+          <a:p>
+            <a:pPr algn="ctr"/>
+            <a:r>
+              <a:rPr lang="en-US" altLang="zh-CN" sz="1400" dirty="0" err="1">
+                <a:solidFill>
+                  <a:schemeClr val="tx1"/>
+                </a:solidFill>
+              </a:rPr>
+              <a:t>snd</a:t>
+            </a:r>
+            <a:endParaRPr lang="zh-CN" altLang="en-US" sz="1400" dirty="0">
+              <a:solidFill>
+                <a:schemeClr val="tx1"/>
+              </a:solidFill>
+            </a:endParaRPr>
+          </a:p>
+        </p:txBody>
+      </p:sp>
+      <p:sp>
+        <p:nvSpPr>
+          <p:cNvPr id="682" name="矩形 681">
+            <a:extLst>
+              <a:ext uri="{FF2B5EF4-FFF2-40B4-BE49-F238E27FC236}">
+                <a16:creationId xmlns:a16="http://schemas.microsoft.com/office/drawing/2014/main" id="{EE0351C8-FA92-4A7A-9AA9-E6A2FFDF5EB6}"/>
+              </a:ext>
+            </a:extLst>
+          </p:cNvPr>
+          <p:cNvSpPr/>
+          <p:nvPr/>
+        </p:nvSpPr>
+        <p:spPr>
+          <a:xfrm>
+            <a:off x="4884969" y="921325"/>
+            <a:ext cx="1028131" cy="310533"/>
+          </a:xfrm>
+          <a:prstGeom prst="rect">
+            <a:avLst/>
+          </a:prstGeom>
+          <a:solidFill>
+            <a:srgbClr val="FFC000"/>
+          </a:solidFill>
+          <a:ln>
+            <a:solidFill>
+              <a:schemeClr val="tx1"/>
+            </a:solidFill>
+          </a:ln>
+        </p:spPr>
+        <p:style>
+          <a:lnRef idx="2">
+            <a:schemeClr val="accent1">
+              <a:shade val="50000"/>
+            </a:schemeClr>
+          </a:lnRef>
+          <a:fillRef idx="1">
+            <a:schemeClr val="accent1"/>
+          </a:fillRef>
+          <a:effectRef idx="0">
+            <a:schemeClr val="accent1"/>
+          </a:effectRef>
+          <a:fontRef idx="minor">
+            <a:schemeClr val="lt1"/>
+          </a:fontRef>
+        </p:style>
+        <p:txBody>
+          <a:bodyPr rtlCol="0" anchor="ctr"/>
+          <a:lstStyle/>
+          <a:p>
+            <a:pPr algn="ctr"/>
+            <a:r>
+              <a:rPr lang="en-US" altLang="zh-CN" sz="1400" dirty="0" err="1">
+                <a:solidFill>
+                  <a:schemeClr val="tx1"/>
+                </a:solidFill>
+              </a:rPr>
+              <a:t>hd</a:t>
+            </a:r>
+            <a:endParaRPr lang="zh-CN" altLang="en-US" sz="1400" dirty="0">
+              <a:solidFill>
+                <a:schemeClr val="tx1"/>
+              </a:solidFill>
+            </a:endParaRPr>
+          </a:p>
+        </p:txBody>
+      </p:sp>
+      <p:sp>
+        <p:nvSpPr>
+          <p:cNvPr id="683" name="矩形 682">
+            <a:extLst>
+              <a:ext uri="{FF2B5EF4-FFF2-40B4-BE49-F238E27FC236}">
+                <a16:creationId xmlns:a16="http://schemas.microsoft.com/office/drawing/2014/main" id="{8A40A8C0-EBCF-4FA6-B617-B113DD52E27C}"/>
+              </a:ext>
+            </a:extLst>
+          </p:cNvPr>
+          <p:cNvSpPr/>
+          <p:nvPr/>
+        </p:nvSpPr>
+        <p:spPr>
+          <a:xfrm>
+            <a:off x="4878753" y="1296359"/>
+            <a:ext cx="1028131" cy="310533"/>
+          </a:xfrm>
+          <a:prstGeom prst="rect">
+            <a:avLst/>
+          </a:prstGeom>
+          <a:solidFill>
+            <a:srgbClr val="FFC000"/>
+          </a:solidFill>
+          <a:ln>
+            <a:solidFill>
+              <a:schemeClr val="tx1"/>
+            </a:solidFill>
+          </a:ln>
+        </p:spPr>
+        <p:style>
+          <a:lnRef idx="2">
+            <a:schemeClr val="accent1">
+              <a:shade val="50000"/>
+            </a:schemeClr>
+          </a:lnRef>
+          <a:fillRef idx="1">
+            <a:schemeClr val="accent1"/>
+          </a:fillRef>
+          <a:effectRef idx="0">
+            <a:schemeClr val="accent1"/>
+          </a:effectRef>
+          <a:fontRef idx="minor">
+            <a:schemeClr val="lt1"/>
+          </a:fontRef>
+        </p:style>
+        <p:txBody>
+          <a:bodyPr rtlCol="0" anchor="ctr"/>
+          <a:lstStyle/>
+          <a:p>
+            <a:pPr algn="ctr"/>
+            <a:r>
+              <a:rPr lang="en-US" altLang="zh-CN" sz="1400" dirty="0" err="1">
+                <a:solidFill>
+                  <a:schemeClr val="tx1"/>
+                </a:solidFill>
+              </a:rPr>
+              <a:t>tl</a:t>
+            </a:r>
+            <a:endParaRPr lang="zh-CN" altLang="en-US" sz="1400" dirty="0">
+              <a:solidFill>
+                <a:schemeClr val="tx1"/>
+              </a:solidFill>
+            </a:endParaRPr>
+          </a:p>
+        </p:txBody>
+      </p:sp>
+      <p:cxnSp>
+        <p:nvCxnSpPr>
+          <p:cNvPr id="684" name="连接符: 肘形 683">
+            <a:extLst>
+              <a:ext uri="{FF2B5EF4-FFF2-40B4-BE49-F238E27FC236}">
+                <a16:creationId xmlns:a16="http://schemas.microsoft.com/office/drawing/2014/main" id="{98618859-7114-4A3A-B264-2D21A48F75B8}"/>
+              </a:ext>
+            </a:extLst>
+          </p:cNvPr>
+          <p:cNvCxnSpPr>
+            <a:cxnSpLocks/>
+            <a:stCxn id="500" idx="3"/>
+            <a:endCxn id="680" idx="1"/>
+          </p:cNvCxnSpPr>
+          <p:nvPr/>
+        </p:nvCxnSpPr>
+        <p:spPr>
+          <a:xfrm flipV="1">
+            <a:off x="3464967" y="321556"/>
+            <a:ext cx="1426348" cy="13203"/>
+          </a:xfrm>
+          <a:prstGeom prst="bentConnector3">
+            <a:avLst>
+              <a:gd name="adj1" fmla="val 50000"/>
+            </a:avLst>
+          </a:prstGeom>
+          <a:ln>
+            <a:tailEnd type="triangle"/>
+          </a:ln>
+        </p:spPr>
+        <p:style>
+          <a:lnRef idx="1">
+            <a:schemeClr val="accent1"/>
+          </a:lnRef>
+          <a:fillRef idx="0">
+            <a:schemeClr val="accent1"/>
+          </a:fillRef>
+          <a:effectRef idx="0">
+            <a:schemeClr val="accent1"/>
+          </a:effectRef>
+          <a:fontRef idx="minor">
+            <a:schemeClr val="tx1"/>
+          </a:fontRef>
+        </p:style>
+      </p:cxnSp>
+      <p:cxnSp>
+        <p:nvCxnSpPr>
+          <p:cNvPr id="687" name="连接符: 肘形 686">
+            <a:extLst>
+              <a:ext uri="{FF2B5EF4-FFF2-40B4-BE49-F238E27FC236}">
+                <a16:creationId xmlns:a16="http://schemas.microsoft.com/office/drawing/2014/main" id="{57CCDAD5-76EA-4CCB-B9C6-4F2215516B55}"/>
+              </a:ext>
+            </a:extLst>
+          </p:cNvPr>
+          <p:cNvCxnSpPr>
+            <a:cxnSpLocks/>
+            <a:stCxn id="500" idx="3"/>
+            <a:endCxn id="681" idx="1"/>
+          </p:cNvCxnSpPr>
+          <p:nvPr/>
+        </p:nvCxnSpPr>
+        <p:spPr>
+          <a:xfrm>
+            <a:off x="3464967" y="334759"/>
+            <a:ext cx="1420002" cy="359877"/>
+          </a:xfrm>
+          <a:prstGeom prst="bentConnector3">
+            <a:avLst>
+              <a:gd name="adj1" fmla="val 50000"/>
+            </a:avLst>
+          </a:prstGeom>
+          <a:ln>
+            <a:tailEnd type="triangle"/>
+          </a:ln>
+        </p:spPr>
+        <p:style>
+          <a:lnRef idx="1">
+            <a:schemeClr val="accent1"/>
+          </a:lnRef>
+          <a:fillRef idx="0">
+            <a:schemeClr val="accent1"/>
+          </a:fillRef>
+          <a:effectRef idx="0">
+            <a:schemeClr val="accent1"/>
+          </a:effectRef>
+          <a:fontRef idx="minor">
+            <a:schemeClr val="tx1"/>
+          </a:fontRef>
+        </p:style>
+      </p:cxnSp>
+      <p:cxnSp>
+        <p:nvCxnSpPr>
+          <p:cNvPr id="690" name="连接符: 肘形 689">
+            <a:extLst>
+              <a:ext uri="{FF2B5EF4-FFF2-40B4-BE49-F238E27FC236}">
+                <a16:creationId xmlns:a16="http://schemas.microsoft.com/office/drawing/2014/main" id="{877A8BCF-BE05-40BF-856E-B9D5429E4AF4}"/>
+              </a:ext>
+            </a:extLst>
+          </p:cNvPr>
+          <p:cNvCxnSpPr>
+            <a:cxnSpLocks/>
+            <a:stCxn id="500" idx="3"/>
+            <a:endCxn id="682" idx="1"/>
+          </p:cNvCxnSpPr>
+          <p:nvPr/>
+        </p:nvCxnSpPr>
+        <p:spPr>
+          <a:xfrm>
+            <a:off x="3464967" y="334759"/>
+            <a:ext cx="1420002" cy="741833"/>
+          </a:xfrm>
+          <a:prstGeom prst="bentConnector3">
+            <a:avLst>
+              <a:gd name="adj1" fmla="val 50000"/>
+            </a:avLst>
+          </a:prstGeom>
+          <a:ln>
+            <a:tailEnd type="triangle"/>
+          </a:ln>
+        </p:spPr>
+        <p:style>
+          <a:lnRef idx="1">
+            <a:schemeClr val="accent1"/>
+          </a:lnRef>
+          <a:fillRef idx="0">
+            <a:schemeClr val="accent1"/>
+          </a:fillRef>
+          <a:effectRef idx="0">
+            <a:schemeClr val="accent1"/>
+          </a:effectRef>
+          <a:fontRef idx="minor">
+            <a:schemeClr val="tx1"/>
+          </a:fontRef>
+        </p:style>
+      </p:cxnSp>
+      <p:cxnSp>
+        <p:nvCxnSpPr>
+          <p:cNvPr id="693" name="连接符: 肘形 692">
+            <a:extLst>
+              <a:ext uri="{FF2B5EF4-FFF2-40B4-BE49-F238E27FC236}">
+                <a16:creationId xmlns:a16="http://schemas.microsoft.com/office/drawing/2014/main" id="{5F695AD8-977B-42E4-ACEC-560933581346}"/>
+              </a:ext>
+            </a:extLst>
+          </p:cNvPr>
+          <p:cNvCxnSpPr>
+            <a:cxnSpLocks/>
+            <a:stCxn id="500" idx="3"/>
+            <a:endCxn id="683" idx="1"/>
+          </p:cNvCxnSpPr>
+          <p:nvPr/>
+        </p:nvCxnSpPr>
+        <p:spPr>
+          <a:xfrm>
+            <a:off x="3464967" y="334759"/>
+            <a:ext cx="1413786" cy="1116867"/>
+          </a:xfrm>
+          <a:prstGeom prst="bentConnector3">
+            <a:avLst>
+              <a:gd name="adj1" fmla="val 50000"/>
+            </a:avLst>
+          </a:prstGeom>
+          <a:ln>
+            <a:tailEnd type="triangle"/>
+          </a:ln>
+        </p:spPr>
+        <p:style>
+          <a:lnRef idx="1">
+            <a:schemeClr val="accent1"/>
+          </a:lnRef>
+          <a:fillRef idx="0">
+            <a:schemeClr val="accent1"/>
+          </a:fillRef>
+          <a:effectRef idx="0">
+            <a:schemeClr val="accent1"/>
+          </a:effectRef>
+          <a:fontRef idx="minor">
+            <a:schemeClr val="tx1"/>
+          </a:fontRef>
+        </p:style>
+      </p:cxnSp>
+      <p:sp>
+        <p:nvSpPr>
+          <p:cNvPr id="702" name="矩形 701">
+            <a:extLst>
+              <a:ext uri="{FF2B5EF4-FFF2-40B4-BE49-F238E27FC236}">
+                <a16:creationId xmlns:a16="http://schemas.microsoft.com/office/drawing/2014/main" id="{E15CB855-DD9E-4B09-AE73-D692CEA4872F}"/>
+              </a:ext>
+            </a:extLst>
+          </p:cNvPr>
+          <p:cNvSpPr/>
+          <p:nvPr/>
+        </p:nvSpPr>
+        <p:spPr>
+          <a:xfrm>
+            <a:off x="4878752" y="1800914"/>
+            <a:ext cx="1028131" cy="310533"/>
+          </a:xfrm>
+          <a:prstGeom prst="rect">
+            <a:avLst/>
+          </a:prstGeom>
+          <a:solidFill>
+            <a:srgbClr val="FFC000"/>
+          </a:solidFill>
+          <a:ln>
+            <a:solidFill>
+              <a:schemeClr val="tx1"/>
+            </a:solidFill>
+          </a:ln>
+        </p:spPr>
+        <p:style>
+          <a:lnRef idx="2">
+            <a:schemeClr val="accent1">
+              <a:shade val="50000"/>
+            </a:schemeClr>
+          </a:lnRef>
+          <a:fillRef idx="1">
+            <a:schemeClr val="accent1"/>
+          </a:fillRef>
+          <a:effectRef idx="0">
+            <a:schemeClr val="accent1"/>
+          </a:effectRef>
+          <a:fontRef idx="minor">
+            <a:schemeClr val="lt1"/>
+          </a:fontRef>
+        </p:style>
+        <p:txBody>
+          <a:bodyPr rtlCol="0" anchor="ctr"/>
+          <a:lstStyle/>
+          <a:p>
+            <a:pPr algn="ctr"/>
+            <a:r>
+              <a:rPr lang="en-US" altLang="zh-CN" sz="1400" dirty="0" err="1">
+                <a:solidFill>
+                  <a:schemeClr val="tx1"/>
+                </a:solidFill>
+              </a:rPr>
+              <a:t>iszero</a:t>
+            </a:r>
+            <a:endParaRPr lang="zh-CN" altLang="en-US" sz="1400" dirty="0">
+              <a:solidFill>
+                <a:schemeClr val="tx1"/>
+              </a:solidFill>
+            </a:endParaRPr>
+          </a:p>
+        </p:txBody>
+      </p:sp>
+      <p:sp>
+        <p:nvSpPr>
+          <p:cNvPr id="703" name="矩形 702">
+            <a:extLst>
+              <a:ext uri="{FF2B5EF4-FFF2-40B4-BE49-F238E27FC236}">
+                <a16:creationId xmlns:a16="http://schemas.microsoft.com/office/drawing/2014/main" id="{2358F5E8-90C6-4BF0-8384-CA03DE9BFB0C}"/>
+              </a:ext>
+            </a:extLst>
+          </p:cNvPr>
+          <p:cNvSpPr/>
+          <p:nvPr/>
+        </p:nvSpPr>
+        <p:spPr>
+          <a:xfrm>
+            <a:off x="4875170" y="2194728"/>
+            <a:ext cx="1028131" cy="310533"/>
+          </a:xfrm>
+          <a:prstGeom prst="rect">
+            <a:avLst/>
+          </a:prstGeom>
+          <a:solidFill>
+            <a:srgbClr val="FFC000"/>
+          </a:solidFill>
+          <a:ln>
+            <a:solidFill>
+              <a:schemeClr val="tx1"/>
+            </a:solidFill>
+          </a:ln>
+        </p:spPr>
+        <p:style>
+          <a:lnRef idx="2">
+            <a:schemeClr val="accent1">
+              <a:shade val="50000"/>
+            </a:schemeClr>
+          </a:lnRef>
+          <a:fillRef idx="1">
+            <a:schemeClr val="accent1"/>
+          </a:fillRef>
+          <a:effectRef idx="0">
+            <a:schemeClr val="accent1"/>
+          </a:effectRef>
+          <a:fontRef idx="minor">
+            <a:schemeClr val="lt1"/>
+          </a:fontRef>
+        </p:style>
+        <p:txBody>
+          <a:bodyPr rtlCol="0" anchor="ctr"/>
+          <a:lstStyle/>
+          <a:p>
+            <a:pPr algn="ctr"/>
+            <a:r>
+              <a:rPr lang="en-US" altLang="zh-CN" sz="1400" dirty="0" err="1">
+                <a:solidFill>
+                  <a:schemeClr val="tx1"/>
+                </a:solidFill>
+              </a:rPr>
+              <a:t>pred</a:t>
+            </a:r>
+            <a:endParaRPr lang="zh-CN" altLang="en-US" sz="1400" dirty="0">
+              <a:solidFill>
+                <a:schemeClr val="tx1"/>
+              </a:solidFill>
+            </a:endParaRPr>
+          </a:p>
+        </p:txBody>
+      </p:sp>
+      <p:sp>
+        <p:nvSpPr>
+          <p:cNvPr id="704" name="矩形 703">
+            <a:extLst>
+              <a:ext uri="{FF2B5EF4-FFF2-40B4-BE49-F238E27FC236}">
+                <a16:creationId xmlns:a16="http://schemas.microsoft.com/office/drawing/2014/main" id="{23E0B00E-8D9F-4B63-850B-F4362DE9C620}"/>
+              </a:ext>
+            </a:extLst>
+          </p:cNvPr>
+          <p:cNvSpPr/>
+          <p:nvPr/>
+        </p:nvSpPr>
+        <p:spPr>
+          <a:xfrm>
+            <a:off x="4884969" y="2589732"/>
+            <a:ext cx="1028131" cy="310533"/>
+          </a:xfrm>
+          <a:prstGeom prst="rect">
+            <a:avLst/>
+          </a:prstGeom>
+          <a:solidFill>
+            <a:srgbClr val="FFC000"/>
+          </a:solidFill>
+          <a:ln>
+            <a:solidFill>
+              <a:schemeClr val="tx1"/>
+            </a:solidFill>
+          </a:ln>
+        </p:spPr>
+        <p:style>
+          <a:lnRef idx="2">
+            <a:schemeClr val="accent1">
+              <a:shade val="50000"/>
+            </a:schemeClr>
+          </a:lnRef>
+          <a:fillRef idx="1">
+            <a:schemeClr val="accent1"/>
+          </a:fillRef>
+          <a:effectRef idx="0">
+            <a:schemeClr val="accent1"/>
+          </a:effectRef>
+          <a:fontRef idx="minor">
+            <a:schemeClr val="lt1"/>
+          </a:fontRef>
+        </p:style>
+        <p:txBody>
+          <a:bodyPr rtlCol="0" anchor="ctr"/>
+          <a:lstStyle/>
+          <a:p>
+            <a:pPr algn="ctr"/>
+            <a:r>
+              <a:rPr lang="en-US" altLang="zh-CN" sz="1400" dirty="0" err="1">
+                <a:solidFill>
+                  <a:schemeClr val="tx1"/>
+                </a:solidFill>
+              </a:rPr>
+              <a:t>succ</a:t>
+            </a:r>
+            <a:endParaRPr lang="zh-CN" altLang="en-US" sz="1400" dirty="0">
+              <a:solidFill>
+                <a:schemeClr val="tx1"/>
+              </a:solidFill>
+            </a:endParaRPr>
+          </a:p>
+        </p:txBody>
+      </p:sp>
+      <p:cxnSp>
+        <p:nvCxnSpPr>
+          <p:cNvPr id="705" name="连接符: 肘形 704">
+            <a:extLst>
+              <a:ext uri="{FF2B5EF4-FFF2-40B4-BE49-F238E27FC236}">
+                <a16:creationId xmlns:a16="http://schemas.microsoft.com/office/drawing/2014/main" id="{138CF3E0-2AD3-4B44-8CAD-475CFDB02546}"/>
+              </a:ext>
+            </a:extLst>
+          </p:cNvPr>
+          <p:cNvCxnSpPr>
+            <a:cxnSpLocks/>
+            <a:stCxn id="500" idx="3"/>
+            <a:endCxn id="702" idx="1"/>
+          </p:cNvCxnSpPr>
+          <p:nvPr/>
+        </p:nvCxnSpPr>
+        <p:spPr>
+          <a:xfrm>
+            <a:off x="3464967" y="334759"/>
+            <a:ext cx="1413785" cy="1621422"/>
+          </a:xfrm>
+          <a:prstGeom prst="bentConnector3">
+            <a:avLst>
+              <a:gd name="adj1" fmla="val 50000"/>
+            </a:avLst>
+          </a:prstGeom>
+          <a:ln>
+            <a:tailEnd type="triangle"/>
+          </a:ln>
+        </p:spPr>
+        <p:style>
+          <a:lnRef idx="1">
+            <a:schemeClr val="accent1"/>
+          </a:lnRef>
+          <a:fillRef idx="0">
+            <a:schemeClr val="accent1"/>
+          </a:fillRef>
+          <a:effectRef idx="0">
+            <a:schemeClr val="accent1"/>
+          </a:effectRef>
+          <a:fontRef idx="minor">
+            <a:schemeClr val="tx1"/>
+          </a:fontRef>
+        </p:style>
+      </p:cxnSp>
+      <p:cxnSp>
+        <p:nvCxnSpPr>
+          <p:cNvPr id="708" name="连接符: 肘形 707">
+            <a:extLst>
+              <a:ext uri="{FF2B5EF4-FFF2-40B4-BE49-F238E27FC236}">
+                <a16:creationId xmlns:a16="http://schemas.microsoft.com/office/drawing/2014/main" id="{9B9A8EDD-66AC-40BC-8F83-C52D3247FA4E}"/>
+              </a:ext>
+            </a:extLst>
+          </p:cNvPr>
+          <p:cNvCxnSpPr>
+            <a:cxnSpLocks/>
+            <a:stCxn id="500" idx="3"/>
+            <a:endCxn id="703" idx="1"/>
+          </p:cNvCxnSpPr>
+          <p:nvPr/>
+        </p:nvCxnSpPr>
+        <p:spPr>
+          <a:xfrm>
+            <a:off x="3464967" y="334759"/>
+            <a:ext cx="1410203" cy="2015236"/>
+          </a:xfrm>
+          <a:prstGeom prst="bentConnector3">
+            <a:avLst>
+              <a:gd name="adj1" fmla="val 50000"/>
+            </a:avLst>
+          </a:prstGeom>
+          <a:ln>
+            <a:tailEnd type="triangle"/>
+          </a:ln>
+        </p:spPr>
+        <p:style>
+          <a:lnRef idx="1">
+            <a:schemeClr val="accent1"/>
+          </a:lnRef>
+          <a:fillRef idx="0">
+            <a:schemeClr val="accent1"/>
+          </a:fillRef>
+          <a:effectRef idx="0">
+            <a:schemeClr val="accent1"/>
+          </a:effectRef>
+          <a:fontRef idx="minor">
+            <a:schemeClr val="tx1"/>
+          </a:fontRef>
+        </p:style>
+      </p:cxnSp>
+      <p:cxnSp>
+        <p:nvCxnSpPr>
+          <p:cNvPr id="711" name="连接符: 肘形 710">
+            <a:extLst>
+              <a:ext uri="{FF2B5EF4-FFF2-40B4-BE49-F238E27FC236}">
+                <a16:creationId xmlns:a16="http://schemas.microsoft.com/office/drawing/2014/main" id="{BEF66E73-A582-40BF-8D2C-04CA02294348}"/>
+              </a:ext>
+            </a:extLst>
+          </p:cNvPr>
+          <p:cNvCxnSpPr>
+            <a:cxnSpLocks/>
+            <a:stCxn id="500" idx="3"/>
+            <a:endCxn id="704" idx="1"/>
+          </p:cNvCxnSpPr>
+          <p:nvPr/>
+        </p:nvCxnSpPr>
+        <p:spPr>
+          <a:xfrm>
+            <a:off x="3464967" y="334759"/>
+            <a:ext cx="1420002" cy="2410240"/>
+          </a:xfrm>
+          <a:prstGeom prst="bentConnector3">
+            <a:avLst>
+              <a:gd name="adj1" fmla="val 50000"/>
+            </a:avLst>
+          </a:prstGeom>
+          <a:ln>
+            <a:tailEnd type="triangle"/>
+          </a:ln>
+        </p:spPr>
+        <p:style>
+          <a:lnRef idx="1">
+            <a:schemeClr val="accent1"/>
+          </a:lnRef>
+          <a:fillRef idx="0">
+            <a:schemeClr val="accent1"/>
+          </a:fillRef>
+          <a:effectRef idx="0">
+            <a:schemeClr val="accent1"/>
+          </a:effectRef>
+          <a:fontRef idx="minor">
+            <a:schemeClr val="tx1"/>
+          </a:fontRef>
+        </p:style>
+      </p:cxnSp>
+      <p:sp>
+        <p:nvSpPr>
+          <p:cNvPr id="737" name="矩形 736">
+            <a:extLst>
+              <a:ext uri="{FF2B5EF4-FFF2-40B4-BE49-F238E27FC236}">
+                <a16:creationId xmlns:a16="http://schemas.microsoft.com/office/drawing/2014/main" id="{935B76E4-9C31-4CD7-8D54-DD12BB93C1DC}"/>
+              </a:ext>
+            </a:extLst>
+          </p:cNvPr>
+          <p:cNvSpPr/>
+          <p:nvPr/>
+        </p:nvSpPr>
+        <p:spPr>
+          <a:xfrm>
+            <a:off x="6854661" y="4348878"/>
+            <a:ext cx="1250326" cy="525078"/>
+          </a:xfrm>
+          <a:prstGeom prst="rect">
+            <a:avLst/>
+          </a:prstGeom>
+          <a:solidFill>
+            <a:schemeClr val="bg1"/>
+          </a:solidFill>
+          <a:ln>
+            <a:solidFill>
+              <a:schemeClr val="tx1"/>
+            </a:solidFill>
+          </a:ln>
+        </p:spPr>
+        <p:style>
+          <a:lnRef idx="2">
+            <a:schemeClr val="accent1">
+              <a:shade val="50000"/>
+            </a:schemeClr>
+          </a:lnRef>
+          <a:fillRef idx="1">
+            <a:schemeClr val="accent1"/>
+          </a:fillRef>
+          <a:effectRef idx="0">
+            <a:schemeClr val="accent1"/>
+          </a:effectRef>
+          <a:fontRef idx="minor">
+            <a:schemeClr val="lt1"/>
+          </a:fontRef>
+        </p:style>
+        <p:txBody>
+          <a:bodyPr rtlCol="0" anchor="ctr"/>
+          <a:lstStyle/>
+          <a:p>
+            <a:pPr algn="ctr"/>
+            <a:r>
+              <a:rPr lang="en-US" altLang="zh-CN" sz="3200" b="1" dirty="0">
+                <a:solidFill>
+                  <a:schemeClr val="tx1"/>
+                </a:solidFill>
+              </a:rPr>
+              <a:t>Type</a:t>
+            </a:r>
+            <a:endParaRPr lang="zh-CN" altLang="en-US" sz="3200" b="1" dirty="0">
+              <a:solidFill>
+                <a:schemeClr val="tx1"/>
+              </a:solidFill>
+            </a:endParaRPr>
+          </a:p>
+        </p:txBody>
+      </p:sp>
+      <p:sp>
+        <p:nvSpPr>
+          <p:cNvPr id="738" name="矩形 737">
+            <a:extLst>
+              <a:ext uri="{FF2B5EF4-FFF2-40B4-BE49-F238E27FC236}">
+                <a16:creationId xmlns:a16="http://schemas.microsoft.com/office/drawing/2014/main" id="{BC56FD61-E006-44D3-AB40-2FF6ADE139BF}"/>
+              </a:ext>
+            </a:extLst>
+          </p:cNvPr>
+          <p:cNvSpPr/>
+          <p:nvPr/>
+        </p:nvSpPr>
+        <p:spPr>
+          <a:xfrm>
+            <a:off x="10562785" y="6064172"/>
+            <a:ext cx="1028131" cy="310533"/>
+          </a:xfrm>
+          <a:prstGeom prst="rect">
+            <a:avLst/>
+          </a:prstGeom>
+          <a:solidFill>
+            <a:srgbClr val="92D050"/>
+          </a:solidFill>
+          <a:ln>
+            <a:solidFill>
+              <a:schemeClr val="tx1"/>
+            </a:solidFill>
+          </a:ln>
+        </p:spPr>
+        <p:style>
+          <a:lnRef idx="2">
+            <a:schemeClr val="accent1">
+              <a:shade val="50000"/>
+            </a:schemeClr>
+          </a:lnRef>
+          <a:fillRef idx="1">
+            <a:schemeClr val="accent1"/>
+          </a:fillRef>
+          <a:effectRef idx="0">
+            <a:schemeClr val="accent1"/>
+          </a:effectRef>
+          <a:fontRef idx="minor">
+            <a:schemeClr val="lt1"/>
+          </a:fontRef>
+        </p:style>
+        <p:txBody>
+          <a:bodyPr rtlCol="0" anchor="ctr"/>
+          <a:lstStyle/>
+          <a:p>
+            <a:pPr algn="ctr"/>
+            <a:r>
+              <a:rPr lang="en-US" altLang="zh-CN" sz="1400" dirty="0" err="1">
+                <a:solidFill>
+                  <a:schemeClr val="tx1"/>
+                </a:solidFill>
+              </a:rPr>
+              <a:t>IntType</a:t>
+            </a:r>
+            <a:endParaRPr lang="zh-CN" altLang="en-US" sz="1400" dirty="0">
+              <a:solidFill>
+                <a:schemeClr val="tx1"/>
+              </a:solidFill>
+            </a:endParaRPr>
+          </a:p>
+        </p:txBody>
+      </p:sp>
+      <p:sp>
+        <p:nvSpPr>
+          <p:cNvPr id="739" name="矩形 738">
+            <a:extLst>
+              <a:ext uri="{FF2B5EF4-FFF2-40B4-BE49-F238E27FC236}">
+                <a16:creationId xmlns:a16="http://schemas.microsoft.com/office/drawing/2014/main" id="{4849B944-0141-4978-9E95-036D85518DEE}"/>
+              </a:ext>
+            </a:extLst>
+          </p:cNvPr>
+          <p:cNvSpPr/>
+          <p:nvPr/>
+        </p:nvSpPr>
+        <p:spPr>
+          <a:xfrm>
+            <a:off x="10562786" y="4859378"/>
+            <a:ext cx="1028131" cy="310533"/>
+          </a:xfrm>
+          <a:prstGeom prst="rect">
+            <a:avLst/>
+          </a:prstGeom>
+          <a:solidFill>
+            <a:srgbClr val="92D050"/>
+          </a:solidFill>
+          <a:ln>
+            <a:solidFill>
+              <a:schemeClr val="tx1"/>
+            </a:solidFill>
+          </a:ln>
+        </p:spPr>
+        <p:style>
+          <a:lnRef idx="2">
+            <a:schemeClr val="accent1">
+              <a:shade val="50000"/>
+            </a:schemeClr>
+          </a:lnRef>
+          <a:fillRef idx="1">
+            <a:schemeClr val="accent1"/>
+          </a:fillRef>
+          <a:effectRef idx="0">
+            <a:schemeClr val="accent1"/>
+          </a:effectRef>
+          <a:fontRef idx="minor">
+            <a:schemeClr val="lt1"/>
+          </a:fontRef>
+        </p:style>
+        <p:txBody>
+          <a:bodyPr rtlCol="0" anchor="ctr"/>
+          <a:lstStyle/>
+          <a:p>
+            <a:pPr algn="ctr"/>
+            <a:r>
+              <a:rPr lang="en-US" altLang="zh-CN" sz="1400" dirty="0" err="1">
+                <a:solidFill>
+                  <a:schemeClr val="tx1"/>
+                </a:solidFill>
+              </a:rPr>
+              <a:t>PairType</a:t>
+            </a:r>
+            <a:endParaRPr lang="zh-CN" altLang="en-US" sz="1400" dirty="0">
+              <a:solidFill>
+                <a:schemeClr val="tx1"/>
+              </a:solidFill>
+            </a:endParaRPr>
+          </a:p>
+        </p:txBody>
+      </p:sp>
+      <p:sp>
+        <p:nvSpPr>
+          <p:cNvPr id="740" name="矩形 739">
+            <a:extLst>
+              <a:ext uri="{FF2B5EF4-FFF2-40B4-BE49-F238E27FC236}">
+                <a16:creationId xmlns:a16="http://schemas.microsoft.com/office/drawing/2014/main" id="{E9CE8215-BD98-4489-9052-0D187EAC4794}"/>
+              </a:ext>
+            </a:extLst>
+          </p:cNvPr>
+          <p:cNvSpPr/>
+          <p:nvPr/>
+        </p:nvSpPr>
+        <p:spPr>
+          <a:xfrm>
+            <a:off x="10562786" y="5659885"/>
+            <a:ext cx="1028131" cy="310533"/>
+          </a:xfrm>
+          <a:prstGeom prst="rect">
+            <a:avLst/>
+          </a:prstGeom>
+          <a:solidFill>
+            <a:srgbClr val="92D050"/>
+          </a:solidFill>
+          <a:ln>
+            <a:solidFill>
+              <a:schemeClr val="tx1"/>
+            </a:solidFill>
+          </a:ln>
+        </p:spPr>
+        <p:style>
+          <a:lnRef idx="2">
+            <a:schemeClr val="accent1">
+              <a:shade val="50000"/>
+            </a:schemeClr>
+          </a:lnRef>
+          <a:fillRef idx="1">
+            <a:schemeClr val="accent1"/>
+          </a:fillRef>
+          <a:effectRef idx="0">
+            <a:schemeClr val="accent1"/>
+          </a:effectRef>
+          <a:fontRef idx="minor">
+            <a:schemeClr val="lt1"/>
+          </a:fontRef>
+        </p:style>
+        <p:txBody>
+          <a:bodyPr rtlCol="0" anchor="ctr"/>
+          <a:lstStyle/>
+          <a:p>
+            <a:pPr algn="ctr"/>
+            <a:r>
+              <a:rPr lang="en-US" altLang="zh-CN" sz="1400" dirty="0" err="1">
+                <a:solidFill>
+                  <a:schemeClr val="tx1"/>
+                </a:solidFill>
+              </a:rPr>
+              <a:t>RefType</a:t>
+            </a:r>
+            <a:endParaRPr lang="zh-CN" altLang="en-US" sz="1400" dirty="0">
+              <a:solidFill>
+                <a:schemeClr val="tx1"/>
+              </a:solidFill>
+            </a:endParaRPr>
+          </a:p>
+        </p:txBody>
+      </p:sp>
+      <p:sp>
+        <p:nvSpPr>
+          <p:cNvPr id="741" name="矩形 740">
+            <a:extLst>
+              <a:ext uri="{FF2B5EF4-FFF2-40B4-BE49-F238E27FC236}">
+                <a16:creationId xmlns:a16="http://schemas.microsoft.com/office/drawing/2014/main" id="{4C6762F1-385A-480B-B0C7-2E5163C95431}"/>
+              </a:ext>
+            </a:extLst>
+          </p:cNvPr>
+          <p:cNvSpPr/>
+          <p:nvPr/>
+        </p:nvSpPr>
+        <p:spPr>
+          <a:xfrm>
+            <a:off x="10562786" y="4458208"/>
+            <a:ext cx="1028131" cy="310533"/>
+          </a:xfrm>
+          <a:prstGeom prst="rect">
+            <a:avLst/>
+          </a:prstGeom>
+          <a:solidFill>
+            <a:srgbClr val="92D050"/>
+          </a:solidFill>
+          <a:ln>
+            <a:solidFill>
+              <a:schemeClr val="tx1"/>
+            </a:solidFill>
+          </a:ln>
+        </p:spPr>
+        <p:style>
+          <a:lnRef idx="2">
+            <a:schemeClr val="accent1">
+              <a:shade val="50000"/>
+            </a:schemeClr>
+          </a:lnRef>
+          <a:fillRef idx="1">
+            <a:schemeClr val="accent1"/>
+          </a:fillRef>
+          <a:effectRef idx="0">
+            <a:schemeClr val="accent1"/>
+          </a:effectRef>
+          <a:fontRef idx="minor">
+            <a:schemeClr val="lt1"/>
+          </a:fontRef>
+        </p:style>
+        <p:txBody>
+          <a:bodyPr rtlCol="0" anchor="ctr"/>
+          <a:lstStyle/>
+          <a:p>
+            <a:pPr algn="ctr"/>
+            <a:r>
+              <a:rPr lang="en-US" altLang="zh-CN" sz="1400" dirty="0" err="1">
+                <a:solidFill>
+                  <a:schemeClr val="tx1"/>
+                </a:solidFill>
+              </a:rPr>
+              <a:t>UnitType</a:t>
+            </a:r>
+            <a:endParaRPr lang="zh-CN" altLang="en-US" sz="1400" dirty="0">
+              <a:solidFill>
+                <a:schemeClr val="tx1"/>
+              </a:solidFill>
+            </a:endParaRPr>
+          </a:p>
+        </p:txBody>
+      </p:sp>
+      <p:sp>
+        <p:nvSpPr>
+          <p:cNvPr id="742" name="矩形 741">
+            <a:extLst>
+              <a:ext uri="{FF2B5EF4-FFF2-40B4-BE49-F238E27FC236}">
+                <a16:creationId xmlns:a16="http://schemas.microsoft.com/office/drawing/2014/main" id="{B3D6510E-5031-4FD9-AA58-80A80CAE7739}"/>
+              </a:ext>
+            </a:extLst>
+          </p:cNvPr>
+          <p:cNvSpPr/>
+          <p:nvPr/>
+        </p:nvSpPr>
+        <p:spPr>
+          <a:xfrm>
+            <a:off x="10562783" y="5258902"/>
+            <a:ext cx="1028131" cy="310533"/>
+          </a:xfrm>
+          <a:prstGeom prst="rect">
+            <a:avLst/>
+          </a:prstGeom>
+          <a:solidFill>
+            <a:srgbClr val="92D050"/>
+          </a:solidFill>
+          <a:ln>
+            <a:solidFill>
+              <a:schemeClr val="tx1"/>
+            </a:solidFill>
+          </a:ln>
+        </p:spPr>
+        <p:style>
+          <a:lnRef idx="2">
+            <a:schemeClr val="accent1">
+              <a:shade val="50000"/>
+            </a:schemeClr>
+          </a:lnRef>
+          <a:fillRef idx="1">
+            <a:schemeClr val="accent1"/>
+          </a:fillRef>
+          <a:effectRef idx="0">
+            <a:schemeClr val="accent1"/>
+          </a:effectRef>
+          <a:fontRef idx="minor">
+            <a:schemeClr val="lt1"/>
+          </a:fontRef>
+        </p:style>
+        <p:txBody>
+          <a:bodyPr rtlCol="0" anchor="ctr"/>
+          <a:lstStyle/>
+          <a:p>
+            <a:pPr algn="ctr"/>
+            <a:r>
+              <a:rPr lang="en-US" altLang="zh-CN" sz="1400" dirty="0" err="1">
+                <a:solidFill>
+                  <a:schemeClr val="tx1"/>
+                </a:solidFill>
+              </a:rPr>
+              <a:t>TypeVar</a:t>
+            </a:r>
+            <a:endParaRPr lang="zh-CN" altLang="en-US" sz="1400" dirty="0">
+              <a:solidFill>
+                <a:schemeClr val="tx1"/>
+              </a:solidFill>
+            </a:endParaRPr>
+          </a:p>
+        </p:txBody>
+      </p:sp>
+      <p:sp>
+        <p:nvSpPr>
+          <p:cNvPr id="743" name="矩形 742">
+            <a:extLst>
+              <a:ext uri="{FF2B5EF4-FFF2-40B4-BE49-F238E27FC236}">
+                <a16:creationId xmlns:a16="http://schemas.microsoft.com/office/drawing/2014/main" id="{204DC6A6-969E-464B-9E95-8ACFEE89839E}"/>
+              </a:ext>
+            </a:extLst>
+          </p:cNvPr>
+          <p:cNvSpPr/>
+          <p:nvPr/>
+        </p:nvSpPr>
+        <p:spPr>
+          <a:xfrm>
+            <a:off x="10562782" y="6468459"/>
+            <a:ext cx="1028131" cy="310533"/>
+          </a:xfrm>
+          <a:prstGeom prst="rect">
+            <a:avLst/>
+          </a:prstGeom>
+          <a:solidFill>
+            <a:srgbClr val="92D050"/>
+          </a:solidFill>
+          <a:ln>
+            <a:solidFill>
+              <a:schemeClr val="tx1"/>
+            </a:solidFill>
+          </a:ln>
+        </p:spPr>
+        <p:style>
+          <a:lnRef idx="2">
+            <a:schemeClr val="accent1">
+              <a:shade val="50000"/>
+            </a:schemeClr>
+          </a:lnRef>
+          <a:fillRef idx="1">
+            <a:schemeClr val="accent1"/>
+          </a:fillRef>
+          <a:effectRef idx="0">
+            <a:schemeClr val="accent1"/>
+          </a:effectRef>
+          <a:fontRef idx="minor">
+            <a:schemeClr val="lt1"/>
+          </a:fontRef>
+        </p:style>
+        <p:txBody>
+          <a:bodyPr rtlCol="0" anchor="ctr"/>
+          <a:lstStyle/>
+          <a:p>
+            <a:pPr algn="ctr"/>
+            <a:r>
+              <a:rPr lang="en-US" altLang="zh-CN" sz="1400" dirty="0" err="1">
+                <a:solidFill>
+                  <a:schemeClr val="tx1"/>
+                </a:solidFill>
+              </a:rPr>
+              <a:t>ArrowType</a:t>
+            </a:r>
+            <a:endParaRPr lang="zh-CN" altLang="en-US" sz="1400" dirty="0">
+              <a:solidFill>
+                <a:schemeClr val="tx1"/>
+              </a:solidFill>
+            </a:endParaRPr>
+          </a:p>
+        </p:txBody>
+      </p:sp>
+      <p:cxnSp>
+        <p:nvCxnSpPr>
+          <p:cNvPr id="744" name="连接符: 肘形 743">
+            <a:extLst>
+              <a:ext uri="{FF2B5EF4-FFF2-40B4-BE49-F238E27FC236}">
+                <a16:creationId xmlns:a16="http://schemas.microsoft.com/office/drawing/2014/main" id="{5EF00102-4BC7-46D5-B794-4EE335BB5BCA}"/>
+              </a:ext>
+            </a:extLst>
+          </p:cNvPr>
+          <p:cNvCxnSpPr>
+            <a:cxnSpLocks/>
+            <a:stCxn id="737" idx="3"/>
+            <a:endCxn id="741" idx="1"/>
+          </p:cNvCxnSpPr>
+          <p:nvPr/>
+        </p:nvCxnSpPr>
+        <p:spPr>
+          <a:xfrm>
+            <a:off x="8104987" y="4611417"/>
+            <a:ext cx="2457799" cy="2058"/>
+          </a:xfrm>
+          <a:prstGeom prst="bentConnector3">
+            <a:avLst>
+              <a:gd name="adj1" fmla="val 50000"/>
+            </a:avLst>
+          </a:prstGeom>
+          <a:ln>
+            <a:tailEnd type="triangle"/>
+          </a:ln>
+        </p:spPr>
+        <p:style>
+          <a:lnRef idx="1">
+            <a:schemeClr val="accent1"/>
+          </a:lnRef>
+          <a:fillRef idx="0">
+            <a:schemeClr val="accent1"/>
+          </a:fillRef>
+          <a:effectRef idx="0">
+            <a:schemeClr val="accent1"/>
+          </a:effectRef>
+          <a:fontRef idx="minor">
+            <a:schemeClr val="tx1"/>
+          </a:fontRef>
+        </p:style>
+      </p:cxnSp>
+      <p:cxnSp>
+        <p:nvCxnSpPr>
+          <p:cNvPr id="745" name="连接符: 肘形 744">
+            <a:extLst>
+              <a:ext uri="{FF2B5EF4-FFF2-40B4-BE49-F238E27FC236}">
+                <a16:creationId xmlns:a16="http://schemas.microsoft.com/office/drawing/2014/main" id="{E12020BF-C26E-4DA1-8578-055E0AF97510}"/>
+              </a:ext>
+            </a:extLst>
+          </p:cNvPr>
+          <p:cNvCxnSpPr>
+            <a:cxnSpLocks/>
+            <a:stCxn id="737" idx="3"/>
+            <a:endCxn id="739" idx="1"/>
+          </p:cNvCxnSpPr>
+          <p:nvPr/>
+        </p:nvCxnSpPr>
+        <p:spPr>
+          <a:xfrm>
+            <a:off x="8104987" y="4611417"/>
+            <a:ext cx="2457799" cy="403228"/>
+          </a:xfrm>
+          <a:prstGeom prst="bentConnector3">
+            <a:avLst>
+              <a:gd name="adj1" fmla="val 50000"/>
+            </a:avLst>
+          </a:prstGeom>
+          <a:ln>
+            <a:tailEnd type="triangle"/>
+          </a:ln>
+        </p:spPr>
+        <p:style>
+          <a:lnRef idx="1">
+            <a:schemeClr val="accent1"/>
+          </a:lnRef>
+          <a:fillRef idx="0">
+            <a:schemeClr val="accent1"/>
+          </a:fillRef>
+          <a:effectRef idx="0">
+            <a:schemeClr val="accent1"/>
+          </a:effectRef>
+          <a:fontRef idx="minor">
+            <a:schemeClr val="tx1"/>
+          </a:fontRef>
+        </p:style>
+      </p:cxnSp>
+      <p:cxnSp>
+        <p:nvCxnSpPr>
+          <p:cNvPr id="746" name="连接符: 肘形 745">
+            <a:extLst>
+              <a:ext uri="{FF2B5EF4-FFF2-40B4-BE49-F238E27FC236}">
+                <a16:creationId xmlns:a16="http://schemas.microsoft.com/office/drawing/2014/main" id="{A69000ED-0DB1-437E-8A4D-6FC3F66BD83E}"/>
+              </a:ext>
+            </a:extLst>
+          </p:cNvPr>
+          <p:cNvCxnSpPr>
+            <a:cxnSpLocks/>
+            <a:stCxn id="737" idx="3"/>
+            <a:endCxn id="742" idx="1"/>
+          </p:cNvCxnSpPr>
+          <p:nvPr/>
+        </p:nvCxnSpPr>
+        <p:spPr>
+          <a:xfrm>
+            <a:off x="8104987" y="4611417"/>
+            <a:ext cx="2457796" cy="802752"/>
+          </a:xfrm>
+          <a:prstGeom prst="bentConnector3">
+            <a:avLst>
+              <a:gd name="adj1" fmla="val 50000"/>
+            </a:avLst>
+          </a:prstGeom>
+          <a:ln>
+            <a:tailEnd type="triangle"/>
+          </a:ln>
+        </p:spPr>
+        <p:style>
+          <a:lnRef idx="1">
+            <a:schemeClr val="accent1"/>
+          </a:lnRef>
+          <a:fillRef idx="0">
+            <a:schemeClr val="accent1"/>
+          </a:fillRef>
+          <a:effectRef idx="0">
+            <a:schemeClr val="accent1"/>
+          </a:effectRef>
+          <a:fontRef idx="minor">
+            <a:schemeClr val="tx1"/>
+          </a:fontRef>
+        </p:style>
+      </p:cxnSp>
+      <p:cxnSp>
+        <p:nvCxnSpPr>
+          <p:cNvPr id="747" name="连接符: 肘形 746">
+            <a:extLst>
+              <a:ext uri="{FF2B5EF4-FFF2-40B4-BE49-F238E27FC236}">
+                <a16:creationId xmlns:a16="http://schemas.microsoft.com/office/drawing/2014/main" id="{4C14EFE2-9D0F-42E1-9EE8-94E749032CC7}"/>
+              </a:ext>
+            </a:extLst>
+          </p:cNvPr>
+          <p:cNvCxnSpPr>
+            <a:cxnSpLocks/>
+            <a:stCxn id="737" idx="3"/>
+            <a:endCxn id="740" idx="1"/>
+          </p:cNvCxnSpPr>
+          <p:nvPr/>
+        </p:nvCxnSpPr>
+        <p:spPr>
+          <a:xfrm>
+            <a:off x="8104987" y="4611417"/>
+            <a:ext cx="2457799" cy="1203735"/>
+          </a:xfrm>
+          <a:prstGeom prst="bentConnector3">
+            <a:avLst>
+              <a:gd name="adj1" fmla="val 50000"/>
+            </a:avLst>
+          </a:prstGeom>
+          <a:ln>
+            <a:tailEnd type="triangle"/>
+          </a:ln>
+        </p:spPr>
+        <p:style>
+          <a:lnRef idx="1">
+            <a:schemeClr val="accent1"/>
+          </a:lnRef>
+          <a:fillRef idx="0">
+            <a:schemeClr val="accent1"/>
+          </a:fillRef>
+          <a:effectRef idx="0">
+            <a:schemeClr val="accent1"/>
+          </a:effectRef>
+          <a:fontRef idx="minor">
+            <a:schemeClr val="tx1"/>
+          </a:fontRef>
+        </p:style>
+      </p:cxnSp>
+      <p:cxnSp>
+        <p:nvCxnSpPr>
+          <p:cNvPr id="748" name="连接符: 肘形 747">
+            <a:extLst>
+              <a:ext uri="{FF2B5EF4-FFF2-40B4-BE49-F238E27FC236}">
+                <a16:creationId xmlns:a16="http://schemas.microsoft.com/office/drawing/2014/main" id="{5A0091DA-3A6B-4D58-9DE6-B0F9653540BD}"/>
+              </a:ext>
+            </a:extLst>
+          </p:cNvPr>
+          <p:cNvCxnSpPr>
+            <a:cxnSpLocks/>
+            <a:stCxn id="737" idx="3"/>
+            <a:endCxn id="738" idx="1"/>
+          </p:cNvCxnSpPr>
+          <p:nvPr/>
+        </p:nvCxnSpPr>
+        <p:spPr>
+          <a:xfrm>
+            <a:off x="8104987" y="4611417"/>
+            <a:ext cx="2457798" cy="1608022"/>
+          </a:xfrm>
+          <a:prstGeom prst="bentConnector3">
+            <a:avLst>
+              <a:gd name="adj1" fmla="val 50000"/>
+            </a:avLst>
+          </a:prstGeom>
+          <a:ln>
+            <a:tailEnd type="triangle"/>
+          </a:ln>
+        </p:spPr>
+        <p:style>
+          <a:lnRef idx="1">
+            <a:schemeClr val="accent1"/>
+          </a:lnRef>
+          <a:fillRef idx="0">
+            <a:schemeClr val="accent1"/>
+          </a:fillRef>
+          <a:effectRef idx="0">
+            <a:schemeClr val="accent1"/>
+          </a:effectRef>
+          <a:fontRef idx="minor">
+            <a:schemeClr val="tx1"/>
+          </a:fontRef>
+        </p:style>
+      </p:cxnSp>
+      <p:cxnSp>
+        <p:nvCxnSpPr>
+          <p:cNvPr id="749" name="连接符: 肘形 748">
+            <a:extLst>
+              <a:ext uri="{FF2B5EF4-FFF2-40B4-BE49-F238E27FC236}">
+                <a16:creationId xmlns:a16="http://schemas.microsoft.com/office/drawing/2014/main" id="{94578F42-0211-497A-A101-3B55398FCC19}"/>
+              </a:ext>
+            </a:extLst>
+          </p:cNvPr>
+          <p:cNvCxnSpPr>
+            <a:cxnSpLocks/>
+            <a:stCxn id="737" idx="3"/>
+            <a:endCxn id="743" idx="1"/>
+          </p:cNvCxnSpPr>
+          <p:nvPr/>
+        </p:nvCxnSpPr>
+        <p:spPr>
+          <a:xfrm>
+            <a:off x="8104987" y="4611417"/>
+            <a:ext cx="2457795" cy="2012309"/>
+          </a:xfrm>
+          <a:prstGeom prst="bentConnector3">
+            <a:avLst>
+              <a:gd name="adj1" fmla="val 50000"/>
+            </a:avLst>
+          </a:prstGeom>
+          <a:ln>
+            <a:tailEnd type="triangle"/>
+          </a:ln>
+        </p:spPr>
+        <p:style>
+          <a:lnRef idx="1">
+            <a:schemeClr val="accent1"/>
+          </a:lnRef>
+          <a:fillRef idx="0">
+            <a:schemeClr val="accent1"/>
+          </a:fillRef>
+          <a:effectRef idx="0">
+            <a:schemeClr val="accent1"/>
+          </a:effectRef>
+          <a:fontRef idx="minor">
+            <a:schemeClr val="tx1"/>
+          </a:fontRef>
+        </p:style>
+      </p:cxnSp>
+      <p:sp>
+        <p:nvSpPr>
+          <p:cNvPr id="770" name="矩形 769">
+            <a:extLst>
+              <a:ext uri="{FF2B5EF4-FFF2-40B4-BE49-F238E27FC236}">
+                <a16:creationId xmlns:a16="http://schemas.microsoft.com/office/drawing/2014/main" id="{3AAF5038-9B7C-4B21-A579-9728C24997D9}"/>
+              </a:ext>
+            </a:extLst>
+          </p:cNvPr>
+          <p:cNvSpPr/>
+          <p:nvPr/>
+        </p:nvSpPr>
+        <p:spPr>
+          <a:xfrm>
+            <a:off x="783663" y="6263380"/>
+            <a:ext cx="2550918" cy="525078"/>
+          </a:xfrm>
+          <a:prstGeom prst="rect">
+            <a:avLst/>
+          </a:prstGeom>
+          <a:noFill/>
+          <a:ln>
+            <a:solidFill>
+              <a:schemeClr val="tx1"/>
+            </a:solidFill>
+          </a:ln>
+        </p:spPr>
+        <p:style>
+          <a:lnRef idx="2">
+            <a:schemeClr val="accent1">
+              <a:shade val="50000"/>
+            </a:schemeClr>
+          </a:lnRef>
+          <a:fillRef idx="1">
+            <a:schemeClr val="accent1"/>
+          </a:fillRef>
+          <a:effectRef idx="0">
+            <a:schemeClr val="accent1"/>
+          </a:effectRef>
+          <a:fontRef idx="minor">
+            <a:schemeClr val="lt1"/>
+          </a:fontRef>
+        </p:style>
+        <p:txBody>
+          <a:bodyPr rtlCol="0" anchor="ctr"/>
+          <a:lstStyle/>
+          <a:p>
+            <a:pPr algn="ctr"/>
+            <a:r>
+              <a:rPr lang="en-US" altLang="zh-CN" sz="3200" b="1" dirty="0" err="1">
+                <a:solidFill>
+                  <a:schemeClr val="tx1"/>
+                </a:solidFill>
+              </a:rPr>
+              <a:t>TypeResult</a:t>
+            </a:r>
+            <a:endParaRPr lang="zh-CN" altLang="en-US" sz="3200" b="1" dirty="0">
+              <a:solidFill>
+                <a:schemeClr val="tx1"/>
+              </a:solidFill>
+            </a:endParaRPr>
+          </a:p>
+        </p:txBody>
+      </p:sp>
+      <p:sp>
+        <p:nvSpPr>
+          <p:cNvPr id="771" name="矩形 770">
+            <a:extLst>
+              <a:ext uri="{FF2B5EF4-FFF2-40B4-BE49-F238E27FC236}">
+                <a16:creationId xmlns:a16="http://schemas.microsoft.com/office/drawing/2014/main" id="{3CB6D734-B25F-4D57-9EDD-A3D835107064}"/>
+              </a:ext>
+            </a:extLst>
+          </p:cNvPr>
+          <p:cNvSpPr/>
+          <p:nvPr/>
+        </p:nvSpPr>
+        <p:spPr>
+          <a:xfrm>
+            <a:off x="770752" y="5001235"/>
+            <a:ext cx="2550918" cy="525078"/>
+          </a:xfrm>
+          <a:prstGeom prst="rect">
+            <a:avLst/>
+          </a:prstGeom>
+          <a:noFill/>
+          <a:ln>
+            <a:solidFill>
+              <a:schemeClr val="tx1"/>
+            </a:solidFill>
+          </a:ln>
+        </p:spPr>
+        <p:style>
+          <a:lnRef idx="2">
+            <a:schemeClr val="accent1">
+              <a:shade val="50000"/>
+            </a:schemeClr>
+          </a:lnRef>
+          <a:fillRef idx="1">
+            <a:schemeClr val="accent1"/>
+          </a:fillRef>
+          <a:effectRef idx="0">
+            <a:schemeClr val="accent1"/>
+          </a:effectRef>
+          <a:fontRef idx="minor">
+            <a:schemeClr val="lt1"/>
+          </a:fontRef>
+        </p:style>
+        <p:txBody>
+          <a:bodyPr rtlCol="0" anchor="ctr"/>
+          <a:lstStyle/>
+          <a:p>
+            <a:pPr algn="ctr"/>
+            <a:r>
+              <a:rPr lang="en-US" altLang="zh-CN" sz="3200" b="1" dirty="0">
+                <a:solidFill>
+                  <a:schemeClr val="tx1"/>
+                </a:solidFill>
+              </a:rPr>
+              <a:t>Substitution</a:t>
+            </a:r>
+            <a:endParaRPr lang="zh-CN" altLang="en-US" sz="3200" b="1" dirty="0">
+              <a:solidFill>
+                <a:schemeClr val="tx1"/>
+              </a:solidFill>
+            </a:endParaRPr>
+          </a:p>
+        </p:txBody>
+      </p:sp>
+      <p:sp>
+        <p:nvSpPr>
+          <p:cNvPr id="772" name="矩形 771">
+            <a:extLst>
+              <a:ext uri="{FF2B5EF4-FFF2-40B4-BE49-F238E27FC236}">
+                <a16:creationId xmlns:a16="http://schemas.microsoft.com/office/drawing/2014/main" id="{BA3350F0-7BDF-4982-BD7B-8352C755A955}"/>
+              </a:ext>
+            </a:extLst>
+          </p:cNvPr>
+          <p:cNvSpPr/>
+          <p:nvPr/>
+        </p:nvSpPr>
+        <p:spPr>
+          <a:xfrm>
+            <a:off x="777666" y="5642950"/>
+            <a:ext cx="2483974" cy="525078"/>
+          </a:xfrm>
+          <a:prstGeom prst="rect">
+            <a:avLst/>
+          </a:prstGeom>
+          <a:noFill/>
+          <a:ln>
+            <a:solidFill>
+              <a:schemeClr val="tx1"/>
+            </a:solidFill>
+          </a:ln>
+        </p:spPr>
+        <p:style>
+          <a:lnRef idx="2">
+            <a:schemeClr val="accent1">
+              <a:shade val="50000"/>
+            </a:schemeClr>
+          </a:lnRef>
+          <a:fillRef idx="1">
+            <a:schemeClr val="accent1"/>
+          </a:fillRef>
+          <a:effectRef idx="0">
+            <a:schemeClr val="accent1"/>
+          </a:effectRef>
+          <a:fontRef idx="minor">
+            <a:schemeClr val="lt1"/>
+          </a:fontRef>
+        </p:style>
+        <p:txBody>
+          <a:bodyPr rtlCol="0" anchor="ctr"/>
+          <a:lstStyle/>
+          <a:p>
+            <a:pPr algn="ctr"/>
+            <a:r>
+              <a:rPr lang="en-US" altLang="zh-CN" sz="3200" b="1" dirty="0" err="1">
+                <a:solidFill>
+                  <a:schemeClr val="tx1"/>
+                </a:solidFill>
+              </a:rPr>
+              <a:t>TypeEnv</a:t>
+            </a:r>
+            <a:endParaRPr lang="zh-CN" altLang="en-US" sz="3200" b="1" dirty="0">
+              <a:solidFill>
+                <a:schemeClr val="tx1"/>
+              </a:solidFill>
+            </a:endParaRPr>
+          </a:p>
+        </p:txBody>
+      </p:sp>
+      <p:sp>
+        <p:nvSpPr>
+          <p:cNvPr id="148" name="矩形 147">
+            <a:extLst>
+              <a:ext uri="{FF2B5EF4-FFF2-40B4-BE49-F238E27FC236}">
+                <a16:creationId xmlns:a16="http://schemas.microsoft.com/office/drawing/2014/main" id="{87846052-BFF8-4D31-A10F-AA7E55E5CC26}"/>
+              </a:ext>
+            </a:extLst>
+          </p:cNvPr>
+          <p:cNvSpPr/>
+          <p:nvPr/>
+        </p:nvSpPr>
+        <p:spPr>
+          <a:xfrm>
+            <a:off x="10561770" y="4058684"/>
+            <a:ext cx="1028131" cy="310533"/>
+          </a:xfrm>
+          <a:prstGeom prst="rect">
+            <a:avLst/>
+          </a:prstGeom>
+          <a:solidFill>
+            <a:srgbClr val="92D050"/>
+          </a:solidFill>
+          <a:ln>
+            <a:solidFill>
+              <a:schemeClr val="tx1"/>
+            </a:solidFill>
+          </a:ln>
+        </p:spPr>
+        <p:style>
+          <a:lnRef idx="2">
+            <a:schemeClr val="accent1">
+              <a:shade val="50000"/>
+            </a:schemeClr>
+          </a:lnRef>
+          <a:fillRef idx="1">
+            <a:schemeClr val="accent1"/>
+          </a:fillRef>
+          <a:effectRef idx="0">
+            <a:schemeClr val="accent1"/>
+          </a:effectRef>
+          <a:fontRef idx="minor">
+            <a:schemeClr val="lt1"/>
+          </a:fontRef>
+        </p:style>
+        <p:txBody>
+          <a:bodyPr rtlCol="0" anchor="ctr"/>
+          <a:lstStyle/>
+          <a:p>
+            <a:pPr algn="ctr"/>
+            <a:r>
+              <a:rPr lang="en-US" altLang="zh-CN" sz="1400" dirty="0" err="1">
+                <a:solidFill>
+                  <a:schemeClr val="tx1"/>
+                </a:solidFill>
+              </a:rPr>
+              <a:t>ListType</a:t>
+            </a:r>
+            <a:endParaRPr lang="zh-CN" altLang="en-US" sz="1400" dirty="0">
+              <a:solidFill>
+                <a:schemeClr val="tx1"/>
+              </a:solidFill>
+            </a:endParaRPr>
+          </a:p>
+        </p:txBody>
+      </p:sp>
+      <p:sp>
+        <p:nvSpPr>
+          <p:cNvPr id="150" name="矩形 149">
+            <a:extLst>
+              <a:ext uri="{FF2B5EF4-FFF2-40B4-BE49-F238E27FC236}">
+                <a16:creationId xmlns:a16="http://schemas.microsoft.com/office/drawing/2014/main" id="{E11DBAAB-4663-4EBC-B484-C6409D5E7518}"/>
+              </a:ext>
+            </a:extLst>
+          </p:cNvPr>
+          <p:cNvSpPr/>
+          <p:nvPr/>
+        </p:nvSpPr>
+        <p:spPr>
+          <a:xfrm>
+            <a:off x="3763627" y="5750086"/>
+            <a:ext cx="1379283" cy="310533"/>
+          </a:xfrm>
+          <a:prstGeom prst="rect">
+            <a:avLst/>
+          </a:prstGeom>
+          <a:solidFill>
+            <a:srgbClr val="92D050"/>
+          </a:solidFill>
+          <a:ln>
+            <a:solidFill>
+              <a:schemeClr val="tx1"/>
+            </a:solidFill>
+          </a:ln>
+        </p:spPr>
+        <p:style>
+          <a:lnRef idx="2">
+            <a:schemeClr val="accent1">
+              <a:shade val="50000"/>
+            </a:schemeClr>
+          </a:lnRef>
+          <a:fillRef idx="1">
+            <a:schemeClr val="accent1"/>
+          </a:fillRef>
+          <a:effectRef idx="0">
+            <a:schemeClr val="accent1"/>
+          </a:effectRef>
+          <a:fontRef idx="minor">
+            <a:schemeClr val="lt1"/>
+          </a:fontRef>
+        </p:style>
+        <p:txBody>
+          <a:bodyPr rtlCol="0" anchor="ctr"/>
+          <a:lstStyle/>
+          <a:p>
+            <a:pPr algn="ctr"/>
+            <a:r>
+              <a:rPr lang="en-US" altLang="zh-CN" sz="1400" dirty="0" err="1">
+                <a:solidFill>
+                  <a:schemeClr val="tx1"/>
+                </a:solidFill>
+              </a:rPr>
+              <a:t>DefaultTypeEnv</a:t>
+            </a:r>
+            <a:endParaRPr lang="zh-CN" altLang="en-US" sz="1400" dirty="0">
+              <a:solidFill>
+                <a:schemeClr val="tx1"/>
+              </a:solidFill>
+            </a:endParaRPr>
+          </a:p>
+        </p:txBody>
+      </p:sp>
+      <p:sp>
+        <p:nvSpPr>
+          <p:cNvPr id="157" name="矩形 156">
+            <a:extLst>
+              <a:ext uri="{FF2B5EF4-FFF2-40B4-BE49-F238E27FC236}">
+                <a16:creationId xmlns:a16="http://schemas.microsoft.com/office/drawing/2014/main" id="{ED163307-8270-47BB-9650-83A22E3A17DD}"/>
+              </a:ext>
+            </a:extLst>
+          </p:cNvPr>
+          <p:cNvSpPr/>
+          <p:nvPr/>
+        </p:nvSpPr>
+        <p:spPr>
+          <a:xfrm>
+            <a:off x="10561770" y="3654397"/>
+            <a:ext cx="1028131" cy="310533"/>
+          </a:xfrm>
+          <a:prstGeom prst="rect">
+            <a:avLst/>
+          </a:prstGeom>
+          <a:solidFill>
+            <a:srgbClr val="92D050"/>
+          </a:solidFill>
+          <a:ln>
+            <a:solidFill>
+              <a:schemeClr val="tx1"/>
+            </a:solidFill>
+          </a:ln>
+        </p:spPr>
+        <p:style>
+          <a:lnRef idx="2">
+            <a:schemeClr val="accent1">
+              <a:shade val="50000"/>
+            </a:schemeClr>
+          </a:lnRef>
+          <a:fillRef idx="1">
+            <a:schemeClr val="accent1"/>
+          </a:fillRef>
+          <a:effectRef idx="0">
+            <a:schemeClr val="accent1"/>
+          </a:effectRef>
+          <a:fontRef idx="minor">
+            <a:schemeClr val="lt1"/>
+          </a:fontRef>
+        </p:style>
+        <p:txBody>
+          <a:bodyPr rtlCol="0" anchor="ctr"/>
+          <a:lstStyle/>
+          <a:p>
+            <a:pPr algn="ctr"/>
+            <a:r>
+              <a:rPr lang="en-US" altLang="zh-CN" sz="1400" dirty="0" err="1">
+                <a:solidFill>
+                  <a:schemeClr val="tx1"/>
+                </a:solidFill>
+              </a:rPr>
+              <a:t>BoolType</a:t>
+            </a:r>
+            <a:endParaRPr lang="zh-CN" altLang="en-US" sz="1400" dirty="0">
+              <a:solidFill>
+                <a:schemeClr val="tx1"/>
+              </a:solidFill>
+            </a:endParaRPr>
+          </a:p>
+        </p:txBody>
+      </p:sp>
+      <p:cxnSp>
+        <p:nvCxnSpPr>
+          <p:cNvPr id="131" name="连接符: 肘形 130">
+            <a:extLst>
+              <a:ext uri="{FF2B5EF4-FFF2-40B4-BE49-F238E27FC236}">
+                <a16:creationId xmlns:a16="http://schemas.microsoft.com/office/drawing/2014/main" id="{AA24C6AD-8A94-4B64-A51C-DF0C109D846D}"/>
+              </a:ext>
+            </a:extLst>
+          </p:cNvPr>
+          <p:cNvCxnSpPr>
+            <a:cxnSpLocks/>
+            <a:stCxn id="772" idx="3"/>
+            <a:endCxn id="150" idx="1"/>
+          </p:cNvCxnSpPr>
+          <p:nvPr/>
+        </p:nvCxnSpPr>
+        <p:spPr>
+          <a:xfrm flipV="1">
+            <a:off x="3261640" y="5905353"/>
+            <a:ext cx="501987" cy="136"/>
+          </a:xfrm>
+          <a:prstGeom prst="bentConnector3">
+            <a:avLst>
+              <a:gd name="adj1" fmla="val 50000"/>
+            </a:avLst>
+          </a:prstGeom>
+          <a:ln>
+            <a:tailEnd type="triangle"/>
+          </a:ln>
+        </p:spPr>
+        <p:style>
+          <a:lnRef idx="1">
+            <a:schemeClr val="accent1"/>
+          </a:lnRef>
+          <a:fillRef idx="0">
+            <a:schemeClr val="accent1"/>
+          </a:fillRef>
+          <a:effectRef idx="0">
+            <a:schemeClr val="accent1"/>
+          </a:effectRef>
+          <a:fontRef idx="minor">
+            <a:schemeClr val="tx1"/>
+          </a:fontRef>
+        </p:style>
+      </p:cxnSp>
     </p:spTree>
     <p:extLst>
       <p:ext uri="{BB962C8B-B14F-4D97-AF65-F5344CB8AC3E}">
-        <p14:creationId xmlns:p14="http://schemas.microsoft.com/office/powerpoint/2010/main" val="564198633"/>
-      </p:ext>
-    </p:extLst>
-  </p:cSld>
-  <p:clrMapOvr>
-    <a:masterClrMapping/>
-  </p:clrMapOvr>
-</p:sld>
-</file>
-
-<file path=ppt/slides/slide4.xml><?xml version="1.0" encoding="utf-8"?>
-<p:sld xmlns:a="http://schemas.openxmlformats.org/drawingml/2006/main" xmlns:r="http://schemas.openxmlformats.org/officeDocument/2006/relationships" xmlns:p="http://schemas.openxmlformats.org/presentationml/2006/main">
-  <p:cSld>
-    <p:spTree>
-      <p:nvGrpSpPr>
-        <p:cNvPr id="1" name=""/>
-        <p:cNvGrpSpPr/>
-        <p:nvPr/>
-      </p:nvGrpSpPr>
-      <p:grpSpPr>
-        <a:xfrm>
-          <a:off x="0" y="0"/>
-          <a:ext cx="0" cy="0"/>
-          <a:chOff x="0" y="0"/>
-          <a:chExt cx="0" cy="0"/>
-        </a:xfrm>
-      </p:grpSpPr>
-    </p:spTree>
-    <p:extLst>
-      <p:ext uri="{BB962C8B-B14F-4D97-AF65-F5344CB8AC3E}">
-        <p14:creationId xmlns:p14="http://schemas.microsoft.com/office/powerpoint/2010/main" val="44781215"/>
+        <p14:creationId xmlns:p14="http://schemas.microsoft.com/office/powerpoint/2010/main" val="2329844233"/>
       </p:ext>
     </p:extLst>
   </p:cSld>
